--- a/data/figures/MIP tech architecture - v1.pptx
+++ b/data/figures/MIP tech architecture - v1.pptx
@@ -274,7 +274,7 @@
               <a:pPr>
                 <a:defRPr/>
               </a:pPr>
-              <a:t>2/8/22</a:t>
+              <a:t>2/9/22</a:t>
             </a:fld>
             <a:endParaRPr lang="en-GB"/>
           </a:p>
@@ -1097,7 +1097,7 @@
           <a:p>
             <a:fld id="{2741AD99-8C39-784E-B2CE-3100183C5BFB}" type="datetimeFigureOut">
               <a:rPr lang="en-US" smtClean="0"/>
-              <a:t>2/8/22</a:t>
+              <a:t>2/9/22</a:t>
             </a:fld>
             <a:endParaRPr lang="en-US"/>
           </a:p>
@@ -1373,7 +1373,7 @@
           <a:p>
             <a:fld id="{2741AD99-8C39-784E-B2CE-3100183C5BFB}" type="datetimeFigureOut">
               <a:rPr lang="en-US" smtClean="0"/>
-              <a:t>2/8/22</a:t>
+              <a:t>2/9/22</a:t>
             </a:fld>
             <a:endParaRPr lang="en-US"/>
           </a:p>
@@ -1565,7 +1565,7 @@
           <a:p>
             <a:fld id="{2741AD99-8C39-784E-B2CE-3100183C5BFB}" type="datetimeFigureOut">
               <a:rPr lang="en-US" smtClean="0"/>
-              <a:t>2/8/22</a:t>
+              <a:t>2/9/22</a:t>
             </a:fld>
             <a:endParaRPr lang="en-US"/>
           </a:p>
@@ -1767,7 +1767,7 @@
           <a:p>
             <a:fld id="{2741AD99-8C39-784E-B2CE-3100183C5BFB}" type="datetimeFigureOut">
               <a:rPr lang="en-US" smtClean="0"/>
-              <a:t>2/8/22</a:t>
+              <a:t>2/9/22</a:t>
             </a:fld>
             <a:endParaRPr lang="en-US"/>
           </a:p>
@@ -1989,7 +1989,7 @@
           <a:p>
             <a:fld id="{2741AD99-8C39-784E-B2CE-3100183C5BFB}" type="datetimeFigureOut">
               <a:rPr lang="en-US" smtClean="0"/>
-              <a:t>2/8/22</a:t>
+              <a:t>2/9/22</a:t>
             </a:fld>
             <a:endParaRPr lang="en-US"/>
           </a:p>
@@ -2258,7 +2258,7 @@
           <a:p>
             <a:fld id="{2741AD99-8C39-784E-B2CE-3100183C5BFB}" type="datetimeFigureOut">
               <a:rPr lang="en-US" smtClean="0"/>
-              <a:t>2/8/22</a:t>
+              <a:t>2/9/22</a:t>
             </a:fld>
             <a:endParaRPr lang="en-US"/>
           </a:p>
@@ -2567,7 +2567,7 @@
           <a:p>
             <a:fld id="{2741AD99-8C39-784E-B2CE-3100183C5BFB}" type="datetimeFigureOut">
               <a:rPr lang="en-US" smtClean="0"/>
-              <a:t>2/8/22</a:t>
+              <a:t>2/9/22</a:t>
             </a:fld>
             <a:endParaRPr lang="en-US"/>
           </a:p>
@@ -3010,7 +3010,7 @@
           <a:p>
             <a:fld id="{2741AD99-8C39-784E-B2CE-3100183C5BFB}" type="datetimeFigureOut">
               <a:rPr lang="en-US" smtClean="0"/>
-              <a:t>2/8/22</a:t>
+              <a:t>2/9/22</a:t>
             </a:fld>
             <a:endParaRPr lang="en-US"/>
           </a:p>
@@ -3151,7 +3151,7 @@
           <a:p>
             <a:fld id="{2741AD99-8C39-784E-B2CE-3100183C5BFB}" type="datetimeFigureOut">
               <a:rPr lang="en-US" smtClean="0"/>
-              <a:t>2/8/22</a:t>
+              <a:t>2/9/22</a:t>
             </a:fld>
             <a:endParaRPr lang="en-US"/>
           </a:p>
@@ -3270,7 +3270,7 @@
           <a:p>
             <a:fld id="{2741AD99-8C39-784E-B2CE-3100183C5BFB}" type="datetimeFigureOut">
               <a:rPr lang="en-US" smtClean="0"/>
-              <a:t>2/8/22</a:t>
+              <a:t>2/9/22</a:t>
             </a:fld>
             <a:endParaRPr lang="en-US"/>
           </a:p>
@@ -3569,7 +3569,7 @@
           <a:p>
             <a:fld id="{2741AD99-8C39-784E-B2CE-3100183C5BFB}" type="datetimeFigureOut">
               <a:rPr lang="en-US" smtClean="0"/>
-              <a:t>2/8/22</a:t>
+              <a:t>2/9/22</a:t>
             </a:fld>
             <a:endParaRPr lang="en-US"/>
           </a:p>
@@ -4186,7 +4186,7 @@
             <a:prstTxWarp prst="textNoShape">
               <a:avLst/>
             </a:prstTxWarp>
-            <a:normAutofit/>
+            <a:normAutofit lnSpcReduction="10000"/>
           </a:bodyPr>
           <a:lstStyle>
             <a:lvl1pPr marL="141288" indent="-133350" defTabSz="457200" eaLnBrk="1" latinLnBrk="0" hangingPunct="1">
@@ -4287,7 +4287,7 @@
             <a:pPr marL="6350" indent="1588"/>
             <a:r>
               <a:rPr lang="en-GB" sz="800" b="0" dirty="0"/>
-              <a:t>Google searches on museum names</a:t>
+              <a:t>Google searches on open museum names</a:t>
             </a:r>
           </a:p>
         </p:txBody>
@@ -4653,8 +4653,8 @@
         </p:nvSpPr>
         <p:spPr>
           <a:xfrm>
-            <a:off x="11171348" y="4901882"/>
-            <a:ext cx="1207231" cy="444059"/>
+            <a:off x="11214508" y="4901882"/>
+            <a:ext cx="996765" cy="444059"/>
           </a:xfrm>
           <a:prstGeom prst="rect">
             <a:avLst/>
@@ -4851,7 +4851,7 @@
         <p:spPr>
           <a:xfrm>
             <a:off x="10885255" y="5006765"/>
-            <a:ext cx="286093" cy="117147"/>
+            <a:ext cx="329253" cy="117147"/>
           </a:xfrm>
           <a:prstGeom prst="straightConnector1">
             <a:avLst/>
@@ -4901,7 +4901,7 @@
         <p:spPr>
           <a:xfrm>
             <a:off x="11358493" y="4189592"/>
-            <a:ext cx="416471" cy="712290"/>
+            <a:ext cx="354398" cy="712290"/>
           </a:xfrm>
           <a:prstGeom prst="straightConnector1">
             <a:avLst/>
@@ -4998,9 +4998,9 @@
           <p:nvPr/>
         </p:nvCxnSpPr>
         <p:spPr>
-          <a:xfrm flipH="1">
-            <a:off x="11732707" y="5345941"/>
-            <a:ext cx="42257" cy="946557"/>
+          <a:xfrm>
+            <a:off x="11712891" y="5345941"/>
+            <a:ext cx="62976" cy="946557"/>
           </a:xfrm>
           <a:prstGeom prst="straightConnector1">
             <a:avLst/>
@@ -5290,7 +5290,7 @@
             <a:prstTxWarp prst="textNoShape">
               <a:avLst/>
             </a:prstTxWarp>
-            <a:normAutofit/>
+            <a:normAutofit fontScale="92500" lnSpcReduction="10000"/>
           </a:bodyPr>
           <a:lstStyle>
             <a:lvl1pPr marL="342900" indent="-342900" algn="l" defTabSz="457200" rtl="0" eaLnBrk="1" latinLnBrk="0" hangingPunct="1">
@@ -5460,7 +5460,7 @@
               <a:rPr lang="en-GB" sz="800" dirty="0">
                 <a:latin typeface="Avenir" panose="02000503020000020003" pitchFamily="2" charset="0"/>
               </a:rPr>
-              <a:t>training / test</a:t>
+              <a:t>training / test (sample 400)</a:t>
             </a:r>
           </a:p>
         </p:txBody>
@@ -5543,7 +5543,7 @@
         </p:nvSpPr>
         <p:spPr>
           <a:xfrm>
-            <a:off x="8122286" y="4817093"/>
+            <a:off x="8037529" y="4752130"/>
             <a:ext cx="1138164" cy="277625"/>
           </a:xfrm>
           <a:prstGeom prst="cube">
@@ -5791,14 +5791,11 @@
             <a:prstTxWarp prst="textNoShape">
               <a:avLst/>
             </a:prstTxWarp>
-            <a:normAutofit/>
+            <a:noAutofit/>
           </a:bodyPr>
           <a:lstStyle/>
           <a:p>
-            <a:pPr marL="6350" indent="1588" algn="ctr" defTabSz="457200" fontAlgn="auto">
-              <a:spcBef>
-                <a:spcPct val="20000"/>
-              </a:spcBef>
+            <a:pPr marL="6350" indent="1588" algn="ctr" fontAlgn="auto">
               <a:spcAft>
                 <a:spcPts val="0"/>
               </a:spcAft>
@@ -5808,12 +5805,9 @@
             </a:pPr>
             <a:r>
               <a:rPr lang="en-GB" sz="800" dirty="0">
-                <a:solidFill>
-                  <a:schemeClr val="tx1"/>
-                </a:solidFill>
                 <a:latin typeface="Avenir" panose="02000503020000020003" pitchFamily="2" charset="0"/>
               </a:rPr>
-              <a:t>ML model</a:t>
+              <a:t>ML model (Random Forests)</a:t>
             </a:r>
           </a:p>
         </p:txBody>
@@ -6562,8 +6556,8 @@
         </p:nvCxnSpPr>
         <p:spPr>
           <a:xfrm flipV="1">
-            <a:off x="8679877" y="4256610"/>
-            <a:ext cx="439963" cy="583465"/>
+            <a:off x="8595120" y="4256610"/>
+            <a:ext cx="524720" cy="518502"/>
           </a:xfrm>
           <a:prstGeom prst="straightConnector1">
             <a:avLst/>
@@ -7125,8 +7119,8 @@
         </p:nvCxnSpPr>
         <p:spPr>
           <a:xfrm flipV="1">
-            <a:off x="7269570" y="4967396"/>
-            <a:ext cx="852716" cy="1381711"/>
+            <a:off x="7269570" y="4902433"/>
+            <a:ext cx="767959" cy="1446674"/>
           </a:xfrm>
           <a:prstGeom prst="straightConnector1">
             <a:avLst/>
@@ -7357,6 +7351,149 @@
           </a:fontRef>
         </p:style>
       </p:cxnSp>
+      <p:sp>
+        <p:nvSpPr>
+          <p:cNvPr id="46" name="Content Placeholder 2">
+            <a:extLst>
+              <a:ext uri="{FF2B5EF4-FFF2-40B4-BE49-F238E27FC236}">
+                <a16:creationId xmlns:a16="http://schemas.microsoft.com/office/drawing/2014/main" id="{0BF39CD1-E3CE-1743-B554-5D0DB1F35985}"/>
+              </a:ext>
+            </a:extLst>
+          </p:cNvPr>
+          <p:cNvSpPr txBox="1">
+            <a:spLocks/>
+          </p:cNvSpPr>
+          <p:nvPr/>
+        </p:nvSpPr>
+        <p:spPr>
+          <a:xfrm>
+            <a:off x="3682806" y="4899732"/>
+            <a:ext cx="1060120" cy="429584"/>
+          </a:xfrm>
+          <a:prstGeom prst="rect">
+            <a:avLst/>
+          </a:prstGeom>
+          <a:noFill/>
+          <a:ln w="12700">
+            <a:solidFill>
+              <a:srgbClr val="0070C0"/>
+            </a:solidFill>
+            <a:miter lim="800000"/>
+            <a:headEnd/>
+            <a:tailEnd/>
+          </a:ln>
+        </p:spPr>
+        <p:txBody>
+          <a:bodyPr vert="horz" wrap="square" lIns="91440" tIns="45720" rIns="91440" bIns="45720" numCol="1" rtlCol="0" anchor="ctr" anchorCtr="0" compatLnSpc="1">
+            <a:prstTxWarp prst="textNoShape">
+              <a:avLst/>
+            </a:prstTxWarp>
+            <a:normAutofit/>
+          </a:bodyPr>
+          <a:lstStyle>
+            <a:lvl1pPr marL="141288" indent="-133350" defTabSz="457200" eaLnBrk="1" latinLnBrk="0" hangingPunct="1">
+              <a:spcBef>
+                <a:spcPct val="20000"/>
+              </a:spcBef>
+              <a:buFont typeface="Arial"/>
+              <a:buNone/>
+              <a:tabLst>
+                <a:tab pos="1331913" algn="l"/>
+              </a:tabLst>
+              <a:defRPr sz="1000" b="1">
+                <a:latin typeface="Avenir" panose="02000503020000020003" pitchFamily="2" charset="0"/>
+              </a:defRPr>
+            </a:lvl1pPr>
+            <a:lvl2pPr marL="742950" indent="-285750" defTabSz="457200" eaLnBrk="1" latinLnBrk="0" hangingPunct="1">
+              <a:spcBef>
+                <a:spcPct val="20000"/>
+              </a:spcBef>
+              <a:buFont typeface="Arial"/>
+              <a:buChar char="–"/>
+              <a:defRPr sz="2800">
+                <a:latin typeface="+mn-lt"/>
+              </a:defRPr>
+            </a:lvl2pPr>
+            <a:lvl3pPr marL="1143000" indent="-228600" defTabSz="457200" eaLnBrk="1" latinLnBrk="0" hangingPunct="1">
+              <a:spcBef>
+                <a:spcPct val="20000"/>
+              </a:spcBef>
+              <a:buFont typeface="Arial"/>
+              <a:buChar char="•"/>
+              <a:defRPr sz="2400">
+                <a:latin typeface="+mn-lt"/>
+              </a:defRPr>
+            </a:lvl3pPr>
+            <a:lvl4pPr marL="1600200" indent="-228600" defTabSz="457200" eaLnBrk="1" latinLnBrk="0" hangingPunct="1">
+              <a:spcBef>
+                <a:spcPct val="20000"/>
+              </a:spcBef>
+              <a:buFont typeface="Arial"/>
+              <a:buChar char="–"/>
+              <a:defRPr sz="2000">
+                <a:latin typeface="+mn-lt"/>
+              </a:defRPr>
+            </a:lvl4pPr>
+            <a:lvl5pPr marL="2057400" indent="-228600" defTabSz="457200" eaLnBrk="1" latinLnBrk="0" hangingPunct="1">
+              <a:spcBef>
+                <a:spcPct val="20000"/>
+              </a:spcBef>
+              <a:buFont typeface="Arial"/>
+              <a:buChar char="»"/>
+              <a:defRPr sz="2000">
+                <a:latin typeface="+mn-lt"/>
+              </a:defRPr>
+            </a:lvl5pPr>
+            <a:lvl6pPr marL="2514600" indent="-228600" defTabSz="457200">
+              <a:spcBef>
+                <a:spcPct val="20000"/>
+              </a:spcBef>
+              <a:buFont typeface="Arial"/>
+              <a:buChar char="•"/>
+              <a:defRPr sz="2000">
+                <a:latin typeface="+mn-lt"/>
+              </a:defRPr>
+            </a:lvl6pPr>
+            <a:lvl7pPr marL="2971800" indent="-228600" defTabSz="457200">
+              <a:spcBef>
+                <a:spcPct val="20000"/>
+              </a:spcBef>
+              <a:buFont typeface="Arial"/>
+              <a:buChar char="•"/>
+              <a:defRPr sz="2000">
+                <a:latin typeface="+mn-lt"/>
+              </a:defRPr>
+            </a:lvl7pPr>
+            <a:lvl8pPr marL="3429000" indent="-228600" defTabSz="457200">
+              <a:spcBef>
+                <a:spcPct val="20000"/>
+              </a:spcBef>
+              <a:buFont typeface="Arial"/>
+              <a:buChar char="•"/>
+              <a:defRPr sz="2000">
+                <a:latin typeface="+mn-lt"/>
+              </a:defRPr>
+            </a:lvl8pPr>
+            <a:lvl9pPr marL="3886200" indent="-228600" defTabSz="457200">
+              <a:spcBef>
+                <a:spcPct val="20000"/>
+              </a:spcBef>
+              <a:buFont typeface="Arial"/>
+              <a:buChar char="•"/>
+              <a:defRPr sz="2000">
+                <a:latin typeface="+mn-lt"/>
+              </a:defRPr>
+            </a:lvl9pPr>
+          </a:lstStyle>
+          <a:p>
+            <a:pPr marL="6350" indent="1588"/>
+            <a:r>
+              <a:rPr lang="en-GB" sz="800" b="0" dirty="0"/>
+              <a:t>Google scraper</a:t>
+            </a:r>
+          </a:p>
+        </p:txBody>
+      </p:sp>
     </p:spTree>
     <p:extLst>
       <p:ext uri="{BB962C8B-B14F-4D97-AF65-F5344CB8AC3E}">
@@ -8257,9 +8394,12 @@
 </file>
 
 <file path=customXml/item1.xml><?xml version="1.0" encoding="utf-8"?>
-<p:properties xmlns:p="http://schemas.microsoft.com/office/2006/metadata/properties" xmlns:xsi="http://www.w3.org/2001/XMLSchema-instance" xmlns:pc="http://schemas.microsoft.com/office/infopath/2007/PartnerControls">
-  <documentManagement/>
-</p:properties>
+<?mso-contentType ?>
+<FormTemplates xmlns="http://schemas.microsoft.com/sharepoint/v3/contenttype/forms">
+  <Display>DocumentLibraryForm</Display>
+  <Edit>DocumentLibraryForm</Edit>
+  <New>DocumentLibraryForm</New>
+</FormTemplates>
 </file>
 
 <file path=customXml/item2.xml><?xml version="1.0" encoding="utf-8"?>
@@ -8486,27 +8626,15 @@
 </file>
 
 <file path=customXml/item3.xml><?xml version="1.0" encoding="utf-8"?>
-<?mso-contentType ?>
-<FormTemplates xmlns="http://schemas.microsoft.com/sharepoint/v3/contenttype/forms">
-  <Display>DocumentLibraryForm</Display>
-  <Edit>DocumentLibraryForm</Edit>
-  <New>DocumentLibraryForm</New>
-</FormTemplates>
+<p:properties xmlns:p="http://schemas.microsoft.com/office/2006/metadata/properties" xmlns:xsi="http://www.w3.org/2001/XMLSchema-instance" xmlns:pc="http://schemas.microsoft.com/office/infopath/2007/PartnerControls">
+  <documentManagement/>
+</p:properties>
 </file>
 
 <file path=customXml/itemProps1.xml><?xml version="1.0" encoding="utf-8"?>
-<ds:datastoreItem xmlns:ds="http://schemas.openxmlformats.org/officeDocument/2006/customXml" ds:itemID="{6F3545C3-5F61-491F-8C0B-E8C547C38C8F}">
+<ds:datastoreItem xmlns:ds="http://schemas.openxmlformats.org/officeDocument/2006/customXml" ds:itemID="{6819633A-8796-487C-883D-63E82B42CF72}">
   <ds:schemaRefs>
-    <ds:schemaRef ds:uri="0accda53-abec-4882-afe9-cc0ba02332f1"/>
-    <ds:schemaRef ds:uri="http://schemas.microsoft.com/office/2006/documentManagement/types"/>
-    <ds:schemaRef ds:uri="http://schemas.openxmlformats.org/package/2006/metadata/core-properties"/>
-    <ds:schemaRef ds:uri="http://purl.org/dc/elements/1.1/"/>
-    <ds:schemaRef ds:uri="http://purl.org/dc/dcmitype/"/>
-    <ds:schemaRef ds:uri="http://schemas.microsoft.com/office/infopath/2007/PartnerControls"/>
-    <ds:schemaRef ds:uri="http://schemas.microsoft.com/office/2006/metadata/properties"/>
-    <ds:schemaRef ds:uri="http://purl.org/dc/terms/"/>
-    <ds:schemaRef ds:uri="0afe7543-80e5-4676-a63d-5a4feeb00470"/>
-    <ds:schemaRef ds:uri="http://www.w3.org/XML/1998/namespace"/>
+    <ds:schemaRef ds:uri="http://schemas.microsoft.com/sharepoint/v3/contenttype/forms"/>
   </ds:schemaRefs>
 </ds:datastoreItem>
 </file>
@@ -8531,9 +8659,18 @@
 </file>
 
 <file path=customXml/itemProps3.xml><?xml version="1.0" encoding="utf-8"?>
-<ds:datastoreItem xmlns:ds="http://schemas.openxmlformats.org/officeDocument/2006/customXml" ds:itemID="{6819633A-8796-487C-883D-63E82B42CF72}">
+<ds:datastoreItem xmlns:ds="http://schemas.openxmlformats.org/officeDocument/2006/customXml" ds:itemID="{6F3545C3-5F61-491F-8C0B-E8C547C38C8F}">
   <ds:schemaRefs>
-    <ds:schemaRef ds:uri="http://schemas.microsoft.com/sharepoint/v3/contenttype/forms"/>
+    <ds:schemaRef ds:uri="0accda53-abec-4882-afe9-cc0ba02332f1"/>
+    <ds:schemaRef ds:uri="http://schemas.microsoft.com/office/2006/documentManagement/types"/>
+    <ds:schemaRef ds:uri="http://schemas.openxmlformats.org/package/2006/metadata/core-properties"/>
+    <ds:schemaRef ds:uri="http://purl.org/dc/elements/1.1/"/>
+    <ds:schemaRef ds:uri="http://purl.org/dc/dcmitype/"/>
+    <ds:schemaRef ds:uri="http://schemas.microsoft.com/office/infopath/2007/PartnerControls"/>
+    <ds:schemaRef ds:uri="http://schemas.microsoft.com/office/2006/metadata/properties"/>
+    <ds:schemaRef ds:uri="http://purl.org/dc/terms/"/>
+    <ds:schemaRef ds:uri="0afe7543-80e5-4676-a63d-5a4feeb00470"/>
+    <ds:schemaRef ds:uri="http://www.w3.org/XML/1998/namespace"/>
   </ds:schemaRefs>
 </ds:datastoreItem>
 </file>
--- a/data/figures/MIP tech architecture - v1.pptx
+++ b/data/figures/MIP tech architecture - v1.pptx
@@ -141,21 +141,6 @@
     </a:lvl9pPr>
   </p:defaultTextStyle>
   <p:extLst>
-    <p:ext uri="{521415D9-36F7-43E2-AB2F-B90AF26B5E84}">
-      <p14:sectionLst xmlns:p14="http://schemas.microsoft.com/office/powerpoint/2010/main">
-        <p14:section name="Intro" id="{4D887028-61D9-0C4A-8D84-D893489FA17E}">
-          <p14:sldIdLst>
-            <p14:sldId id="634"/>
-          </p14:sldIdLst>
-        </p14:section>
-        <p14:section name="Conclusions" id="{4ABDF787-6A2D-AB4E-AA30-BC6507CDC57F}">
-          <p14:sldIdLst/>
-        </p14:section>
-        <p14:section name="Discarded" id="{C194DB04-D7BA-4942-B5CE-A6E8C5283EB3}">
-          <p14:sldIdLst/>
-        </p14:section>
-      </p14:sectionLst>
-    </p:ext>
     <p:ext uri="{EFAFB233-063F-42B5-8137-9DF3F51BA10A}">
       <p15:sldGuideLst xmlns:p15="http://schemas.microsoft.com/office/powerpoint/2012/main">
         <p15:guide id="1" orient="horz" pos="4541" userDrawn="1">
@@ -274,7 +259,7 @@
               <a:pPr>
                 <a:defRPr/>
               </a:pPr>
-              <a:t>2/9/22</a:t>
+              <a:t>3/5/22</a:t>
             </a:fld>
             <a:endParaRPr lang="en-GB"/>
           </a:p>
@@ -1097,7 +1082,7 @@
           <a:p>
             <a:fld id="{2741AD99-8C39-784E-B2CE-3100183C5BFB}" type="datetimeFigureOut">
               <a:rPr lang="en-US" smtClean="0"/>
-              <a:t>2/9/22</a:t>
+              <a:t>3/5/22</a:t>
             </a:fld>
             <a:endParaRPr lang="en-US"/>
           </a:p>
@@ -1373,7 +1358,7 @@
           <a:p>
             <a:fld id="{2741AD99-8C39-784E-B2CE-3100183C5BFB}" type="datetimeFigureOut">
               <a:rPr lang="en-US" smtClean="0"/>
-              <a:t>2/9/22</a:t>
+              <a:t>3/5/22</a:t>
             </a:fld>
             <a:endParaRPr lang="en-US"/>
           </a:p>
@@ -1565,7 +1550,7 @@
           <a:p>
             <a:fld id="{2741AD99-8C39-784E-B2CE-3100183C5BFB}" type="datetimeFigureOut">
               <a:rPr lang="en-US" smtClean="0"/>
-              <a:t>2/9/22</a:t>
+              <a:t>3/5/22</a:t>
             </a:fld>
             <a:endParaRPr lang="en-US"/>
           </a:p>
@@ -1767,7 +1752,7 @@
           <a:p>
             <a:fld id="{2741AD99-8C39-784E-B2CE-3100183C5BFB}" type="datetimeFigureOut">
               <a:rPr lang="en-US" smtClean="0"/>
-              <a:t>2/9/22</a:t>
+              <a:t>3/5/22</a:t>
             </a:fld>
             <a:endParaRPr lang="en-US"/>
           </a:p>
@@ -1989,7 +1974,7 @@
           <a:p>
             <a:fld id="{2741AD99-8C39-784E-B2CE-3100183C5BFB}" type="datetimeFigureOut">
               <a:rPr lang="en-US" smtClean="0"/>
-              <a:t>2/9/22</a:t>
+              <a:t>3/5/22</a:t>
             </a:fld>
             <a:endParaRPr lang="en-US"/>
           </a:p>
@@ -2258,7 +2243,7 @@
           <a:p>
             <a:fld id="{2741AD99-8C39-784E-B2CE-3100183C5BFB}" type="datetimeFigureOut">
               <a:rPr lang="en-US" smtClean="0"/>
-              <a:t>2/9/22</a:t>
+              <a:t>3/5/22</a:t>
             </a:fld>
             <a:endParaRPr lang="en-US"/>
           </a:p>
@@ -2567,7 +2552,7 @@
           <a:p>
             <a:fld id="{2741AD99-8C39-784E-B2CE-3100183C5BFB}" type="datetimeFigureOut">
               <a:rPr lang="en-US" smtClean="0"/>
-              <a:t>2/9/22</a:t>
+              <a:t>3/5/22</a:t>
             </a:fld>
             <a:endParaRPr lang="en-US"/>
           </a:p>
@@ -3010,7 +2995,7 @@
           <a:p>
             <a:fld id="{2741AD99-8C39-784E-B2CE-3100183C5BFB}" type="datetimeFigureOut">
               <a:rPr lang="en-US" smtClean="0"/>
-              <a:t>2/9/22</a:t>
+              <a:t>3/5/22</a:t>
             </a:fld>
             <a:endParaRPr lang="en-US"/>
           </a:p>
@@ -3151,7 +3136,7 @@
           <a:p>
             <a:fld id="{2741AD99-8C39-784E-B2CE-3100183C5BFB}" type="datetimeFigureOut">
               <a:rPr lang="en-US" smtClean="0"/>
-              <a:t>2/9/22</a:t>
+              <a:t>3/5/22</a:t>
             </a:fld>
             <a:endParaRPr lang="en-US"/>
           </a:p>
@@ -3270,7 +3255,7 @@
           <a:p>
             <a:fld id="{2741AD99-8C39-784E-B2CE-3100183C5BFB}" type="datetimeFigureOut">
               <a:rPr lang="en-US" smtClean="0"/>
-              <a:t>2/9/22</a:t>
+              <a:t>3/5/22</a:t>
             </a:fld>
             <a:endParaRPr lang="en-US"/>
           </a:p>
@@ -3569,7 +3554,7 @@
           <a:p>
             <a:fld id="{2741AD99-8C39-784E-B2CE-3100183C5BFB}" type="datetimeFigureOut">
               <a:rPr lang="en-US" smtClean="0"/>
-              <a:t>2/9/22</a:t>
+              <a:t>3/5/22</a:t>
             </a:fld>
             <a:endParaRPr lang="en-US"/>
           </a:p>
@@ -4077,7 +4062,7 @@
         </p:blipFill>
         <p:spPr>
           <a:xfrm>
-            <a:off x="4509338" y="5671096"/>
+            <a:off x="1864242" y="6492837"/>
             <a:ext cx="338828" cy="338828"/>
           </a:xfrm>
           <a:prstGeom prst="rect">
@@ -4099,7 +4084,7 @@
         </p:nvSpPr>
         <p:spPr>
           <a:xfrm>
-            <a:off x="11197907" y="6287005"/>
+            <a:off x="13981427" y="5407707"/>
             <a:ext cx="796268" cy="544660"/>
           </a:xfrm>
           <a:prstGeom prst="can">
@@ -4130,7 +4115,9 @@
           </a:fontRef>
         </p:style>
         <p:txBody>
-          <a:bodyPr rtlCol="0" anchor="ctr"/>
+          <a:bodyPr rtlCol="0" anchor="ctr">
+            <a:noAutofit/>
+          </a:bodyPr>
           <a:lstStyle/>
           <a:p>
             <a:pPr algn="ctr"/>
@@ -4145,149 +4132,6 @@
                 <a:latin typeface="Avenir Book" panose="02000503020000020003" pitchFamily="2" charset="0"/>
               </a:rPr>
               <a:t> DB</a:t>
-            </a:r>
-          </a:p>
-        </p:txBody>
-      </p:sp>
-      <p:sp>
-        <p:nvSpPr>
-          <p:cNvPr id="26" name="Content Placeholder 2">
-            <a:extLst>
-              <a:ext uri="{FF2B5EF4-FFF2-40B4-BE49-F238E27FC236}">
-                <a16:creationId xmlns:a16="http://schemas.microsoft.com/office/drawing/2014/main" id="{D7701608-90F8-4F4E-A252-AA62C92B8327}"/>
-              </a:ext>
-            </a:extLst>
-          </p:cNvPr>
-          <p:cNvSpPr txBox="1">
-            <a:spLocks/>
-          </p:cNvSpPr>
-          <p:nvPr/>
-        </p:nvSpPr>
-        <p:spPr>
-          <a:xfrm>
-            <a:off x="4877529" y="4901882"/>
-            <a:ext cx="1060120" cy="429584"/>
-          </a:xfrm>
-          <a:prstGeom prst="rect">
-            <a:avLst/>
-          </a:prstGeom>
-          <a:noFill/>
-          <a:ln w="12700">
-            <a:solidFill>
-              <a:srgbClr val="0070C0"/>
-            </a:solidFill>
-            <a:miter lim="800000"/>
-            <a:headEnd/>
-            <a:tailEnd/>
-          </a:ln>
-        </p:spPr>
-        <p:txBody>
-          <a:bodyPr vert="horz" wrap="square" lIns="91440" tIns="45720" rIns="91440" bIns="45720" numCol="1" rtlCol="0" anchor="ctr" anchorCtr="0" compatLnSpc="1">
-            <a:prstTxWarp prst="textNoShape">
-              <a:avLst/>
-            </a:prstTxWarp>
-            <a:normAutofit lnSpcReduction="10000"/>
-          </a:bodyPr>
-          <a:lstStyle>
-            <a:lvl1pPr marL="141288" indent="-133350" defTabSz="457200" eaLnBrk="1" latinLnBrk="0" hangingPunct="1">
-              <a:spcBef>
-                <a:spcPct val="20000"/>
-              </a:spcBef>
-              <a:buFont typeface="Arial"/>
-              <a:buNone/>
-              <a:tabLst>
-                <a:tab pos="1331913" algn="l"/>
-              </a:tabLst>
-              <a:defRPr sz="1000" b="1">
-                <a:latin typeface="Avenir" panose="02000503020000020003" pitchFamily="2" charset="0"/>
-              </a:defRPr>
-            </a:lvl1pPr>
-            <a:lvl2pPr marL="742950" indent="-285750" defTabSz="457200" eaLnBrk="1" latinLnBrk="0" hangingPunct="1">
-              <a:spcBef>
-                <a:spcPct val="20000"/>
-              </a:spcBef>
-              <a:buFont typeface="Arial"/>
-              <a:buChar char="–"/>
-              <a:defRPr sz="2800">
-                <a:latin typeface="+mn-lt"/>
-              </a:defRPr>
-            </a:lvl2pPr>
-            <a:lvl3pPr marL="1143000" indent="-228600" defTabSz="457200" eaLnBrk="1" latinLnBrk="0" hangingPunct="1">
-              <a:spcBef>
-                <a:spcPct val="20000"/>
-              </a:spcBef>
-              <a:buFont typeface="Arial"/>
-              <a:buChar char="•"/>
-              <a:defRPr sz="2400">
-                <a:latin typeface="+mn-lt"/>
-              </a:defRPr>
-            </a:lvl3pPr>
-            <a:lvl4pPr marL="1600200" indent="-228600" defTabSz="457200" eaLnBrk="1" latinLnBrk="0" hangingPunct="1">
-              <a:spcBef>
-                <a:spcPct val="20000"/>
-              </a:spcBef>
-              <a:buFont typeface="Arial"/>
-              <a:buChar char="–"/>
-              <a:defRPr sz="2000">
-                <a:latin typeface="+mn-lt"/>
-              </a:defRPr>
-            </a:lvl4pPr>
-            <a:lvl5pPr marL="2057400" indent="-228600" defTabSz="457200" eaLnBrk="1" latinLnBrk="0" hangingPunct="1">
-              <a:spcBef>
-                <a:spcPct val="20000"/>
-              </a:spcBef>
-              <a:buFont typeface="Arial"/>
-              <a:buChar char="»"/>
-              <a:defRPr sz="2000">
-                <a:latin typeface="+mn-lt"/>
-              </a:defRPr>
-            </a:lvl5pPr>
-            <a:lvl6pPr marL="2514600" indent="-228600" defTabSz="457200">
-              <a:spcBef>
-                <a:spcPct val="20000"/>
-              </a:spcBef>
-              <a:buFont typeface="Arial"/>
-              <a:buChar char="•"/>
-              <a:defRPr sz="2000">
-                <a:latin typeface="+mn-lt"/>
-              </a:defRPr>
-            </a:lvl6pPr>
-            <a:lvl7pPr marL="2971800" indent="-228600" defTabSz="457200">
-              <a:spcBef>
-                <a:spcPct val="20000"/>
-              </a:spcBef>
-              <a:buFont typeface="Arial"/>
-              <a:buChar char="•"/>
-              <a:defRPr sz="2000">
-                <a:latin typeface="+mn-lt"/>
-              </a:defRPr>
-            </a:lvl7pPr>
-            <a:lvl8pPr marL="3429000" indent="-228600" defTabSz="457200">
-              <a:spcBef>
-                <a:spcPct val="20000"/>
-              </a:spcBef>
-              <a:buFont typeface="Arial"/>
-              <a:buChar char="•"/>
-              <a:defRPr sz="2000">
-                <a:latin typeface="+mn-lt"/>
-              </a:defRPr>
-            </a:lvl8pPr>
-            <a:lvl9pPr marL="3886200" indent="-228600" defTabSz="457200">
-              <a:spcBef>
-                <a:spcPct val="20000"/>
-              </a:spcBef>
-              <a:buFont typeface="Arial"/>
-              <a:buChar char="•"/>
-              <a:defRPr sz="2000">
-                <a:latin typeface="+mn-lt"/>
-              </a:defRPr>
-            </a:lvl9pPr>
-          </a:lstStyle>
-          <a:p>
-            <a:pPr marL="6350" indent="1588"/>
-            <a:r>
-              <a:rPr lang="en-GB" sz="800" b="0" dirty="0"/>
-              <a:t>Google searches on open museum names</a:t>
             </a:r>
           </a:p>
         </p:txBody>
@@ -4310,7 +4154,7 @@
         </p:nvCxnSpPr>
         <p:spPr>
           <a:xfrm>
-            <a:off x="9575248" y="4103633"/>
+            <a:off x="12358768" y="3224335"/>
             <a:ext cx="369173" cy="85959"/>
           </a:xfrm>
           <a:prstGeom prst="straightConnector1">
@@ -4360,7 +4204,7 @@
         </p:nvCxnSpPr>
         <p:spPr>
           <a:xfrm>
-            <a:off x="9575248" y="4103633"/>
+            <a:off x="12358768" y="3224335"/>
             <a:ext cx="164406" cy="903132"/>
           </a:xfrm>
           <a:prstGeom prst="straightConnector1">
@@ -4408,7 +4252,7 @@
         </p:nvSpPr>
         <p:spPr>
           <a:xfrm>
-            <a:off x="8400328" y="5979306"/>
+            <a:off x="11183848" y="5100008"/>
             <a:ext cx="910817" cy="305955"/>
           </a:xfrm>
           <a:prstGeom prst="rect">
@@ -4429,7 +4273,7 @@
             <a:prstTxWarp prst="textNoShape">
               <a:avLst/>
             </a:prstTxWarp>
-            <a:normAutofit/>
+            <a:noAutofit/>
           </a:bodyPr>
           <a:lstStyle>
             <a:lvl1pPr marL="342900" indent="-342900" algn="l" defTabSz="457200" rtl="0" eaLnBrk="1" latinLnBrk="0" hangingPunct="1">
@@ -4580,7 +4424,7 @@
             </a:pPr>
             <a:r>
               <a:rPr lang="en-GB" sz="800" dirty="0">
-                <a:latin typeface="Avenir" panose="02000503020000020003" pitchFamily="2" charset="0"/>
+                <a:latin typeface="Avenir Book" panose="02000503020000020003" pitchFamily="2" charset="0"/>
               </a:rPr>
               <a:t>Web scraper</a:t>
             </a:r>
@@ -4605,7 +4449,7 @@
         </p:nvCxnSpPr>
         <p:spPr>
           <a:xfrm flipV="1">
-            <a:off x="9311145" y="6115867"/>
+            <a:off x="12094665" y="5236569"/>
             <a:ext cx="264103" cy="16417"/>
           </a:xfrm>
           <a:prstGeom prst="straightConnector1">
@@ -4653,7 +4497,7 @@
         </p:nvSpPr>
         <p:spPr>
           <a:xfrm>
-            <a:off x="11214508" y="4901882"/>
+            <a:off x="12052435" y="4533903"/>
             <a:ext cx="996765" cy="444059"/>
           </a:xfrm>
           <a:prstGeom prst="rect">
@@ -4674,7 +4518,7 @@
             <a:prstTxWarp prst="textNoShape">
               <a:avLst/>
             </a:prstTxWarp>
-            <a:normAutofit lnSpcReduction="10000"/>
+            <a:noAutofit/>
           </a:bodyPr>
           <a:lstStyle>
             <a:lvl1pPr marL="342900" indent="-342900" algn="l" defTabSz="457200" rtl="0" eaLnBrk="1" latinLnBrk="0" hangingPunct="1">
@@ -4825,7 +4669,7 @@
             </a:pPr>
             <a:r>
               <a:rPr lang="en-GB" sz="800" dirty="0">
-                <a:latin typeface="Avenir" panose="02000503020000020003" pitchFamily="2" charset="0"/>
+                <a:latin typeface="Avenir Book" panose="02000503020000020003" pitchFamily="2" charset="0"/>
               </a:rPr>
               <a:t>Data dump from January 2019 to December 2021</a:t>
             </a:r>
@@ -4844,13 +4688,12 @@
           <p:cNvCxnSpPr>
             <a:cxnSpLocks/>
             <a:stCxn id="148" idx="6"/>
-            <a:endCxn id="65" idx="1"/>
           </p:cNvCxnSpPr>
           <p:nvPr/>
         </p:nvCxnSpPr>
         <p:spPr>
           <a:xfrm>
-            <a:off x="10885255" y="5006765"/>
+            <a:off x="13668775" y="4127467"/>
             <a:ext cx="329253" cy="117147"/>
           </a:xfrm>
           <a:prstGeom prst="straightConnector1">
@@ -4894,13 +4737,12 @@
           <p:cNvCxnSpPr>
             <a:cxnSpLocks/>
             <a:stCxn id="147" idx="6"/>
-            <a:endCxn id="65" idx="0"/>
           </p:cNvCxnSpPr>
           <p:nvPr/>
         </p:nvCxnSpPr>
         <p:spPr>
           <a:xfrm>
-            <a:off x="11358493" y="4189592"/>
+            <a:off x="14142013" y="3310294"/>
             <a:ext cx="354398" cy="712290"/>
           </a:xfrm>
           <a:prstGeom prst="straightConnector1">
@@ -4950,7 +4792,7 @@
         </p:nvCxnSpPr>
         <p:spPr>
           <a:xfrm flipV="1">
-            <a:off x="10802440" y="5905640"/>
+            <a:off x="13585960" y="5026342"/>
             <a:ext cx="152045" cy="210227"/>
           </a:xfrm>
           <a:prstGeom prst="straightConnector1">
@@ -4993,13 +4835,12 @@
           </p:cNvPr>
           <p:cNvCxnSpPr>
             <a:cxnSpLocks/>
-            <a:stCxn id="65" idx="2"/>
           </p:cNvCxnSpPr>
           <p:nvPr/>
         </p:nvCxnSpPr>
         <p:spPr>
           <a:xfrm>
-            <a:off x="11712891" y="5345941"/>
+            <a:off x="14496411" y="4466643"/>
             <a:ext cx="62976" cy="946557"/>
           </a:xfrm>
           <a:prstGeom prst="straightConnector1">
@@ -5031,64 +4872,6 @@
           </a:fontRef>
         </p:style>
       </p:cxnSp>
-      <p:sp>
-        <p:nvSpPr>
-          <p:cNvPr id="81" name="Can 80">
-            <a:extLst>
-              <a:ext uri="{FF2B5EF4-FFF2-40B4-BE49-F238E27FC236}">
-                <a16:creationId xmlns:a16="http://schemas.microsoft.com/office/drawing/2014/main" id="{B0C2BFC2-E914-7E44-8CCA-9806279C9356}"/>
-              </a:ext>
-            </a:extLst>
-          </p:cNvPr>
-          <p:cNvSpPr/>
-          <p:nvPr/>
-        </p:nvSpPr>
-        <p:spPr>
-          <a:xfrm>
-            <a:off x="4910492" y="5529767"/>
-            <a:ext cx="985823" cy="564430"/>
-          </a:xfrm>
-          <a:prstGeom prst="can">
-            <a:avLst>
-              <a:gd name="adj" fmla="val 21126"/>
-            </a:avLst>
-          </a:prstGeom>
-          <a:solidFill>
-            <a:srgbClr val="0070C0"/>
-          </a:solidFill>
-          <a:ln>
-            <a:noFill/>
-          </a:ln>
-          <a:effectLst/>
-        </p:spPr>
-        <p:style>
-          <a:lnRef idx="1">
-            <a:schemeClr val="accent1"/>
-          </a:lnRef>
-          <a:fillRef idx="3">
-            <a:schemeClr val="accent1"/>
-          </a:fillRef>
-          <a:effectRef idx="2">
-            <a:schemeClr val="accent1"/>
-          </a:effectRef>
-          <a:fontRef idx="minor">
-            <a:schemeClr val="lt1"/>
-          </a:fontRef>
-        </p:style>
-        <p:txBody>
-          <a:bodyPr rtlCol="0" anchor="ctr"/>
-          <a:lstStyle/>
-          <a:p>
-            <a:pPr algn="ctr"/>
-            <a:r>
-              <a:rPr lang="en-GB" sz="800" dirty="0">
-                <a:latin typeface="Avenir Book" panose="02000503020000020003" pitchFamily="2" charset="0"/>
-              </a:rPr>
-              <a:t>Mapping Museums KB</a:t>
-            </a:r>
-          </a:p>
-        </p:txBody>
-      </p:sp>
       <p:cxnSp>
         <p:nvCxnSpPr>
           <p:cNvPr id="89" name="Straight Arrow Connector 88">
@@ -5100,15 +4883,15 @@
           </p:cNvPr>
           <p:cNvCxnSpPr>
             <a:cxnSpLocks/>
-            <a:stCxn id="81" idx="1"/>
-            <a:endCxn id="26" idx="2"/>
+            <a:stCxn id="189" idx="3"/>
+            <a:endCxn id="188" idx="1"/>
           </p:cNvCxnSpPr>
           <p:nvPr/>
         </p:nvCxnSpPr>
         <p:spPr>
-          <a:xfrm flipV="1">
-            <a:off x="5403404" y="5331466"/>
-            <a:ext cx="4185" cy="198301"/>
+          <a:xfrm>
+            <a:off x="2951191" y="2620000"/>
+            <a:ext cx="196292" cy="0"/>
           </a:xfrm>
           <a:prstGeom prst="straightConnector1">
             <a:avLst/>
@@ -5121,7 +4904,7 @@
               </a:schemeClr>
             </a:solidFill>
             <a:headEnd type="none" w="med" len="med"/>
-            <a:tailEnd type="arrow" w="med" len="med"/>
+            <a:tailEnd type="triangle" w="med" len="med"/>
           </a:ln>
         </p:spPr>
         <p:style>
@@ -5141,10 +4924,10 @@
       </p:cxnSp>
       <p:sp>
         <p:nvSpPr>
-          <p:cNvPr id="95" name="Cube 94">
+          <p:cNvPr id="108" name="Cube 107">
             <a:extLst>
               <a:ext uri="{FF2B5EF4-FFF2-40B4-BE49-F238E27FC236}">
-                <a16:creationId xmlns:a16="http://schemas.microsoft.com/office/drawing/2014/main" id="{EE363738-5A4D-784F-ACD5-B6BAC56EE3FB}"/>
+                <a16:creationId xmlns:a16="http://schemas.microsoft.com/office/drawing/2014/main" id="{5F9D339D-ABF8-2941-95CC-C8D5FFA4211B}"/>
               </a:ext>
             </a:extLst>
           </p:cNvPr>
@@ -5153,8 +4936,8 @@
         </p:nvSpPr>
         <p:spPr>
           <a:xfrm>
-            <a:off x="4889062" y="4194673"/>
-            <a:ext cx="646916" cy="429584"/>
+            <a:off x="9932891" y="3381218"/>
+            <a:ext cx="1145601" cy="277625"/>
           </a:xfrm>
           <a:prstGeom prst="cube">
             <a:avLst>
@@ -5187,7 +4970,9 @@
           </a:fontRef>
         </p:style>
         <p:txBody>
-          <a:bodyPr rtlCol="0" anchor="ctr"/>
+          <a:bodyPr rtlCol="0" anchor="ctr">
+            <a:noAutofit/>
+          </a:bodyPr>
           <a:lstStyle/>
           <a:p>
             <a:pPr algn="ctr"/>
@@ -5198,81 +4983,161 @@
                 </a:solidFill>
                 <a:latin typeface="Avenir Book" panose="02000503020000020003" pitchFamily="2" charset="0"/>
               </a:rPr>
-              <a:t>Google SERPs</a:t>
-            </a:r>
-          </a:p>
-        </p:txBody>
-      </p:sp>
-      <p:cxnSp>
-        <p:nvCxnSpPr>
-          <p:cNvPr id="97" name="Straight Arrow Connector 96">
+              <a:t>Museum Facebook pages</a:t>
+            </a:r>
+          </a:p>
+        </p:txBody>
+      </p:sp>
+      <p:sp>
+        <p:nvSpPr>
+          <p:cNvPr id="109" name="Cube 108">
             <a:extLst>
               <a:ext uri="{FF2B5EF4-FFF2-40B4-BE49-F238E27FC236}">
-                <a16:creationId xmlns:a16="http://schemas.microsoft.com/office/drawing/2014/main" id="{0E23640C-71ED-9847-8AC9-A867814EB763}"/>
+                <a16:creationId xmlns:a16="http://schemas.microsoft.com/office/drawing/2014/main" id="{FD48699B-0B42-4342-8C64-6BE6D7E78163}"/>
               </a:ext>
             </a:extLst>
           </p:cNvPr>
-          <p:cNvCxnSpPr>
-            <a:cxnSpLocks/>
-            <a:stCxn id="26" idx="0"/>
-            <a:endCxn id="95" idx="3"/>
-          </p:cNvCxnSpPr>
+          <p:cNvSpPr/>
           <p:nvPr/>
-        </p:nvCxnSpPr>
-        <p:spPr>
-          <a:xfrm flipH="1" flipV="1">
-            <a:off x="5194740" y="4624257"/>
-            <a:ext cx="212849" cy="277625"/>
-          </a:xfrm>
-          <a:prstGeom prst="straightConnector1">
-            <a:avLst/>
-          </a:prstGeom>
-          <a:ln w="12700">
-            <a:solidFill>
-              <a:schemeClr val="tx1">
-                <a:lumMod val="50000"/>
-                <a:lumOff val="50000"/>
-              </a:schemeClr>
-            </a:solidFill>
-            <a:headEnd type="none" w="med" len="med"/>
-            <a:tailEnd type="arrow" w="med" len="med"/>
+        </p:nvSpPr>
+        <p:spPr>
+          <a:xfrm>
+            <a:off x="10821049" y="3872832"/>
+            <a:ext cx="1138164" cy="277625"/>
+          </a:xfrm>
+          <a:prstGeom prst="cube">
+            <a:avLst>
+              <a:gd name="adj" fmla="val 8278"/>
+            </a:avLst>
+          </a:prstGeom>
+          <a:solidFill>
+            <a:schemeClr val="tx2">
+              <a:lumMod val="20000"/>
+              <a:lumOff val="80000"/>
+            </a:schemeClr>
+          </a:solidFill>
+          <a:ln>
+            <a:noFill/>
           </a:ln>
+          <a:effectLst/>
         </p:spPr>
         <p:style>
           <a:lnRef idx="1">
             <a:schemeClr val="accent1"/>
           </a:lnRef>
-          <a:fillRef idx="0">
+          <a:fillRef idx="3">
             <a:schemeClr val="accent1"/>
           </a:fillRef>
-          <a:effectRef idx="0">
+          <a:effectRef idx="2">
             <a:schemeClr val="accent1"/>
           </a:effectRef>
           <a:fontRef idx="minor">
-            <a:schemeClr val="tx1"/>
+            <a:schemeClr val="lt1"/>
           </a:fontRef>
         </p:style>
-      </p:cxnSp>
-      <p:sp>
-        <p:nvSpPr>
-          <p:cNvPr id="107" name="Content Placeholder 2">
+        <p:txBody>
+          <a:bodyPr rtlCol="0" anchor="ctr">
+            <a:noAutofit/>
+          </a:bodyPr>
+          <a:lstStyle/>
+          <a:p>
+            <a:pPr algn="ctr"/>
+            <a:r>
+              <a:rPr lang="en-GB" sz="800" dirty="0">
+                <a:solidFill>
+                  <a:schemeClr val="tx1"/>
+                </a:solidFill>
+                <a:latin typeface="Avenir Book" panose="02000503020000020003" pitchFamily="2" charset="0"/>
+              </a:rPr>
+              <a:t>Museum Twitter accounts</a:t>
+            </a:r>
+          </a:p>
+        </p:txBody>
+      </p:sp>
+      <p:sp>
+        <p:nvSpPr>
+          <p:cNvPr id="110" name="Cube 109">
             <a:extLst>
               <a:ext uri="{FF2B5EF4-FFF2-40B4-BE49-F238E27FC236}">
-                <a16:creationId xmlns:a16="http://schemas.microsoft.com/office/drawing/2014/main" id="{142F80BE-1125-0141-B84C-5ECDC51230A2}"/>
+                <a16:creationId xmlns:a16="http://schemas.microsoft.com/office/drawing/2014/main" id="{594C0EA7-0391-1044-85C3-597BB6788907}"/>
               </a:ext>
             </a:extLst>
           </p:cNvPr>
-          <p:cNvSpPr txBox="1">
-            <a:spLocks/>
-          </p:cNvSpPr>
+          <p:cNvSpPr/>
           <p:nvPr/>
         </p:nvSpPr>
         <p:spPr>
           <a:xfrm>
-            <a:off x="5957341" y="3677116"/>
-            <a:ext cx="821522" cy="423029"/>
-          </a:xfrm>
-          <a:prstGeom prst="rect">
+            <a:off x="11066456" y="4412505"/>
+            <a:ext cx="1145600" cy="277625"/>
+          </a:xfrm>
+          <a:prstGeom prst="cube">
+            <a:avLst>
+              <a:gd name="adj" fmla="val 8278"/>
+            </a:avLst>
+          </a:prstGeom>
+          <a:solidFill>
+            <a:schemeClr val="tx2">
+              <a:lumMod val="20000"/>
+              <a:lumOff val="80000"/>
+            </a:schemeClr>
+          </a:solidFill>
+          <a:ln>
+            <a:noFill/>
+          </a:ln>
+          <a:effectLst/>
+        </p:spPr>
+        <p:style>
+          <a:lnRef idx="1">
+            <a:schemeClr val="accent1"/>
+          </a:lnRef>
+          <a:fillRef idx="3">
+            <a:schemeClr val="accent1"/>
+          </a:fillRef>
+          <a:effectRef idx="2">
+            <a:schemeClr val="accent1"/>
+          </a:effectRef>
+          <a:fontRef idx="minor">
+            <a:schemeClr val="lt1"/>
+          </a:fontRef>
+        </p:style>
+        <p:txBody>
+          <a:bodyPr rtlCol="0" anchor="ctr">
+            <a:noAutofit/>
+          </a:bodyPr>
+          <a:lstStyle/>
+          <a:p>
+            <a:pPr algn="ctr"/>
+            <a:r>
+              <a:rPr lang="en-GB" sz="800" dirty="0">
+                <a:solidFill>
+                  <a:schemeClr val="tx1"/>
+                </a:solidFill>
+                <a:latin typeface="Avenir Book" panose="02000503020000020003" pitchFamily="2" charset="0"/>
+              </a:rPr>
+              <a:t>Museum websites</a:t>
+            </a:r>
+          </a:p>
+        </p:txBody>
+      </p:sp>
+      <p:sp>
+        <p:nvSpPr>
+          <p:cNvPr id="144" name="Oval 143">
+            <a:extLst>
+              <a:ext uri="{FF2B5EF4-FFF2-40B4-BE49-F238E27FC236}">
+                <a16:creationId xmlns:a16="http://schemas.microsoft.com/office/drawing/2014/main" id="{657041E3-011A-BD47-9EA2-104B182A80C3}"/>
+              </a:ext>
+            </a:extLst>
+          </p:cNvPr>
+          <p:cNvSpPr/>
+          <p:nvPr/>
+        </p:nvSpPr>
+        <p:spPr>
+          <a:xfrm>
+            <a:off x="12358768" y="5026341"/>
+            <a:ext cx="1227192" cy="420456"/>
+          </a:xfrm>
+          <a:prstGeom prst="ellipse">
             <a:avLst/>
           </a:prstGeom>
           <a:noFill/>
@@ -5290,7 +5155,206 @@
             <a:prstTxWarp prst="textNoShape">
               <a:avLst/>
             </a:prstTxWarp>
-            <a:normAutofit fontScale="92500" lnSpcReduction="10000"/>
+            <a:noAutofit/>
+          </a:bodyPr>
+          <a:lstStyle/>
+          <a:p>
+            <a:pPr marL="6350" indent="1588" algn="ctr" fontAlgn="auto">
+              <a:spcAft>
+                <a:spcPts val="0"/>
+              </a:spcAft>
+              <a:buNone/>
+              <a:tabLst>
+                <a:tab pos="1331913" algn="l"/>
+              </a:tabLst>
+            </a:pPr>
+            <a:r>
+              <a:rPr lang="en-GB" sz="800" dirty="0">
+                <a:latin typeface="Avenir Book" panose="02000503020000020003" pitchFamily="2" charset="0"/>
+              </a:rPr>
+              <a:t>Scrape websites every 2 weeks</a:t>
+            </a:r>
+          </a:p>
+        </p:txBody>
+      </p:sp>
+      <p:sp>
+        <p:nvSpPr>
+          <p:cNvPr id="147" name="Oval 146">
+            <a:extLst>
+              <a:ext uri="{FF2B5EF4-FFF2-40B4-BE49-F238E27FC236}">
+                <a16:creationId xmlns:a16="http://schemas.microsoft.com/office/drawing/2014/main" id="{74DC3D05-B698-1D4B-B692-C1B3037B6409}"/>
+              </a:ext>
+            </a:extLst>
+          </p:cNvPr>
+          <p:cNvSpPr/>
+          <p:nvPr/>
+        </p:nvSpPr>
+        <p:spPr>
+          <a:xfrm>
+            <a:off x="12727941" y="3012720"/>
+            <a:ext cx="1414072" cy="595148"/>
+          </a:xfrm>
+          <a:prstGeom prst="ellipse">
+            <a:avLst/>
+          </a:prstGeom>
+          <a:noFill/>
+          <a:ln w="12700">
+            <a:solidFill>
+              <a:srgbClr val="0070C0"/>
+            </a:solidFill>
+            <a:miter lim="800000"/>
+            <a:headEnd/>
+            <a:tailEnd/>
+          </a:ln>
+        </p:spPr>
+        <p:txBody>
+          <a:bodyPr vert="horz" wrap="square" lIns="91440" tIns="45720" rIns="91440" bIns="45720" numCol="1" rtlCol="0" anchor="ctr" anchorCtr="0" compatLnSpc="1">
+            <a:prstTxWarp prst="textNoShape">
+              <a:avLst/>
+            </a:prstTxWarp>
+            <a:noAutofit/>
+          </a:bodyPr>
+          <a:lstStyle/>
+          <a:p>
+            <a:pPr marL="6350" indent="1588" algn="ctr" fontAlgn="auto">
+              <a:spcAft>
+                <a:spcPts val="0"/>
+              </a:spcAft>
+              <a:buNone/>
+              <a:tabLst>
+                <a:tab pos="1331913" algn="l"/>
+              </a:tabLst>
+            </a:pPr>
+            <a:r>
+              <a:rPr lang="en-GB" sz="800" dirty="0">
+                <a:latin typeface="Avenir Book" panose="02000503020000020003" pitchFamily="2" charset="0"/>
+              </a:rPr>
+              <a:t>Get posts from Facebook pages</a:t>
+            </a:r>
+          </a:p>
+          <a:p>
+            <a:pPr marL="6350" indent="1588" algn="ctr" fontAlgn="auto">
+              <a:spcAft>
+                <a:spcPts val="0"/>
+              </a:spcAft>
+              <a:buNone/>
+              <a:tabLst>
+                <a:tab pos="1331913" algn="l"/>
+              </a:tabLst>
+            </a:pPr>
+            <a:r>
+              <a:rPr lang="en-GB" sz="800" dirty="0">
+                <a:latin typeface="Avenir Book" panose="02000503020000020003" pitchFamily="2" charset="0"/>
+              </a:rPr>
+              <a:t>via </a:t>
+            </a:r>
+            <a:r>
+              <a:rPr lang="en-GB" sz="800" dirty="0" err="1">
+                <a:latin typeface="Avenir Book" panose="02000503020000020003" pitchFamily="2" charset="0"/>
+              </a:rPr>
+              <a:t>CrowdTangle</a:t>
+            </a:r>
+            <a:endParaRPr lang="en-GB" sz="800" dirty="0">
+              <a:latin typeface="Avenir Book" panose="02000503020000020003" pitchFamily="2" charset="0"/>
+            </a:endParaRPr>
+          </a:p>
+        </p:txBody>
+      </p:sp>
+      <p:sp>
+        <p:nvSpPr>
+          <p:cNvPr id="148" name="Oval 147">
+            <a:extLst>
+              <a:ext uri="{FF2B5EF4-FFF2-40B4-BE49-F238E27FC236}">
+                <a16:creationId xmlns:a16="http://schemas.microsoft.com/office/drawing/2014/main" id="{700A2F16-FEDF-2D45-8111-E8677F721DDC}"/>
+              </a:ext>
+            </a:extLst>
+          </p:cNvPr>
+          <p:cNvSpPr/>
+          <p:nvPr/>
+        </p:nvSpPr>
+        <p:spPr>
+          <a:xfrm>
+            <a:off x="12523174" y="3917239"/>
+            <a:ext cx="1145601" cy="420456"/>
+          </a:xfrm>
+          <a:prstGeom prst="ellipse">
+            <a:avLst/>
+          </a:prstGeom>
+          <a:noFill/>
+          <a:ln w="12700">
+            <a:solidFill>
+              <a:srgbClr val="0070C0"/>
+            </a:solidFill>
+            <a:miter lim="800000"/>
+            <a:headEnd/>
+            <a:tailEnd/>
+          </a:ln>
+        </p:spPr>
+        <p:txBody>
+          <a:bodyPr vert="horz" wrap="square" lIns="91440" tIns="45720" rIns="91440" bIns="45720" numCol="1" rtlCol="0" anchor="ctr" anchorCtr="0" compatLnSpc="1">
+            <a:prstTxWarp prst="textNoShape">
+              <a:avLst/>
+            </a:prstTxWarp>
+            <a:noAutofit/>
+          </a:bodyPr>
+          <a:lstStyle/>
+          <a:p>
+            <a:pPr marL="6350" indent="1588" algn="ctr" fontAlgn="auto">
+              <a:spcAft>
+                <a:spcPts val="0"/>
+              </a:spcAft>
+              <a:buNone/>
+              <a:tabLst>
+                <a:tab pos="1331913" algn="l"/>
+              </a:tabLst>
+            </a:pPr>
+            <a:r>
+              <a:rPr lang="en-GB" sz="800" dirty="0">
+                <a:latin typeface="Avenir Book" panose="02000503020000020003" pitchFamily="2" charset="0"/>
+              </a:rPr>
+              <a:t>Get historical tweets from Twitter API</a:t>
+            </a:r>
+          </a:p>
+        </p:txBody>
+      </p:sp>
+      <p:sp>
+        <p:nvSpPr>
+          <p:cNvPr id="153" name="Content Placeholder 2">
+            <a:extLst>
+              <a:ext uri="{FF2B5EF4-FFF2-40B4-BE49-F238E27FC236}">
+                <a16:creationId xmlns:a16="http://schemas.microsoft.com/office/drawing/2014/main" id="{F1684BA9-66F3-CF46-A91E-AA7940B0A6FC}"/>
+              </a:ext>
+            </a:extLst>
+          </p:cNvPr>
+          <p:cNvSpPr txBox="1">
+            <a:spLocks/>
+          </p:cNvSpPr>
+          <p:nvPr/>
+        </p:nvSpPr>
+        <p:spPr>
+          <a:xfrm>
+            <a:off x="13738005" y="4816114"/>
+            <a:ext cx="671337" cy="420455"/>
+          </a:xfrm>
+          <a:prstGeom prst="rect">
+            <a:avLst/>
+          </a:prstGeom>
+          <a:noFill/>
+          <a:ln w="12700">
+            <a:solidFill>
+              <a:srgbClr val="0070C0"/>
+            </a:solidFill>
+            <a:miter lim="800000"/>
+            <a:headEnd/>
+            <a:tailEnd/>
+          </a:ln>
+        </p:spPr>
+        <p:txBody>
+          <a:bodyPr vert="horz" wrap="square" lIns="91440" tIns="45720" rIns="91440" bIns="45720" numCol="1" rtlCol="0" anchor="ctr" anchorCtr="0" compatLnSpc="1">
+            <a:prstTxWarp prst="textNoShape">
+              <a:avLst/>
+            </a:prstTxWarp>
+            <a:noAutofit/>
           </a:bodyPr>
           <a:lstStyle>
             <a:lvl1pPr marL="342900" indent="-342900" algn="l" defTabSz="457200" rtl="0" eaLnBrk="1" latinLnBrk="0" hangingPunct="1">
@@ -5441,763 +5505,7 @@
             </a:pPr>
             <a:r>
               <a:rPr lang="en-GB" sz="800" dirty="0">
-                <a:latin typeface="Avenir" panose="02000503020000020003" pitchFamily="2" charset="0"/>
-              </a:rPr>
-              <a:t>Valid URLs </a:t>
-            </a:r>
-          </a:p>
-          <a:p>
-            <a:pPr marL="6350" indent="1588" algn="ctr" fontAlgn="auto">
-              <a:spcAft>
-                <a:spcPts val="0"/>
-              </a:spcAft>
-              <a:buNone/>
-              <a:tabLst>
-                <a:tab pos="1331913" algn="l"/>
-              </a:tabLst>
-            </a:pPr>
-            <a:r>
-              <a:rPr lang="en-GB" sz="800" dirty="0">
-                <a:latin typeface="Avenir" panose="02000503020000020003" pitchFamily="2" charset="0"/>
-              </a:rPr>
-              <a:t>training / test (sample 400)</a:t>
-            </a:r>
-          </a:p>
-        </p:txBody>
-      </p:sp>
-      <p:sp>
-        <p:nvSpPr>
-          <p:cNvPr id="108" name="Cube 107">
-            <a:extLst>
-              <a:ext uri="{FF2B5EF4-FFF2-40B4-BE49-F238E27FC236}">
-                <a16:creationId xmlns:a16="http://schemas.microsoft.com/office/drawing/2014/main" id="{5F9D339D-ABF8-2941-95CC-C8D5FFA4211B}"/>
-              </a:ext>
-            </a:extLst>
-          </p:cNvPr>
-          <p:cNvSpPr/>
-          <p:nvPr/>
-        </p:nvSpPr>
-        <p:spPr>
-          <a:xfrm>
-            <a:off x="7149371" y="4260516"/>
-            <a:ext cx="1145601" cy="277625"/>
-          </a:xfrm>
-          <a:prstGeom prst="cube">
-            <a:avLst>
-              <a:gd name="adj" fmla="val 8278"/>
-            </a:avLst>
-          </a:prstGeom>
-          <a:solidFill>
-            <a:schemeClr val="tx2">
-              <a:lumMod val="20000"/>
-              <a:lumOff val="80000"/>
-            </a:schemeClr>
-          </a:solidFill>
-          <a:ln>
-            <a:noFill/>
-          </a:ln>
-          <a:effectLst/>
-        </p:spPr>
-        <p:style>
-          <a:lnRef idx="1">
-            <a:schemeClr val="accent1"/>
-          </a:lnRef>
-          <a:fillRef idx="3">
-            <a:schemeClr val="accent1"/>
-          </a:fillRef>
-          <a:effectRef idx="2">
-            <a:schemeClr val="accent1"/>
-          </a:effectRef>
-          <a:fontRef idx="minor">
-            <a:schemeClr val="lt1"/>
-          </a:fontRef>
-        </p:style>
-        <p:txBody>
-          <a:bodyPr rtlCol="0" anchor="ctr"/>
-          <a:lstStyle/>
-          <a:p>
-            <a:pPr algn="ctr"/>
-            <a:r>
-              <a:rPr lang="en-GB" sz="800" dirty="0">
-                <a:solidFill>
-                  <a:schemeClr val="tx1"/>
-                </a:solidFill>
                 <a:latin typeface="Avenir Book" panose="02000503020000020003" pitchFamily="2" charset="0"/>
-              </a:rPr>
-              <a:t>Museum Facebook pages</a:t>
-            </a:r>
-          </a:p>
-        </p:txBody>
-      </p:sp>
-      <p:sp>
-        <p:nvSpPr>
-          <p:cNvPr id="109" name="Cube 108">
-            <a:extLst>
-              <a:ext uri="{FF2B5EF4-FFF2-40B4-BE49-F238E27FC236}">
-                <a16:creationId xmlns:a16="http://schemas.microsoft.com/office/drawing/2014/main" id="{FD48699B-0B42-4342-8C64-6BE6D7E78163}"/>
-              </a:ext>
-            </a:extLst>
-          </p:cNvPr>
-          <p:cNvSpPr/>
-          <p:nvPr/>
-        </p:nvSpPr>
-        <p:spPr>
-          <a:xfrm>
-            <a:off x="8037529" y="4752130"/>
-            <a:ext cx="1138164" cy="277625"/>
-          </a:xfrm>
-          <a:prstGeom prst="cube">
-            <a:avLst>
-              <a:gd name="adj" fmla="val 8278"/>
-            </a:avLst>
-          </a:prstGeom>
-          <a:solidFill>
-            <a:schemeClr val="tx2">
-              <a:lumMod val="20000"/>
-              <a:lumOff val="80000"/>
-            </a:schemeClr>
-          </a:solidFill>
-          <a:ln>
-            <a:noFill/>
-          </a:ln>
-          <a:effectLst/>
-        </p:spPr>
-        <p:style>
-          <a:lnRef idx="1">
-            <a:schemeClr val="accent1"/>
-          </a:lnRef>
-          <a:fillRef idx="3">
-            <a:schemeClr val="accent1"/>
-          </a:fillRef>
-          <a:effectRef idx="2">
-            <a:schemeClr val="accent1"/>
-          </a:effectRef>
-          <a:fontRef idx="minor">
-            <a:schemeClr val="lt1"/>
-          </a:fontRef>
-        </p:style>
-        <p:txBody>
-          <a:bodyPr rtlCol="0" anchor="ctr"/>
-          <a:lstStyle/>
-          <a:p>
-            <a:pPr algn="ctr"/>
-            <a:r>
-              <a:rPr lang="en-GB" sz="800" dirty="0">
-                <a:solidFill>
-                  <a:schemeClr val="tx1"/>
-                </a:solidFill>
-                <a:latin typeface="Avenir Book" panose="02000503020000020003" pitchFamily="2" charset="0"/>
-              </a:rPr>
-              <a:t>Museum Twitter accounts</a:t>
-            </a:r>
-          </a:p>
-        </p:txBody>
-      </p:sp>
-      <p:sp>
-        <p:nvSpPr>
-          <p:cNvPr id="110" name="Cube 109">
-            <a:extLst>
-              <a:ext uri="{FF2B5EF4-FFF2-40B4-BE49-F238E27FC236}">
-                <a16:creationId xmlns:a16="http://schemas.microsoft.com/office/drawing/2014/main" id="{594C0EA7-0391-1044-85C3-597BB6788907}"/>
-              </a:ext>
-            </a:extLst>
-          </p:cNvPr>
-          <p:cNvSpPr/>
-          <p:nvPr/>
-        </p:nvSpPr>
-        <p:spPr>
-          <a:xfrm>
-            <a:off x="8282936" y="5291803"/>
-            <a:ext cx="1145600" cy="277625"/>
-          </a:xfrm>
-          <a:prstGeom prst="cube">
-            <a:avLst>
-              <a:gd name="adj" fmla="val 8278"/>
-            </a:avLst>
-          </a:prstGeom>
-          <a:solidFill>
-            <a:schemeClr val="tx2">
-              <a:lumMod val="20000"/>
-              <a:lumOff val="80000"/>
-            </a:schemeClr>
-          </a:solidFill>
-          <a:ln>
-            <a:noFill/>
-          </a:ln>
-          <a:effectLst/>
-        </p:spPr>
-        <p:style>
-          <a:lnRef idx="1">
-            <a:schemeClr val="accent1"/>
-          </a:lnRef>
-          <a:fillRef idx="3">
-            <a:schemeClr val="accent1"/>
-          </a:fillRef>
-          <a:effectRef idx="2">
-            <a:schemeClr val="accent1"/>
-          </a:effectRef>
-          <a:fontRef idx="minor">
-            <a:schemeClr val="lt1"/>
-          </a:fontRef>
-        </p:style>
-        <p:txBody>
-          <a:bodyPr rtlCol="0" anchor="ctr"/>
-          <a:lstStyle/>
-          <a:p>
-            <a:pPr algn="ctr"/>
-            <a:r>
-              <a:rPr lang="en-GB" sz="800" dirty="0">
-                <a:solidFill>
-                  <a:schemeClr val="tx1"/>
-                </a:solidFill>
-                <a:latin typeface="Avenir Book" panose="02000503020000020003" pitchFamily="2" charset="0"/>
-              </a:rPr>
-              <a:t>Museum websites</a:t>
-            </a:r>
-          </a:p>
-        </p:txBody>
-      </p:sp>
-      <p:cxnSp>
-        <p:nvCxnSpPr>
-          <p:cNvPr id="111" name="Straight Arrow Connector 110">
-            <a:extLst>
-              <a:ext uri="{FF2B5EF4-FFF2-40B4-BE49-F238E27FC236}">
-                <a16:creationId xmlns:a16="http://schemas.microsoft.com/office/drawing/2014/main" id="{2BFD5A3C-8863-A848-8423-43C44F048030}"/>
-              </a:ext>
-            </a:extLst>
-          </p:cNvPr>
-          <p:cNvCxnSpPr>
-            <a:cxnSpLocks/>
-            <a:stCxn id="107" idx="2"/>
-          </p:cNvCxnSpPr>
-          <p:nvPr/>
-        </p:nvCxnSpPr>
-        <p:spPr>
-          <a:xfrm>
-            <a:off x="6368102" y="4100145"/>
-            <a:ext cx="1" cy="173808"/>
-          </a:xfrm>
-          <a:prstGeom prst="straightConnector1">
-            <a:avLst/>
-          </a:prstGeom>
-          <a:ln w="12700">
-            <a:solidFill>
-              <a:schemeClr val="tx1">
-                <a:lumMod val="50000"/>
-                <a:lumOff val="50000"/>
-              </a:schemeClr>
-            </a:solidFill>
-            <a:headEnd type="none" w="med" len="med"/>
-            <a:tailEnd type="arrow" w="med" len="med"/>
-          </a:ln>
-        </p:spPr>
-        <p:style>
-          <a:lnRef idx="1">
-            <a:schemeClr val="accent1"/>
-          </a:lnRef>
-          <a:fillRef idx="0">
-            <a:schemeClr val="accent1"/>
-          </a:fillRef>
-          <a:effectRef idx="0">
-            <a:schemeClr val="accent1"/>
-          </a:effectRef>
-          <a:fontRef idx="minor">
-            <a:schemeClr val="tx1"/>
-          </a:fontRef>
-        </p:style>
-      </p:cxnSp>
-      <p:cxnSp>
-        <p:nvCxnSpPr>
-          <p:cNvPr id="115" name="Straight Arrow Connector 114">
-            <a:extLst>
-              <a:ext uri="{FF2B5EF4-FFF2-40B4-BE49-F238E27FC236}">
-                <a16:creationId xmlns:a16="http://schemas.microsoft.com/office/drawing/2014/main" id="{1F233E90-ADAE-414D-B2E6-75CC1966DD3D}"/>
-              </a:ext>
-            </a:extLst>
-          </p:cNvPr>
-          <p:cNvCxnSpPr>
-            <a:cxnSpLocks/>
-            <a:stCxn id="95" idx="5"/>
-            <a:endCxn id="141" idx="2"/>
-          </p:cNvCxnSpPr>
-          <p:nvPr/>
-        </p:nvCxnSpPr>
-        <p:spPr>
-          <a:xfrm>
-            <a:off x="5535978" y="4391685"/>
-            <a:ext cx="331085" cy="51439"/>
-          </a:xfrm>
-          <a:prstGeom prst="straightConnector1">
-            <a:avLst/>
-          </a:prstGeom>
-          <a:ln w="12700">
-            <a:solidFill>
-              <a:schemeClr val="tx1">
-                <a:lumMod val="50000"/>
-                <a:lumOff val="50000"/>
-              </a:schemeClr>
-            </a:solidFill>
-            <a:headEnd type="none" w="med" len="med"/>
-            <a:tailEnd type="arrow" w="med" len="med"/>
-          </a:ln>
-        </p:spPr>
-        <p:style>
-          <a:lnRef idx="1">
-            <a:schemeClr val="accent1"/>
-          </a:lnRef>
-          <a:fillRef idx="0">
-            <a:schemeClr val="accent1"/>
-          </a:fillRef>
-          <a:effectRef idx="0">
-            <a:schemeClr val="accent1"/>
-          </a:effectRef>
-          <a:fontRef idx="minor">
-            <a:schemeClr val="tx1"/>
-          </a:fontRef>
-        </p:style>
-      </p:cxnSp>
-      <p:sp>
-        <p:nvSpPr>
-          <p:cNvPr id="141" name="Oval 140">
-            <a:extLst>
-              <a:ext uri="{FF2B5EF4-FFF2-40B4-BE49-F238E27FC236}">
-                <a16:creationId xmlns:a16="http://schemas.microsoft.com/office/drawing/2014/main" id="{A8090247-9EDD-4841-9430-885735AF812F}"/>
-              </a:ext>
-            </a:extLst>
-          </p:cNvPr>
-          <p:cNvSpPr/>
-          <p:nvPr/>
-        </p:nvSpPr>
-        <p:spPr>
-          <a:xfrm>
-            <a:off x="5867063" y="4232896"/>
-            <a:ext cx="1002079" cy="420456"/>
-          </a:xfrm>
-          <a:prstGeom prst="ellipse">
-            <a:avLst/>
-          </a:prstGeom>
-          <a:noFill/>
-          <a:ln w="12700">
-            <a:solidFill>
-              <a:srgbClr val="0070C0"/>
-            </a:solidFill>
-            <a:miter lim="800000"/>
-            <a:headEnd/>
-            <a:tailEnd/>
-          </a:ln>
-        </p:spPr>
-        <p:txBody>
-          <a:bodyPr vert="horz" wrap="square" lIns="91440" tIns="45720" rIns="91440" bIns="45720" numCol="1" rtlCol="0" anchor="ctr" anchorCtr="0" compatLnSpc="1">
-            <a:prstTxWarp prst="textNoShape">
-              <a:avLst/>
-            </a:prstTxWarp>
-            <a:noAutofit/>
-          </a:bodyPr>
-          <a:lstStyle/>
-          <a:p>
-            <a:pPr marL="6350" indent="1588" algn="ctr" fontAlgn="auto">
-              <a:spcAft>
-                <a:spcPts val="0"/>
-              </a:spcAft>
-              <a:tabLst>
-                <a:tab pos="1331913" algn="l"/>
-              </a:tabLst>
-            </a:pPr>
-            <a:r>
-              <a:rPr lang="en-GB" sz="800" dirty="0">
-                <a:latin typeface="Avenir" panose="02000503020000020003" pitchFamily="2" charset="0"/>
-              </a:rPr>
-              <a:t>ML model (Random Forests)</a:t>
-            </a:r>
-          </a:p>
-        </p:txBody>
-      </p:sp>
-      <p:sp>
-        <p:nvSpPr>
-          <p:cNvPr id="144" name="Oval 143">
-            <a:extLst>
-              <a:ext uri="{FF2B5EF4-FFF2-40B4-BE49-F238E27FC236}">
-                <a16:creationId xmlns:a16="http://schemas.microsoft.com/office/drawing/2014/main" id="{657041E3-011A-BD47-9EA2-104B182A80C3}"/>
-              </a:ext>
-            </a:extLst>
-          </p:cNvPr>
-          <p:cNvSpPr/>
-          <p:nvPr/>
-        </p:nvSpPr>
-        <p:spPr>
-          <a:xfrm>
-            <a:off x="9575248" y="5905639"/>
-            <a:ext cx="1227192" cy="420456"/>
-          </a:xfrm>
-          <a:prstGeom prst="ellipse">
-            <a:avLst/>
-          </a:prstGeom>
-          <a:noFill/>
-          <a:ln w="12700">
-            <a:solidFill>
-              <a:srgbClr val="0070C0"/>
-            </a:solidFill>
-            <a:miter lim="800000"/>
-            <a:headEnd/>
-            <a:tailEnd/>
-          </a:ln>
-        </p:spPr>
-        <p:txBody>
-          <a:bodyPr vert="horz" wrap="square" lIns="91440" tIns="45720" rIns="91440" bIns="45720" numCol="1" rtlCol="0" anchor="ctr" anchorCtr="0" compatLnSpc="1">
-            <a:prstTxWarp prst="textNoShape">
-              <a:avLst/>
-            </a:prstTxWarp>
-            <a:noAutofit/>
-          </a:bodyPr>
-          <a:lstStyle/>
-          <a:p>
-            <a:pPr marL="6350" indent="1588" algn="ctr" fontAlgn="auto">
-              <a:spcAft>
-                <a:spcPts val="0"/>
-              </a:spcAft>
-              <a:buNone/>
-              <a:tabLst>
-                <a:tab pos="1331913" algn="l"/>
-              </a:tabLst>
-            </a:pPr>
-            <a:r>
-              <a:rPr lang="en-GB" sz="800" dirty="0">
-                <a:latin typeface="Avenir" panose="02000503020000020003" pitchFamily="2" charset="0"/>
-              </a:rPr>
-              <a:t>Scrape websites every 2 weeks</a:t>
-            </a:r>
-          </a:p>
-        </p:txBody>
-      </p:sp>
-      <p:sp>
-        <p:nvSpPr>
-          <p:cNvPr id="147" name="Oval 146">
-            <a:extLst>
-              <a:ext uri="{FF2B5EF4-FFF2-40B4-BE49-F238E27FC236}">
-                <a16:creationId xmlns:a16="http://schemas.microsoft.com/office/drawing/2014/main" id="{74DC3D05-B698-1D4B-B692-C1B3037B6409}"/>
-              </a:ext>
-            </a:extLst>
-          </p:cNvPr>
-          <p:cNvSpPr/>
-          <p:nvPr/>
-        </p:nvSpPr>
-        <p:spPr>
-          <a:xfrm>
-            <a:off x="9944421" y="3892018"/>
-            <a:ext cx="1414072" cy="595148"/>
-          </a:xfrm>
-          <a:prstGeom prst="ellipse">
-            <a:avLst/>
-          </a:prstGeom>
-          <a:noFill/>
-          <a:ln w="12700">
-            <a:solidFill>
-              <a:srgbClr val="0070C0"/>
-            </a:solidFill>
-            <a:miter lim="800000"/>
-            <a:headEnd/>
-            <a:tailEnd/>
-          </a:ln>
-        </p:spPr>
-        <p:txBody>
-          <a:bodyPr vert="horz" wrap="square" lIns="91440" tIns="45720" rIns="91440" bIns="45720" numCol="1" rtlCol="0" anchor="ctr" anchorCtr="0" compatLnSpc="1">
-            <a:prstTxWarp prst="textNoShape">
-              <a:avLst/>
-            </a:prstTxWarp>
-            <a:noAutofit/>
-          </a:bodyPr>
-          <a:lstStyle/>
-          <a:p>
-            <a:pPr marL="6350" indent="1588" algn="ctr" fontAlgn="auto">
-              <a:spcAft>
-                <a:spcPts val="0"/>
-              </a:spcAft>
-              <a:buNone/>
-              <a:tabLst>
-                <a:tab pos="1331913" algn="l"/>
-              </a:tabLst>
-            </a:pPr>
-            <a:r>
-              <a:rPr lang="en-GB" sz="800" dirty="0">
-                <a:latin typeface="Avenir" panose="02000503020000020003" pitchFamily="2" charset="0"/>
-              </a:rPr>
-              <a:t>Get posts from Facebook pages</a:t>
-            </a:r>
-          </a:p>
-          <a:p>
-            <a:pPr marL="6350" indent="1588" algn="ctr" fontAlgn="auto">
-              <a:spcAft>
-                <a:spcPts val="0"/>
-              </a:spcAft>
-              <a:buNone/>
-              <a:tabLst>
-                <a:tab pos="1331913" algn="l"/>
-              </a:tabLst>
-            </a:pPr>
-            <a:r>
-              <a:rPr lang="en-GB" sz="800" dirty="0">
-                <a:latin typeface="Avenir" panose="02000503020000020003" pitchFamily="2" charset="0"/>
-              </a:rPr>
-              <a:t>via </a:t>
-            </a:r>
-            <a:r>
-              <a:rPr lang="en-GB" sz="800" dirty="0" err="1">
-                <a:latin typeface="Avenir" panose="02000503020000020003" pitchFamily="2" charset="0"/>
-              </a:rPr>
-              <a:t>CrowdTangle</a:t>
-            </a:r>
-            <a:endParaRPr lang="en-GB" sz="800" dirty="0">
-              <a:latin typeface="Avenir" panose="02000503020000020003" pitchFamily="2" charset="0"/>
-            </a:endParaRPr>
-          </a:p>
-        </p:txBody>
-      </p:sp>
-      <p:sp>
-        <p:nvSpPr>
-          <p:cNvPr id="148" name="Oval 147">
-            <a:extLst>
-              <a:ext uri="{FF2B5EF4-FFF2-40B4-BE49-F238E27FC236}">
-                <a16:creationId xmlns:a16="http://schemas.microsoft.com/office/drawing/2014/main" id="{700A2F16-FEDF-2D45-8111-E8677F721DDC}"/>
-              </a:ext>
-            </a:extLst>
-          </p:cNvPr>
-          <p:cNvSpPr/>
-          <p:nvPr/>
-        </p:nvSpPr>
-        <p:spPr>
-          <a:xfrm>
-            <a:off x="9739654" y="4796537"/>
-            <a:ext cx="1145601" cy="420456"/>
-          </a:xfrm>
-          <a:prstGeom prst="ellipse">
-            <a:avLst/>
-          </a:prstGeom>
-          <a:noFill/>
-          <a:ln w="12700">
-            <a:solidFill>
-              <a:srgbClr val="0070C0"/>
-            </a:solidFill>
-            <a:miter lim="800000"/>
-            <a:headEnd/>
-            <a:tailEnd/>
-          </a:ln>
-        </p:spPr>
-        <p:txBody>
-          <a:bodyPr vert="horz" wrap="square" lIns="91440" tIns="45720" rIns="91440" bIns="45720" numCol="1" rtlCol="0" anchor="ctr" anchorCtr="0" compatLnSpc="1">
-            <a:prstTxWarp prst="textNoShape">
-              <a:avLst/>
-            </a:prstTxWarp>
-            <a:noAutofit/>
-          </a:bodyPr>
-          <a:lstStyle/>
-          <a:p>
-            <a:pPr marL="6350" indent="1588" algn="ctr" fontAlgn="auto">
-              <a:spcAft>
-                <a:spcPts val="0"/>
-              </a:spcAft>
-              <a:buNone/>
-              <a:tabLst>
-                <a:tab pos="1331913" algn="l"/>
-              </a:tabLst>
-            </a:pPr>
-            <a:r>
-              <a:rPr lang="en-GB" sz="800" dirty="0">
-                <a:latin typeface="Avenir" panose="02000503020000020003" pitchFamily="2" charset="0"/>
-              </a:rPr>
-              <a:t>Get historical tweets from Twitter API</a:t>
-            </a:r>
-          </a:p>
-        </p:txBody>
-      </p:sp>
-      <p:sp>
-        <p:nvSpPr>
-          <p:cNvPr id="153" name="Content Placeholder 2">
-            <a:extLst>
-              <a:ext uri="{FF2B5EF4-FFF2-40B4-BE49-F238E27FC236}">
-                <a16:creationId xmlns:a16="http://schemas.microsoft.com/office/drawing/2014/main" id="{F1684BA9-66F3-CF46-A91E-AA7940B0A6FC}"/>
-              </a:ext>
-            </a:extLst>
-          </p:cNvPr>
-          <p:cNvSpPr txBox="1">
-            <a:spLocks/>
-          </p:cNvSpPr>
-          <p:nvPr/>
-        </p:nvSpPr>
-        <p:spPr>
-          <a:xfrm>
-            <a:off x="10954485" y="5695412"/>
-            <a:ext cx="671337" cy="420455"/>
-          </a:xfrm>
-          <a:prstGeom prst="rect">
-            <a:avLst/>
-          </a:prstGeom>
-          <a:noFill/>
-          <a:ln w="12700">
-            <a:solidFill>
-              <a:srgbClr val="0070C0"/>
-            </a:solidFill>
-            <a:miter lim="800000"/>
-            <a:headEnd/>
-            <a:tailEnd/>
-          </a:ln>
-        </p:spPr>
-        <p:txBody>
-          <a:bodyPr vert="horz" wrap="square" lIns="91440" tIns="45720" rIns="91440" bIns="45720" numCol="1" rtlCol="0" anchor="ctr" anchorCtr="0" compatLnSpc="1">
-            <a:prstTxWarp prst="textNoShape">
-              <a:avLst/>
-            </a:prstTxWarp>
-            <a:normAutofit/>
-          </a:bodyPr>
-          <a:lstStyle>
-            <a:lvl1pPr marL="342900" indent="-342900" algn="l" defTabSz="457200" rtl="0" eaLnBrk="1" latinLnBrk="0" hangingPunct="1">
-              <a:spcBef>
-                <a:spcPct val="20000"/>
-              </a:spcBef>
-              <a:buFont typeface="Arial"/>
-              <a:buChar char="•"/>
-              <a:defRPr sz="3200" kern="1200">
-                <a:solidFill>
-                  <a:schemeClr val="tx1"/>
-                </a:solidFill>
-                <a:latin typeface="+mn-lt"/>
-                <a:ea typeface="+mn-ea"/>
-                <a:cs typeface="+mn-cs"/>
-              </a:defRPr>
-            </a:lvl1pPr>
-            <a:lvl2pPr marL="742950" indent="-285750" algn="l" defTabSz="457200" rtl="0" eaLnBrk="1" latinLnBrk="0" hangingPunct="1">
-              <a:spcBef>
-                <a:spcPct val="20000"/>
-              </a:spcBef>
-              <a:buFont typeface="Arial"/>
-              <a:buChar char="–"/>
-              <a:defRPr sz="2800" kern="1200">
-                <a:solidFill>
-                  <a:schemeClr val="tx1"/>
-                </a:solidFill>
-                <a:latin typeface="+mn-lt"/>
-                <a:ea typeface="+mn-ea"/>
-                <a:cs typeface="+mn-cs"/>
-              </a:defRPr>
-            </a:lvl2pPr>
-            <a:lvl3pPr marL="1143000" indent="-228600" algn="l" defTabSz="457200" rtl="0" eaLnBrk="1" latinLnBrk="0" hangingPunct="1">
-              <a:spcBef>
-                <a:spcPct val="20000"/>
-              </a:spcBef>
-              <a:buFont typeface="Arial"/>
-              <a:buChar char="•"/>
-              <a:defRPr sz="2400" kern="1200">
-                <a:solidFill>
-                  <a:schemeClr val="tx1"/>
-                </a:solidFill>
-                <a:latin typeface="+mn-lt"/>
-                <a:ea typeface="+mn-ea"/>
-                <a:cs typeface="+mn-cs"/>
-              </a:defRPr>
-            </a:lvl3pPr>
-            <a:lvl4pPr marL="1600200" indent="-228600" algn="l" defTabSz="457200" rtl="0" eaLnBrk="1" latinLnBrk="0" hangingPunct="1">
-              <a:spcBef>
-                <a:spcPct val="20000"/>
-              </a:spcBef>
-              <a:buFont typeface="Arial"/>
-              <a:buChar char="–"/>
-              <a:defRPr sz="2000" kern="1200">
-                <a:solidFill>
-                  <a:schemeClr val="tx1"/>
-                </a:solidFill>
-                <a:latin typeface="+mn-lt"/>
-                <a:ea typeface="+mn-ea"/>
-                <a:cs typeface="+mn-cs"/>
-              </a:defRPr>
-            </a:lvl4pPr>
-            <a:lvl5pPr marL="2057400" indent="-228600" algn="l" defTabSz="457200" rtl="0" eaLnBrk="1" latinLnBrk="0" hangingPunct="1">
-              <a:spcBef>
-                <a:spcPct val="20000"/>
-              </a:spcBef>
-              <a:buFont typeface="Arial"/>
-              <a:buChar char="»"/>
-              <a:defRPr sz="2000" kern="1200">
-                <a:solidFill>
-                  <a:schemeClr val="tx1"/>
-                </a:solidFill>
-                <a:latin typeface="+mn-lt"/>
-                <a:ea typeface="+mn-ea"/>
-                <a:cs typeface="+mn-cs"/>
-              </a:defRPr>
-            </a:lvl5pPr>
-            <a:lvl6pPr marL="2514600" indent="-228600" algn="l" defTabSz="457200" rtl="0" eaLnBrk="1" latinLnBrk="0" hangingPunct="1">
-              <a:spcBef>
-                <a:spcPct val="20000"/>
-              </a:spcBef>
-              <a:buFont typeface="Arial"/>
-              <a:buChar char="•"/>
-              <a:defRPr sz="2000" kern="1200">
-                <a:solidFill>
-                  <a:schemeClr val="tx1"/>
-                </a:solidFill>
-                <a:latin typeface="+mn-lt"/>
-                <a:ea typeface="+mn-ea"/>
-                <a:cs typeface="+mn-cs"/>
-              </a:defRPr>
-            </a:lvl6pPr>
-            <a:lvl7pPr marL="2971800" indent="-228600" algn="l" defTabSz="457200" rtl="0" eaLnBrk="1" latinLnBrk="0" hangingPunct="1">
-              <a:spcBef>
-                <a:spcPct val="20000"/>
-              </a:spcBef>
-              <a:buFont typeface="Arial"/>
-              <a:buChar char="•"/>
-              <a:defRPr sz="2000" kern="1200">
-                <a:solidFill>
-                  <a:schemeClr val="tx1"/>
-                </a:solidFill>
-                <a:latin typeface="+mn-lt"/>
-                <a:ea typeface="+mn-ea"/>
-                <a:cs typeface="+mn-cs"/>
-              </a:defRPr>
-            </a:lvl7pPr>
-            <a:lvl8pPr marL="3429000" indent="-228600" algn="l" defTabSz="457200" rtl="0" eaLnBrk="1" latinLnBrk="0" hangingPunct="1">
-              <a:spcBef>
-                <a:spcPct val="20000"/>
-              </a:spcBef>
-              <a:buFont typeface="Arial"/>
-              <a:buChar char="•"/>
-              <a:defRPr sz="2000" kern="1200">
-                <a:solidFill>
-                  <a:schemeClr val="tx1"/>
-                </a:solidFill>
-                <a:latin typeface="+mn-lt"/>
-                <a:ea typeface="+mn-ea"/>
-                <a:cs typeface="+mn-cs"/>
-              </a:defRPr>
-            </a:lvl8pPr>
-            <a:lvl9pPr marL="3886200" indent="-228600" algn="l" defTabSz="457200" rtl="0" eaLnBrk="1" latinLnBrk="0" hangingPunct="1">
-              <a:spcBef>
-                <a:spcPct val="20000"/>
-              </a:spcBef>
-              <a:buFont typeface="Arial"/>
-              <a:buChar char="•"/>
-              <a:defRPr sz="2000" kern="1200">
-                <a:solidFill>
-                  <a:schemeClr val="tx1"/>
-                </a:solidFill>
-                <a:latin typeface="+mn-lt"/>
-                <a:ea typeface="+mn-ea"/>
-                <a:cs typeface="+mn-cs"/>
-              </a:defRPr>
-            </a:lvl9pPr>
-          </a:lstStyle>
-          <a:p>
-            <a:pPr marL="6350" indent="1588" algn="ctr" fontAlgn="auto">
-              <a:spcAft>
-                <a:spcPts val="0"/>
-              </a:spcAft>
-              <a:buNone/>
-              <a:tabLst>
-                <a:tab pos="1331913" algn="l"/>
-              </a:tabLst>
-            </a:pPr>
-            <a:r>
-              <a:rPr lang="en-GB" sz="800" dirty="0">
-                <a:latin typeface="Avenir" panose="02000503020000020003" pitchFamily="2" charset="0"/>
               </a:rPr>
               <a:t>Website snapshots</a:t>
             </a:r>
@@ -6222,7 +5530,7 @@
         </p:nvCxnSpPr>
         <p:spPr>
           <a:xfrm>
-            <a:off x="11290154" y="6115867"/>
+            <a:off x="14073674" y="5236569"/>
             <a:ext cx="305887" cy="171138"/>
           </a:xfrm>
           <a:prstGeom prst="straightConnector1">
@@ -6272,7 +5580,7 @@
         </p:nvCxnSpPr>
         <p:spPr>
           <a:xfrm>
-            <a:off x="8844245" y="5569428"/>
+            <a:off x="11627765" y="4690130"/>
             <a:ext cx="11492" cy="409878"/>
           </a:xfrm>
           <a:prstGeom prst="straightConnector1">
@@ -6320,7 +5628,7 @@
         </p:nvSpPr>
         <p:spPr>
           <a:xfrm>
-            <a:off x="8664431" y="3950655"/>
+            <a:off x="11447951" y="3071357"/>
             <a:ext cx="910817" cy="305955"/>
           </a:xfrm>
           <a:prstGeom prst="rect">
@@ -6482,7 +5790,9 @@
           </a:lstStyle>
           <a:p>
             <a:r>
-              <a:rPr lang="en-GB" sz="900" dirty="0"/>
+              <a:rPr lang="en-GB" sz="900" dirty="0">
+                <a:latin typeface="Avenir Book" panose="02000503020000020003" pitchFamily="2" charset="0"/>
+              </a:rPr>
               <a:t>Social media scrapers</a:t>
             </a:r>
           </a:p>
@@ -6506,7 +5816,7 @@
         </p:nvCxnSpPr>
         <p:spPr>
           <a:xfrm flipV="1">
-            <a:off x="7733662" y="4103633"/>
+            <a:off x="10517182" y="3224335"/>
             <a:ext cx="930769" cy="156883"/>
           </a:xfrm>
           <a:prstGeom prst="straightConnector1">
@@ -6556,253 +5866,8 @@
         </p:nvCxnSpPr>
         <p:spPr>
           <a:xfrm flipV="1">
-            <a:off x="8595120" y="4256610"/>
+            <a:off x="11378640" y="3377312"/>
             <a:ext cx="524720" cy="518502"/>
-          </a:xfrm>
-          <a:prstGeom prst="straightConnector1">
-            <a:avLst/>
-          </a:prstGeom>
-          <a:ln w="12700">
-            <a:solidFill>
-              <a:schemeClr val="tx1">
-                <a:lumMod val="50000"/>
-                <a:lumOff val="50000"/>
-              </a:schemeClr>
-            </a:solidFill>
-            <a:headEnd type="none" w="med" len="med"/>
-            <a:tailEnd type="arrow" w="med" len="med"/>
-          </a:ln>
-        </p:spPr>
-        <p:style>
-          <a:lnRef idx="1">
-            <a:schemeClr val="accent1"/>
-          </a:lnRef>
-          <a:fillRef idx="0">
-            <a:schemeClr val="accent1"/>
-          </a:fillRef>
-          <a:effectRef idx="0">
-            <a:schemeClr val="accent1"/>
-          </a:effectRef>
-          <a:fontRef idx="minor">
-            <a:schemeClr val="tx1"/>
-          </a:fontRef>
-        </p:style>
-      </p:cxnSp>
-      <p:sp>
-        <p:nvSpPr>
-          <p:cNvPr id="200" name="Content Placeholder 2">
-            <a:extLst>
-              <a:ext uri="{FF2B5EF4-FFF2-40B4-BE49-F238E27FC236}">
-                <a16:creationId xmlns:a16="http://schemas.microsoft.com/office/drawing/2014/main" id="{12AB3E72-7F45-EA4E-B312-5A857DF863B8}"/>
-              </a:ext>
-            </a:extLst>
-          </p:cNvPr>
-          <p:cNvSpPr txBox="1">
-            <a:spLocks/>
-          </p:cNvSpPr>
-          <p:nvPr/>
-        </p:nvSpPr>
-        <p:spPr>
-          <a:xfrm>
-            <a:off x="4801759" y="3475908"/>
-            <a:ext cx="821522" cy="423029"/>
-          </a:xfrm>
-          <a:prstGeom prst="rect">
-            <a:avLst/>
-          </a:prstGeom>
-          <a:noFill/>
-          <a:ln w="12700">
-            <a:solidFill>
-              <a:srgbClr val="0070C0"/>
-            </a:solidFill>
-            <a:miter lim="800000"/>
-            <a:headEnd/>
-            <a:tailEnd/>
-          </a:ln>
-        </p:spPr>
-        <p:txBody>
-          <a:bodyPr vert="horz" wrap="square" lIns="91440" tIns="45720" rIns="91440" bIns="45720" numCol="1" rtlCol="0" anchor="ctr" anchorCtr="0" compatLnSpc="1">
-            <a:prstTxWarp prst="textNoShape">
-              <a:avLst/>
-            </a:prstTxWarp>
-            <a:normAutofit/>
-          </a:bodyPr>
-          <a:lstStyle>
-            <a:lvl1pPr marL="342900" indent="-342900" algn="l" defTabSz="457200" rtl="0" eaLnBrk="1" latinLnBrk="0" hangingPunct="1">
-              <a:spcBef>
-                <a:spcPct val="20000"/>
-              </a:spcBef>
-              <a:buFont typeface="Arial"/>
-              <a:buChar char="•"/>
-              <a:defRPr sz="3200" kern="1200">
-                <a:solidFill>
-                  <a:schemeClr val="tx1"/>
-                </a:solidFill>
-                <a:latin typeface="+mn-lt"/>
-                <a:ea typeface="+mn-ea"/>
-                <a:cs typeface="+mn-cs"/>
-              </a:defRPr>
-            </a:lvl1pPr>
-            <a:lvl2pPr marL="742950" indent="-285750" algn="l" defTabSz="457200" rtl="0" eaLnBrk="1" latinLnBrk="0" hangingPunct="1">
-              <a:spcBef>
-                <a:spcPct val="20000"/>
-              </a:spcBef>
-              <a:buFont typeface="Arial"/>
-              <a:buChar char="–"/>
-              <a:defRPr sz="2800" kern="1200">
-                <a:solidFill>
-                  <a:schemeClr val="tx1"/>
-                </a:solidFill>
-                <a:latin typeface="+mn-lt"/>
-                <a:ea typeface="+mn-ea"/>
-                <a:cs typeface="+mn-cs"/>
-              </a:defRPr>
-            </a:lvl2pPr>
-            <a:lvl3pPr marL="1143000" indent="-228600" algn="l" defTabSz="457200" rtl="0" eaLnBrk="1" latinLnBrk="0" hangingPunct="1">
-              <a:spcBef>
-                <a:spcPct val="20000"/>
-              </a:spcBef>
-              <a:buFont typeface="Arial"/>
-              <a:buChar char="•"/>
-              <a:defRPr sz="2400" kern="1200">
-                <a:solidFill>
-                  <a:schemeClr val="tx1"/>
-                </a:solidFill>
-                <a:latin typeface="+mn-lt"/>
-                <a:ea typeface="+mn-ea"/>
-                <a:cs typeface="+mn-cs"/>
-              </a:defRPr>
-            </a:lvl3pPr>
-            <a:lvl4pPr marL="1600200" indent="-228600" algn="l" defTabSz="457200" rtl="0" eaLnBrk="1" latinLnBrk="0" hangingPunct="1">
-              <a:spcBef>
-                <a:spcPct val="20000"/>
-              </a:spcBef>
-              <a:buFont typeface="Arial"/>
-              <a:buChar char="–"/>
-              <a:defRPr sz="2000" kern="1200">
-                <a:solidFill>
-                  <a:schemeClr val="tx1"/>
-                </a:solidFill>
-                <a:latin typeface="+mn-lt"/>
-                <a:ea typeface="+mn-ea"/>
-                <a:cs typeface="+mn-cs"/>
-              </a:defRPr>
-            </a:lvl4pPr>
-            <a:lvl5pPr marL="2057400" indent="-228600" algn="l" defTabSz="457200" rtl="0" eaLnBrk="1" latinLnBrk="0" hangingPunct="1">
-              <a:spcBef>
-                <a:spcPct val="20000"/>
-              </a:spcBef>
-              <a:buFont typeface="Arial"/>
-              <a:buChar char="»"/>
-              <a:defRPr sz="2000" kern="1200">
-                <a:solidFill>
-                  <a:schemeClr val="tx1"/>
-                </a:solidFill>
-                <a:latin typeface="+mn-lt"/>
-                <a:ea typeface="+mn-ea"/>
-                <a:cs typeface="+mn-cs"/>
-              </a:defRPr>
-            </a:lvl5pPr>
-            <a:lvl6pPr marL="2514600" indent="-228600" algn="l" defTabSz="457200" rtl="0" eaLnBrk="1" latinLnBrk="0" hangingPunct="1">
-              <a:spcBef>
-                <a:spcPct val="20000"/>
-              </a:spcBef>
-              <a:buFont typeface="Arial"/>
-              <a:buChar char="•"/>
-              <a:defRPr sz="2000" kern="1200">
-                <a:solidFill>
-                  <a:schemeClr val="tx1"/>
-                </a:solidFill>
-                <a:latin typeface="+mn-lt"/>
-                <a:ea typeface="+mn-ea"/>
-                <a:cs typeface="+mn-cs"/>
-              </a:defRPr>
-            </a:lvl6pPr>
-            <a:lvl7pPr marL="2971800" indent="-228600" algn="l" defTabSz="457200" rtl="0" eaLnBrk="1" latinLnBrk="0" hangingPunct="1">
-              <a:spcBef>
-                <a:spcPct val="20000"/>
-              </a:spcBef>
-              <a:buFont typeface="Arial"/>
-              <a:buChar char="•"/>
-              <a:defRPr sz="2000" kern="1200">
-                <a:solidFill>
-                  <a:schemeClr val="tx1"/>
-                </a:solidFill>
-                <a:latin typeface="+mn-lt"/>
-                <a:ea typeface="+mn-ea"/>
-                <a:cs typeface="+mn-cs"/>
-              </a:defRPr>
-            </a:lvl7pPr>
-            <a:lvl8pPr marL="3429000" indent="-228600" algn="l" defTabSz="457200" rtl="0" eaLnBrk="1" latinLnBrk="0" hangingPunct="1">
-              <a:spcBef>
-                <a:spcPct val="20000"/>
-              </a:spcBef>
-              <a:buFont typeface="Arial"/>
-              <a:buChar char="•"/>
-              <a:defRPr sz="2000" kern="1200">
-                <a:solidFill>
-                  <a:schemeClr val="tx1"/>
-                </a:solidFill>
-                <a:latin typeface="+mn-lt"/>
-                <a:ea typeface="+mn-ea"/>
-                <a:cs typeface="+mn-cs"/>
-              </a:defRPr>
-            </a:lvl8pPr>
-            <a:lvl9pPr marL="3886200" indent="-228600" algn="l" defTabSz="457200" rtl="0" eaLnBrk="1" latinLnBrk="0" hangingPunct="1">
-              <a:spcBef>
-                <a:spcPct val="20000"/>
-              </a:spcBef>
-              <a:buFont typeface="Arial"/>
-              <a:buChar char="•"/>
-              <a:defRPr sz="2000" kern="1200">
-                <a:solidFill>
-                  <a:schemeClr val="tx1"/>
-                </a:solidFill>
-                <a:latin typeface="+mn-lt"/>
-                <a:ea typeface="+mn-ea"/>
-                <a:cs typeface="+mn-cs"/>
-              </a:defRPr>
-            </a:lvl9pPr>
-          </a:lstStyle>
-          <a:p>
-            <a:pPr marL="6350" indent="1588" algn="ctr" fontAlgn="auto">
-              <a:spcAft>
-                <a:spcPts val="0"/>
-              </a:spcAft>
-              <a:buNone/>
-              <a:tabLst>
-                <a:tab pos="1331913" algn="l"/>
-              </a:tabLst>
-            </a:pPr>
-            <a:r>
-              <a:rPr lang="en-GB" sz="800" dirty="0">
-                <a:latin typeface="Avenir" panose="02000503020000020003" pitchFamily="2" charset="0"/>
-              </a:rPr>
-              <a:t>Feature engineering</a:t>
-            </a:r>
-          </a:p>
-        </p:txBody>
-      </p:sp>
-      <p:cxnSp>
-        <p:nvCxnSpPr>
-          <p:cNvPr id="201" name="Straight Arrow Connector 200">
-            <a:extLst>
-              <a:ext uri="{FF2B5EF4-FFF2-40B4-BE49-F238E27FC236}">
-                <a16:creationId xmlns:a16="http://schemas.microsoft.com/office/drawing/2014/main" id="{B03EF678-F719-6D4E-BA7C-3389E286A82A}"/>
-              </a:ext>
-            </a:extLst>
-          </p:cNvPr>
-          <p:cNvCxnSpPr>
-            <a:cxnSpLocks/>
-            <a:stCxn id="95" idx="0"/>
-            <a:endCxn id="200" idx="2"/>
-          </p:cNvCxnSpPr>
-          <p:nvPr/>
-        </p:nvCxnSpPr>
-        <p:spPr>
-          <a:xfrm flipH="1" flipV="1">
-            <a:off x="5212520" y="3898937"/>
-            <a:ext cx="17780" cy="295736"/>
           </a:xfrm>
           <a:prstGeom prst="straightConnector1">
             <a:avLst/>
@@ -6835,224 +5900,6 @@
       </p:cxnSp>
       <p:cxnSp>
         <p:nvCxnSpPr>
-          <p:cNvPr id="205" name="Straight Arrow Connector 204">
-            <a:extLst>
-              <a:ext uri="{FF2B5EF4-FFF2-40B4-BE49-F238E27FC236}">
-                <a16:creationId xmlns:a16="http://schemas.microsoft.com/office/drawing/2014/main" id="{D89FD13B-CE05-4643-9280-D71D19A4DDC7}"/>
-              </a:ext>
-            </a:extLst>
-          </p:cNvPr>
-          <p:cNvCxnSpPr>
-            <a:cxnSpLocks/>
-            <a:stCxn id="200" idx="3"/>
-            <a:endCxn id="107" idx="1"/>
-          </p:cNvCxnSpPr>
-          <p:nvPr/>
-        </p:nvCxnSpPr>
-        <p:spPr>
-          <a:xfrm>
-            <a:off x="5623281" y="3687423"/>
-            <a:ext cx="334060" cy="201208"/>
-          </a:xfrm>
-          <a:prstGeom prst="straightConnector1">
-            <a:avLst/>
-          </a:prstGeom>
-          <a:ln w="12700">
-            <a:solidFill>
-              <a:schemeClr val="tx1">
-                <a:lumMod val="50000"/>
-                <a:lumOff val="50000"/>
-              </a:schemeClr>
-            </a:solidFill>
-            <a:headEnd type="none" w="med" len="med"/>
-            <a:tailEnd type="arrow" w="med" len="med"/>
-          </a:ln>
-        </p:spPr>
-        <p:style>
-          <a:lnRef idx="1">
-            <a:schemeClr val="accent1"/>
-          </a:lnRef>
-          <a:fillRef idx="0">
-            <a:schemeClr val="accent1"/>
-          </a:fillRef>
-          <a:effectRef idx="0">
-            <a:schemeClr val="accent1"/>
-          </a:effectRef>
-          <a:fontRef idx="minor">
-            <a:schemeClr val="tx1"/>
-          </a:fontRef>
-        </p:style>
-      </p:cxnSp>
-      <p:sp>
-        <p:nvSpPr>
-          <p:cNvPr id="211" name="Oval 210">
-            <a:extLst>
-              <a:ext uri="{FF2B5EF4-FFF2-40B4-BE49-F238E27FC236}">
-                <a16:creationId xmlns:a16="http://schemas.microsoft.com/office/drawing/2014/main" id="{580FB6C9-69F3-D44A-A0D7-D588D71535F2}"/>
-              </a:ext>
-            </a:extLst>
-          </p:cNvPr>
-          <p:cNvSpPr/>
-          <p:nvPr/>
-        </p:nvSpPr>
-        <p:spPr>
-          <a:xfrm>
-            <a:off x="6131407" y="4913683"/>
-            <a:ext cx="1138163" cy="420456"/>
-          </a:xfrm>
-          <a:prstGeom prst="ellipse">
-            <a:avLst/>
-          </a:prstGeom>
-          <a:noFill/>
-          <a:ln w="12700">
-            <a:solidFill>
-              <a:srgbClr val="0070C0"/>
-            </a:solidFill>
-            <a:miter lim="800000"/>
-            <a:headEnd/>
-            <a:tailEnd/>
-          </a:ln>
-        </p:spPr>
-        <p:txBody>
-          <a:bodyPr vert="horz" wrap="square" lIns="91440" tIns="45720" rIns="91440" bIns="45720" numCol="1" rtlCol="0" anchor="ctr" anchorCtr="0" compatLnSpc="1">
-            <a:prstTxWarp prst="textNoShape">
-              <a:avLst/>
-            </a:prstTxWarp>
-            <a:noAutofit/>
-          </a:bodyPr>
-          <a:lstStyle/>
-          <a:p>
-            <a:pPr marL="6350" indent="1588" algn="ctr" fontAlgn="auto">
-              <a:spcAft>
-                <a:spcPts val="0"/>
-              </a:spcAft>
-              <a:tabLst>
-                <a:tab pos="1331913" algn="l"/>
-              </a:tabLst>
-            </a:pPr>
-            <a:r>
-              <a:rPr lang="en-GB" sz="900" dirty="0">
-                <a:latin typeface="Avenir" panose="02000503020000020003" pitchFamily="2" charset="0"/>
-              </a:rPr>
-              <a:t>Predict valid URLs</a:t>
-            </a:r>
-          </a:p>
-        </p:txBody>
-      </p:sp>
-      <p:sp>
-        <p:nvSpPr>
-          <p:cNvPr id="213" name="Oval 212">
-            <a:extLst>
-              <a:ext uri="{FF2B5EF4-FFF2-40B4-BE49-F238E27FC236}">
-                <a16:creationId xmlns:a16="http://schemas.microsoft.com/office/drawing/2014/main" id="{8A2D98A9-6B86-1342-9F78-6636612A8857}"/>
-              </a:ext>
-            </a:extLst>
-          </p:cNvPr>
-          <p:cNvSpPr/>
-          <p:nvPr/>
-        </p:nvSpPr>
-        <p:spPr>
-          <a:xfrm>
-            <a:off x="6132610" y="5524006"/>
-            <a:ext cx="1138163" cy="420456"/>
-          </a:xfrm>
-          <a:prstGeom prst="ellipse">
-            <a:avLst/>
-          </a:prstGeom>
-          <a:noFill/>
-          <a:ln w="12700">
-            <a:solidFill>
-              <a:srgbClr val="0070C0"/>
-            </a:solidFill>
-            <a:miter lim="800000"/>
-            <a:headEnd/>
-            <a:tailEnd/>
-          </a:ln>
-        </p:spPr>
-        <p:txBody>
-          <a:bodyPr vert="horz" wrap="square" lIns="91440" tIns="45720" rIns="91440" bIns="45720" numCol="1" rtlCol="0" anchor="ctr" anchorCtr="0" compatLnSpc="1">
-            <a:prstTxWarp prst="textNoShape">
-              <a:avLst/>
-            </a:prstTxWarp>
-            <a:noAutofit/>
-          </a:bodyPr>
-          <a:lstStyle/>
-          <a:p>
-            <a:pPr marL="6350" indent="1588" algn="ctr" fontAlgn="auto">
-              <a:spcAft>
-                <a:spcPts val="0"/>
-              </a:spcAft>
-              <a:tabLst>
-                <a:tab pos="1331913" algn="l"/>
-              </a:tabLst>
-            </a:pPr>
-            <a:r>
-              <a:rPr lang="en-GB" sz="900" dirty="0">
-                <a:latin typeface="Avenir" panose="02000503020000020003" pitchFamily="2" charset="0"/>
-              </a:rPr>
-              <a:t>Manual validation</a:t>
-            </a:r>
-          </a:p>
-        </p:txBody>
-      </p:sp>
-      <p:sp>
-        <p:nvSpPr>
-          <p:cNvPr id="214" name="Oval 213">
-            <a:extLst>
-              <a:ext uri="{FF2B5EF4-FFF2-40B4-BE49-F238E27FC236}">
-                <a16:creationId xmlns:a16="http://schemas.microsoft.com/office/drawing/2014/main" id="{AB4B4ACA-A1AF-DA41-81C8-F86D90243601}"/>
-              </a:ext>
-            </a:extLst>
-          </p:cNvPr>
-          <p:cNvSpPr/>
-          <p:nvPr/>
-        </p:nvSpPr>
-        <p:spPr>
-          <a:xfrm>
-            <a:off x="6131407" y="6138879"/>
-            <a:ext cx="1138163" cy="420456"/>
-          </a:xfrm>
-          <a:prstGeom prst="ellipse">
-            <a:avLst/>
-          </a:prstGeom>
-          <a:noFill/>
-          <a:ln w="12700">
-            <a:solidFill>
-              <a:srgbClr val="0070C0"/>
-            </a:solidFill>
-            <a:miter lim="800000"/>
-            <a:headEnd/>
-            <a:tailEnd/>
-          </a:ln>
-        </p:spPr>
-        <p:txBody>
-          <a:bodyPr vert="horz" wrap="square" lIns="91440" tIns="45720" rIns="91440" bIns="45720" numCol="1" rtlCol="0" anchor="ctr" anchorCtr="0" compatLnSpc="1">
-            <a:prstTxWarp prst="textNoShape">
-              <a:avLst/>
-            </a:prstTxWarp>
-            <a:noAutofit/>
-          </a:bodyPr>
-          <a:lstStyle/>
-          <a:p>
-            <a:pPr marL="6350" indent="1588" algn="ctr" fontAlgn="auto">
-              <a:spcAft>
-                <a:spcPts val="0"/>
-              </a:spcAft>
-              <a:tabLst>
-                <a:tab pos="1331913" algn="l"/>
-              </a:tabLst>
-            </a:pPr>
-            <a:r>
-              <a:rPr lang="en-GB" sz="900" dirty="0">
-                <a:latin typeface="Avenir" panose="02000503020000020003" pitchFamily="2" charset="0"/>
-              </a:rPr>
-              <a:t>Manual corrections</a:t>
-            </a:r>
-          </a:p>
-        </p:txBody>
-      </p:sp>
-      <p:cxnSp>
-        <p:nvCxnSpPr>
           <p:cNvPr id="215" name="Straight Arrow Connector 214">
             <a:extLst>
               <a:ext uri="{FF2B5EF4-FFF2-40B4-BE49-F238E27FC236}">
@@ -7062,14 +5909,13 @@
           </p:cNvPr>
           <p:cNvCxnSpPr>
             <a:cxnSpLocks/>
-            <a:stCxn id="214" idx="6"/>
             <a:endCxn id="108" idx="3"/>
           </p:cNvCxnSpPr>
           <p:nvPr/>
         </p:nvCxnSpPr>
         <p:spPr>
           <a:xfrm flipV="1">
-            <a:off x="7269570" y="4538141"/>
+            <a:off x="10053090" y="3658843"/>
             <a:ext cx="441111" cy="1810966"/>
           </a:xfrm>
           <a:prstGeom prst="straightConnector1">
@@ -7112,14 +5958,13 @@
           </p:cNvPr>
           <p:cNvCxnSpPr>
             <a:cxnSpLocks/>
-            <a:stCxn id="214" idx="6"/>
             <a:endCxn id="109" idx="2"/>
           </p:cNvCxnSpPr>
           <p:nvPr/>
         </p:nvCxnSpPr>
         <p:spPr>
           <a:xfrm flipV="1">
-            <a:off x="7269570" y="4902433"/>
+            <a:off x="10053090" y="4023135"/>
             <a:ext cx="767959" cy="1446674"/>
           </a:xfrm>
           <a:prstGeom prst="straightConnector1">
@@ -7162,14 +6007,13 @@
           </p:cNvPr>
           <p:cNvCxnSpPr>
             <a:cxnSpLocks/>
-            <a:stCxn id="214" idx="6"/>
             <a:endCxn id="110" idx="2"/>
           </p:cNvCxnSpPr>
           <p:nvPr/>
         </p:nvCxnSpPr>
         <p:spPr>
           <a:xfrm flipV="1">
-            <a:off x="7269570" y="5442106"/>
+            <a:off x="10053090" y="4562808"/>
             <a:ext cx="1013366" cy="907001"/>
           </a:xfrm>
           <a:prstGeom prst="straightConnector1">
@@ -7203,24 +6047,24 @@
       </p:cxnSp>
       <p:cxnSp>
         <p:nvCxnSpPr>
-          <p:cNvPr id="240" name="Straight Arrow Connector 239">
+          <p:cNvPr id="47" name="Straight Arrow Connector 46">
             <a:extLst>
               <a:ext uri="{FF2B5EF4-FFF2-40B4-BE49-F238E27FC236}">
-                <a16:creationId xmlns:a16="http://schemas.microsoft.com/office/drawing/2014/main" id="{D74DA168-D7D6-0242-9FD0-CD66D774AACF}"/>
+                <a16:creationId xmlns:a16="http://schemas.microsoft.com/office/drawing/2014/main" id="{D13B02CC-202C-704C-BD76-12E468734B8F}"/>
               </a:ext>
             </a:extLst>
           </p:cNvPr>
           <p:cNvCxnSpPr>
             <a:cxnSpLocks/>
-            <a:stCxn id="141" idx="4"/>
-            <a:endCxn id="211" idx="0"/>
+            <a:stCxn id="188" idx="2"/>
+            <a:endCxn id="174" idx="3"/>
           </p:cNvCxnSpPr>
           <p:nvPr/>
         </p:nvCxnSpPr>
         <p:spPr>
-          <a:xfrm>
-            <a:off x="6368103" y="4653352"/>
-            <a:ext cx="332386" cy="260331"/>
+          <a:xfrm flipH="1">
+            <a:off x="2959958" y="2791759"/>
+            <a:ext cx="761002" cy="279598"/>
           </a:xfrm>
           <a:prstGeom prst="straightConnector1">
             <a:avLst/>
@@ -7233,7 +6077,7 @@
               </a:schemeClr>
             </a:solidFill>
             <a:headEnd type="none" w="med" len="med"/>
-            <a:tailEnd type="arrow" w="med" len="med"/>
+            <a:tailEnd type="triangle" w="med" len="med"/>
           </a:ln>
         </p:spPr>
         <p:style>
@@ -7253,24 +6097,24 @@
       </p:cxnSp>
       <p:cxnSp>
         <p:nvCxnSpPr>
-          <p:cNvPr id="243" name="Straight Arrow Connector 242">
+          <p:cNvPr id="51" name="Straight Arrow Connector 50">
             <a:extLst>
               <a:ext uri="{FF2B5EF4-FFF2-40B4-BE49-F238E27FC236}">
-                <a16:creationId xmlns:a16="http://schemas.microsoft.com/office/drawing/2014/main" id="{770C2253-E1AA-7946-B4B0-69BD39008FD4}"/>
+                <a16:creationId xmlns:a16="http://schemas.microsoft.com/office/drawing/2014/main" id="{46671AEE-E6DB-4344-9A39-9B6A20831D15}"/>
               </a:ext>
             </a:extLst>
           </p:cNvPr>
           <p:cNvCxnSpPr>
             <a:cxnSpLocks/>
-            <a:stCxn id="211" idx="4"/>
-            <a:endCxn id="213" idx="0"/>
+            <a:stCxn id="174" idx="2"/>
+            <a:endCxn id="179" idx="0"/>
           </p:cNvCxnSpPr>
           <p:nvPr/>
         </p:nvCxnSpPr>
         <p:spPr>
-          <a:xfrm>
-            <a:off x="6700489" y="5334139"/>
-            <a:ext cx="1203" cy="189867"/>
+          <a:xfrm flipH="1">
+            <a:off x="2386481" y="3215223"/>
+            <a:ext cx="1" cy="180233"/>
           </a:xfrm>
           <a:prstGeom prst="straightConnector1">
             <a:avLst/>
@@ -7283,7 +6127,7 @@
               </a:schemeClr>
             </a:solidFill>
             <a:headEnd type="none" w="med" len="med"/>
-            <a:tailEnd type="arrow" w="med" len="med"/>
+            <a:tailEnd type="triangle" w="med" len="med"/>
           </a:ln>
         </p:spPr>
         <p:style>
@@ -7301,77 +6145,27 @@
           </a:fontRef>
         </p:style>
       </p:cxnSp>
-      <p:cxnSp>
-        <p:nvCxnSpPr>
-          <p:cNvPr id="249" name="Straight Arrow Connector 248">
+      <p:sp>
+        <p:nvSpPr>
+          <p:cNvPr id="54" name="Cube 53">
             <a:extLst>
               <a:ext uri="{FF2B5EF4-FFF2-40B4-BE49-F238E27FC236}">
-                <a16:creationId xmlns:a16="http://schemas.microsoft.com/office/drawing/2014/main" id="{0CE349A2-F054-DD4B-859D-753E4B1E7179}"/>
+                <a16:creationId xmlns:a16="http://schemas.microsoft.com/office/drawing/2014/main" id="{A6492021-F6A7-A64B-B7FA-4B19C704E4C0}"/>
               </a:ext>
             </a:extLst>
           </p:cNvPr>
-          <p:cNvCxnSpPr>
-            <a:cxnSpLocks/>
-            <a:stCxn id="213" idx="4"/>
-            <a:endCxn id="214" idx="0"/>
-          </p:cNvCxnSpPr>
+          <p:cNvSpPr/>
           <p:nvPr/>
-        </p:nvCxnSpPr>
-        <p:spPr>
-          <a:xfrm flipH="1">
-            <a:off x="6700489" y="5944462"/>
-            <a:ext cx="1203" cy="194417"/>
-          </a:xfrm>
-          <a:prstGeom prst="straightConnector1">
-            <a:avLst/>
-          </a:prstGeom>
-          <a:ln w="12700">
-            <a:solidFill>
-              <a:schemeClr val="tx1">
-                <a:lumMod val="50000"/>
-                <a:lumOff val="50000"/>
-              </a:schemeClr>
-            </a:solidFill>
-            <a:headEnd type="none" w="med" len="med"/>
-            <a:tailEnd type="arrow" w="med" len="med"/>
-          </a:ln>
-        </p:spPr>
-        <p:style>
-          <a:lnRef idx="1">
-            <a:schemeClr val="accent1"/>
-          </a:lnRef>
-          <a:fillRef idx="0">
-            <a:schemeClr val="accent1"/>
-          </a:fillRef>
-          <a:effectRef idx="0">
-            <a:schemeClr val="accent1"/>
-          </a:effectRef>
-          <a:fontRef idx="minor">
-            <a:schemeClr val="tx1"/>
-          </a:fontRef>
-        </p:style>
-      </p:cxnSp>
-      <p:sp>
-        <p:nvSpPr>
-          <p:cNvPr id="46" name="Content Placeholder 2">
-            <a:extLst>
-              <a:ext uri="{FF2B5EF4-FFF2-40B4-BE49-F238E27FC236}">
-                <a16:creationId xmlns:a16="http://schemas.microsoft.com/office/drawing/2014/main" id="{0BF39CD1-E3CE-1743-B554-5D0DB1F35985}"/>
-              </a:ext>
-            </a:extLst>
-          </p:cNvPr>
-          <p:cNvSpPr txBox="1">
-            <a:spLocks/>
-          </p:cNvSpPr>
-          <p:nvPr/>
-        </p:nvSpPr>
-        <p:spPr>
-          <a:xfrm>
-            <a:off x="3682806" y="4899732"/>
-            <a:ext cx="1060120" cy="429584"/>
-          </a:xfrm>
-          <a:prstGeom prst="rect">
-            <a:avLst/>
+        </p:nvSpPr>
+        <p:spPr>
+          <a:xfrm>
+            <a:off x="9214509" y="5666231"/>
+            <a:ext cx="1145601" cy="277625"/>
+          </a:xfrm>
+          <a:prstGeom prst="cube">
+            <a:avLst>
+              <a:gd name="adj" fmla="val 8278"/>
+            </a:avLst>
           </a:prstGeom>
           <a:noFill/>
           <a:ln w="12700">
@@ -7388,7 +6182,234 @@
             <a:prstTxWarp prst="textNoShape">
               <a:avLst/>
             </a:prstTxWarp>
-            <a:normAutofit/>
+            <a:noAutofit/>
+          </a:bodyPr>
+          <a:lstStyle/>
+          <a:p>
+            <a:pPr marL="141288" indent="-133350" algn="ctr" defTabSz="457200">
+              <a:spcBef>
+                <a:spcPct val="20000"/>
+              </a:spcBef>
+              <a:tabLst>
+                <a:tab pos="1331913" algn="l"/>
+              </a:tabLst>
+            </a:pPr>
+            <a:r>
+              <a:rPr lang="en-GB" sz="800" b="1" dirty="0">
+                <a:solidFill>
+                  <a:schemeClr val="tx1"/>
+                </a:solidFill>
+                <a:latin typeface="Avenir Book" panose="02000503020000020003" pitchFamily="2" charset="0"/>
+              </a:rPr>
+              <a:t>Museum Facebook pages</a:t>
+            </a:r>
+          </a:p>
+        </p:txBody>
+      </p:sp>
+      <p:sp>
+        <p:nvSpPr>
+          <p:cNvPr id="55" name="Cube 54">
+            <a:extLst>
+              <a:ext uri="{FF2B5EF4-FFF2-40B4-BE49-F238E27FC236}">
+                <a16:creationId xmlns:a16="http://schemas.microsoft.com/office/drawing/2014/main" id="{756E3EC5-A7F1-6C4B-A5DE-AF565816D05B}"/>
+              </a:ext>
+            </a:extLst>
+          </p:cNvPr>
+          <p:cNvSpPr/>
+          <p:nvPr/>
+        </p:nvSpPr>
+        <p:spPr>
+          <a:xfrm>
+            <a:off x="7272634" y="6508243"/>
+            <a:ext cx="1138164" cy="277625"/>
+          </a:xfrm>
+          <a:prstGeom prst="cube">
+            <a:avLst>
+              <a:gd name="adj" fmla="val 8278"/>
+            </a:avLst>
+          </a:prstGeom>
+          <a:solidFill>
+            <a:schemeClr val="accent3">
+              <a:lumMod val="60000"/>
+              <a:lumOff val="40000"/>
+            </a:schemeClr>
+          </a:solidFill>
+          <a:ln>
+            <a:noFill/>
+          </a:ln>
+          <a:effectLst/>
+        </p:spPr>
+        <p:style>
+          <a:lnRef idx="1">
+            <a:schemeClr val="accent1"/>
+          </a:lnRef>
+          <a:fillRef idx="3">
+            <a:schemeClr val="accent1"/>
+          </a:fillRef>
+          <a:effectRef idx="2">
+            <a:schemeClr val="accent1"/>
+          </a:effectRef>
+          <a:fontRef idx="minor">
+            <a:schemeClr val="lt1"/>
+          </a:fontRef>
+        </p:style>
+        <p:txBody>
+          <a:bodyPr rtlCol="0" anchor="ctr">
+            <a:noAutofit/>
+          </a:bodyPr>
+          <a:lstStyle/>
+          <a:p>
+            <a:pPr algn="ctr"/>
+            <a:r>
+              <a:rPr lang="en-GB" sz="800" dirty="0">
+                <a:solidFill>
+                  <a:schemeClr val="tx1"/>
+                </a:solidFill>
+                <a:latin typeface="Avenir Book" panose="02000503020000020003" pitchFamily="2" charset="0"/>
+              </a:rPr>
+              <a:t>Museum Twitter accounts</a:t>
+            </a:r>
+          </a:p>
+        </p:txBody>
+      </p:sp>
+      <p:sp>
+        <p:nvSpPr>
+          <p:cNvPr id="56" name="Cube 55">
+            <a:extLst>
+              <a:ext uri="{FF2B5EF4-FFF2-40B4-BE49-F238E27FC236}">
+                <a16:creationId xmlns:a16="http://schemas.microsoft.com/office/drawing/2014/main" id="{474CD180-40E4-B644-9E74-3AD4FA2F3DF3}"/>
+              </a:ext>
+            </a:extLst>
+          </p:cNvPr>
+          <p:cNvSpPr/>
+          <p:nvPr/>
+        </p:nvSpPr>
+        <p:spPr>
+          <a:xfrm>
+            <a:off x="7265198" y="6838936"/>
+            <a:ext cx="1145600" cy="277625"/>
+          </a:xfrm>
+          <a:prstGeom prst="cube">
+            <a:avLst>
+              <a:gd name="adj" fmla="val 8278"/>
+            </a:avLst>
+          </a:prstGeom>
+          <a:solidFill>
+            <a:schemeClr val="accent3">
+              <a:lumMod val="60000"/>
+              <a:lumOff val="40000"/>
+            </a:schemeClr>
+          </a:solidFill>
+          <a:ln>
+            <a:noFill/>
+          </a:ln>
+          <a:effectLst/>
+        </p:spPr>
+        <p:style>
+          <a:lnRef idx="1">
+            <a:schemeClr val="accent1"/>
+          </a:lnRef>
+          <a:fillRef idx="3">
+            <a:schemeClr val="accent1"/>
+          </a:fillRef>
+          <a:effectRef idx="2">
+            <a:schemeClr val="accent1"/>
+          </a:effectRef>
+          <a:fontRef idx="minor">
+            <a:schemeClr val="lt1"/>
+          </a:fontRef>
+        </p:style>
+        <p:txBody>
+          <a:bodyPr rtlCol="0" anchor="ctr">
+            <a:noAutofit/>
+          </a:bodyPr>
+          <a:lstStyle/>
+          <a:p>
+            <a:pPr algn="ctr"/>
+            <a:r>
+              <a:rPr lang="en-GB" sz="800" dirty="0">
+                <a:solidFill>
+                  <a:schemeClr val="tx1"/>
+                </a:solidFill>
+                <a:latin typeface="Avenir Book" panose="02000503020000020003" pitchFamily="2" charset="0"/>
+              </a:rPr>
+              <a:t>Museum websites</a:t>
+            </a:r>
+          </a:p>
+        </p:txBody>
+      </p:sp>
+      <p:sp>
+        <p:nvSpPr>
+          <p:cNvPr id="136" name="TextBox 135">
+            <a:extLst>
+              <a:ext uri="{FF2B5EF4-FFF2-40B4-BE49-F238E27FC236}">
+                <a16:creationId xmlns:a16="http://schemas.microsoft.com/office/drawing/2014/main" id="{6016C580-3ED6-2546-B4DE-70F88CFA6B0D}"/>
+              </a:ext>
+            </a:extLst>
+          </p:cNvPr>
+          <p:cNvSpPr txBox="1"/>
+          <p:nvPr/>
+        </p:nvSpPr>
+        <p:spPr>
+          <a:xfrm>
+            <a:off x="9580833" y="5759941"/>
+            <a:ext cx="184731" cy="369332"/>
+          </a:xfrm>
+          <a:prstGeom prst="rect">
+            <a:avLst/>
+          </a:prstGeom>
+          <a:noFill/>
+        </p:spPr>
+        <p:txBody>
+          <a:bodyPr wrap="none" rtlCol="0">
+            <a:noAutofit/>
+          </a:bodyPr>
+          <a:lstStyle/>
+          <a:p>
+            <a:endParaRPr lang="en-GB">
+              <a:latin typeface="Avenir Book" panose="02000503020000020003" pitchFamily="2" charset="0"/>
+            </a:endParaRPr>
+          </a:p>
+        </p:txBody>
+      </p:sp>
+      <p:sp>
+        <p:nvSpPr>
+          <p:cNvPr id="169" name="Content Placeholder 2">
+            <a:extLst>
+              <a:ext uri="{FF2B5EF4-FFF2-40B4-BE49-F238E27FC236}">
+                <a16:creationId xmlns:a16="http://schemas.microsoft.com/office/drawing/2014/main" id="{4BA8A6B8-A2AB-6142-BE91-EE2F0316E8CD}"/>
+              </a:ext>
+            </a:extLst>
+          </p:cNvPr>
+          <p:cNvSpPr txBox="1">
+            <a:spLocks/>
+          </p:cNvSpPr>
+          <p:nvPr/>
+        </p:nvSpPr>
+        <p:spPr>
+          <a:xfrm>
+            <a:off x="8307727" y="2652084"/>
+            <a:ext cx="931110" cy="287733"/>
+          </a:xfrm>
+          <a:prstGeom prst="rect">
+            <a:avLst/>
+          </a:prstGeom>
+          <a:noFill/>
+          <a:ln w="12700">
+            <a:solidFill>
+              <a:srgbClr val="0070C0"/>
+            </a:solidFill>
+            <a:miter lim="800000"/>
+            <a:headEnd/>
+            <a:tailEnd/>
+          </a:ln>
+        </p:spPr>
+        <p:txBody>
+          <a:bodyPr vert="horz" wrap="square" lIns="91440" tIns="45720" rIns="91440" bIns="45720" numCol="1" rtlCol="0" anchor="ctr" anchorCtr="0" compatLnSpc="1">
+            <a:prstTxWarp prst="textNoShape">
+              <a:avLst/>
+            </a:prstTxWarp>
+            <a:noAutofit/>
           </a:bodyPr>
           <a:lstStyle>
             <a:lvl1pPr marL="141288" indent="-133350" defTabSz="457200" eaLnBrk="1" latinLnBrk="0" hangingPunct="1">
@@ -7486,14 +6507,2187 @@
             </a:lvl9pPr>
           </a:lstStyle>
           <a:p>
-            <a:pPr marL="6350" indent="1588"/>
-            <a:r>
-              <a:rPr lang="en-GB" sz="800" b="0" dirty="0"/>
-              <a:t>Google scraper</a:t>
-            </a:r>
-          </a:p>
-        </p:txBody>
-      </p:sp>
+            <a:pPr algn="ctr"/>
+            <a:r>
+              <a:rPr lang="en-GB" sz="800" dirty="0">
+                <a:latin typeface="Avenir Book" panose="02000503020000020003" pitchFamily="2" charset="0"/>
+              </a:rPr>
+              <a:t>Google SERPs</a:t>
+            </a:r>
+          </a:p>
+        </p:txBody>
+      </p:sp>
+      <p:sp>
+        <p:nvSpPr>
+          <p:cNvPr id="170" name="Content Placeholder 2">
+            <a:extLst>
+              <a:ext uri="{FF2B5EF4-FFF2-40B4-BE49-F238E27FC236}">
+                <a16:creationId xmlns:a16="http://schemas.microsoft.com/office/drawing/2014/main" id="{72A65135-6158-B546-A850-57AFB83891C1}"/>
+              </a:ext>
+            </a:extLst>
+          </p:cNvPr>
+          <p:cNvSpPr txBox="1">
+            <a:spLocks/>
+          </p:cNvSpPr>
+          <p:nvPr/>
+        </p:nvSpPr>
+        <p:spPr>
+          <a:xfrm>
+            <a:off x="8279681" y="3123447"/>
+            <a:ext cx="931110" cy="287733"/>
+          </a:xfrm>
+          <a:prstGeom prst="rect">
+            <a:avLst/>
+          </a:prstGeom>
+          <a:noFill/>
+          <a:ln w="12700">
+            <a:solidFill>
+              <a:srgbClr val="0070C0"/>
+            </a:solidFill>
+            <a:miter lim="800000"/>
+            <a:headEnd/>
+            <a:tailEnd/>
+          </a:ln>
+        </p:spPr>
+        <p:txBody>
+          <a:bodyPr vert="horz" wrap="square" lIns="91440" tIns="45720" rIns="91440" bIns="45720" numCol="1" rtlCol="0" anchor="ctr" anchorCtr="0" compatLnSpc="1">
+            <a:prstTxWarp prst="textNoShape">
+              <a:avLst/>
+            </a:prstTxWarp>
+            <a:noAutofit/>
+          </a:bodyPr>
+          <a:lstStyle>
+            <a:lvl1pPr marL="141288" indent="-133350" defTabSz="457200" eaLnBrk="1" latinLnBrk="0" hangingPunct="1">
+              <a:spcBef>
+                <a:spcPct val="20000"/>
+              </a:spcBef>
+              <a:buFont typeface="Arial"/>
+              <a:buNone/>
+              <a:tabLst>
+                <a:tab pos="1331913" algn="l"/>
+              </a:tabLst>
+              <a:defRPr sz="1000" b="1">
+                <a:latin typeface="Avenir" panose="02000503020000020003" pitchFamily="2" charset="0"/>
+              </a:defRPr>
+            </a:lvl1pPr>
+            <a:lvl2pPr marL="742950" indent="-285750" defTabSz="457200" eaLnBrk="1" latinLnBrk="0" hangingPunct="1">
+              <a:spcBef>
+                <a:spcPct val="20000"/>
+              </a:spcBef>
+              <a:buFont typeface="Arial"/>
+              <a:buChar char="–"/>
+              <a:defRPr sz="2800">
+                <a:latin typeface="+mn-lt"/>
+              </a:defRPr>
+            </a:lvl2pPr>
+            <a:lvl3pPr marL="1143000" indent="-228600" defTabSz="457200" eaLnBrk="1" latinLnBrk="0" hangingPunct="1">
+              <a:spcBef>
+                <a:spcPct val="20000"/>
+              </a:spcBef>
+              <a:buFont typeface="Arial"/>
+              <a:buChar char="•"/>
+              <a:defRPr sz="2400">
+                <a:latin typeface="+mn-lt"/>
+              </a:defRPr>
+            </a:lvl3pPr>
+            <a:lvl4pPr marL="1600200" indent="-228600" defTabSz="457200" eaLnBrk="1" latinLnBrk="0" hangingPunct="1">
+              <a:spcBef>
+                <a:spcPct val="20000"/>
+              </a:spcBef>
+              <a:buFont typeface="Arial"/>
+              <a:buChar char="–"/>
+              <a:defRPr sz="2000">
+                <a:latin typeface="+mn-lt"/>
+              </a:defRPr>
+            </a:lvl4pPr>
+            <a:lvl5pPr marL="2057400" indent="-228600" defTabSz="457200" eaLnBrk="1" latinLnBrk="0" hangingPunct="1">
+              <a:spcBef>
+                <a:spcPct val="20000"/>
+              </a:spcBef>
+              <a:buFont typeface="Arial"/>
+              <a:buChar char="»"/>
+              <a:defRPr sz="2000">
+                <a:latin typeface="+mn-lt"/>
+              </a:defRPr>
+            </a:lvl5pPr>
+            <a:lvl6pPr marL="2514600" indent="-228600" defTabSz="457200">
+              <a:spcBef>
+                <a:spcPct val="20000"/>
+              </a:spcBef>
+              <a:buFont typeface="Arial"/>
+              <a:buChar char="•"/>
+              <a:defRPr sz="2000">
+                <a:latin typeface="+mn-lt"/>
+              </a:defRPr>
+            </a:lvl6pPr>
+            <a:lvl7pPr marL="2971800" indent="-228600" defTabSz="457200">
+              <a:spcBef>
+                <a:spcPct val="20000"/>
+              </a:spcBef>
+              <a:buFont typeface="Arial"/>
+              <a:buChar char="•"/>
+              <a:defRPr sz="2000">
+                <a:latin typeface="+mn-lt"/>
+              </a:defRPr>
+            </a:lvl7pPr>
+            <a:lvl8pPr marL="3429000" indent="-228600" defTabSz="457200">
+              <a:spcBef>
+                <a:spcPct val="20000"/>
+              </a:spcBef>
+              <a:buFont typeface="Arial"/>
+              <a:buChar char="•"/>
+              <a:defRPr sz="2000">
+                <a:latin typeface="+mn-lt"/>
+              </a:defRPr>
+            </a:lvl8pPr>
+            <a:lvl9pPr marL="3886200" indent="-228600" defTabSz="457200">
+              <a:spcBef>
+                <a:spcPct val="20000"/>
+              </a:spcBef>
+              <a:buFont typeface="Arial"/>
+              <a:buChar char="•"/>
+              <a:defRPr sz="2000">
+                <a:latin typeface="+mn-lt"/>
+              </a:defRPr>
+            </a:lvl9pPr>
+          </a:lstStyle>
+          <a:p>
+            <a:pPr algn="ctr"/>
+            <a:r>
+              <a:rPr lang="en-GB" sz="800" dirty="0">
+                <a:latin typeface="Avenir Book" panose="02000503020000020003" pitchFamily="2" charset="0"/>
+              </a:rPr>
+              <a:t>Official websites</a:t>
+            </a:r>
+          </a:p>
+        </p:txBody>
+      </p:sp>
+      <p:sp>
+        <p:nvSpPr>
+          <p:cNvPr id="171" name="Content Placeholder 2">
+            <a:extLst>
+              <a:ext uri="{FF2B5EF4-FFF2-40B4-BE49-F238E27FC236}">
+                <a16:creationId xmlns:a16="http://schemas.microsoft.com/office/drawing/2014/main" id="{414C84D8-5DB2-5447-A0FC-50DD05BEDF52}"/>
+              </a:ext>
+            </a:extLst>
+          </p:cNvPr>
+          <p:cNvSpPr txBox="1">
+            <a:spLocks/>
+          </p:cNvSpPr>
+          <p:nvPr/>
+        </p:nvSpPr>
+        <p:spPr>
+          <a:xfrm>
+            <a:off x="8377630" y="3540732"/>
+            <a:ext cx="931110" cy="287733"/>
+          </a:xfrm>
+          <a:prstGeom prst="rect">
+            <a:avLst/>
+          </a:prstGeom>
+          <a:noFill/>
+          <a:ln w="12700">
+            <a:solidFill>
+              <a:srgbClr val="0070C0"/>
+            </a:solidFill>
+            <a:miter lim="800000"/>
+            <a:headEnd/>
+            <a:tailEnd/>
+          </a:ln>
+        </p:spPr>
+        <p:txBody>
+          <a:bodyPr vert="horz" wrap="square" lIns="91440" tIns="45720" rIns="91440" bIns="45720" numCol="1" rtlCol="0" anchor="ctr" anchorCtr="0" compatLnSpc="1">
+            <a:prstTxWarp prst="textNoShape">
+              <a:avLst/>
+            </a:prstTxWarp>
+            <a:noAutofit/>
+          </a:bodyPr>
+          <a:lstStyle>
+            <a:lvl1pPr marL="141288" indent="-133350" defTabSz="457200" eaLnBrk="1" latinLnBrk="0" hangingPunct="1">
+              <a:spcBef>
+                <a:spcPct val="20000"/>
+              </a:spcBef>
+              <a:buFont typeface="Arial"/>
+              <a:buNone/>
+              <a:tabLst>
+                <a:tab pos="1331913" algn="l"/>
+              </a:tabLst>
+              <a:defRPr sz="1000" b="1">
+                <a:latin typeface="Avenir" panose="02000503020000020003" pitchFamily="2" charset="0"/>
+              </a:defRPr>
+            </a:lvl1pPr>
+            <a:lvl2pPr marL="742950" indent="-285750" defTabSz="457200" eaLnBrk="1" latinLnBrk="0" hangingPunct="1">
+              <a:spcBef>
+                <a:spcPct val="20000"/>
+              </a:spcBef>
+              <a:buFont typeface="Arial"/>
+              <a:buChar char="–"/>
+              <a:defRPr sz="2800">
+                <a:latin typeface="+mn-lt"/>
+              </a:defRPr>
+            </a:lvl2pPr>
+            <a:lvl3pPr marL="1143000" indent="-228600" defTabSz="457200" eaLnBrk="1" latinLnBrk="0" hangingPunct="1">
+              <a:spcBef>
+                <a:spcPct val="20000"/>
+              </a:spcBef>
+              <a:buFont typeface="Arial"/>
+              <a:buChar char="•"/>
+              <a:defRPr sz="2400">
+                <a:latin typeface="+mn-lt"/>
+              </a:defRPr>
+            </a:lvl3pPr>
+            <a:lvl4pPr marL="1600200" indent="-228600" defTabSz="457200" eaLnBrk="1" latinLnBrk="0" hangingPunct="1">
+              <a:spcBef>
+                <a:spcPct val="20000"/>
+              </a:spcBef>
+              <a:buFont typeface="Arial"/>
+              <a:buChar char="–"/>
+              <a:defRPr sz="2000">
+                <a:latin typeface="+mn-lt"/>
+              </a:defRPr>
+            </a:lvl4pPr>
+            <a:lvl5pPr marL="2057400" indent="-228600" defTabSz="457200" eaLnBrk="1" latinLnBrk="0" hangingPunct="1">
+              <a:spcBef>
+                <a:spcPct val="20000"/>
+              </a:spcBef>
+              <a:buFont typeface="Arial"/>
+              <a:buChar char="»"/>
+              <a:defRPr sz="2000">
+                <a:latin typeface="+mn-lt"/>
+              </a:defRPr>
+            </a:lvl5pPr>
+            <a:lvl6pPr marL="2514600" indent="-228600" defTabSz="457200">
+              <a:spcBef>
+                <a:spcPct val="20000"/>
+              </a:spcBef>
+              <a:buFont typeface="Arial"/>
+              <a:buChar char="•"/>
+              <a:defRPr sz="2000">
+                <a:latin typeface="+mn-lt"/>
+              </a:defRPr>
+            </a:lvl6pPr>
+            <a:lvl7pPr marL="2971800" indent="-228600" defTabSz="457200">
+              <a:spcBef>
+                <a:spcPct val="20000"/>
+              </a:spcBef>
+              <a:buFont typeface="Arial"/>
+              <a:buChar char="•"/>
+              <a:defRPr sz="2000">
+                <a:latin typeface="+mn-lt"/>
+              </a:defRPr>
+            </a:lvl7pPr>
+            <a:lvl8pPr marL="3429000" indent="-228600" defTabSz="457200">
+              <a:spcBef>
+                <a:spcPct val="20000"/>
+              </a:spcBef>
+              <a:buFont typeface="Arial"/>
+              <a:buChar char="•"/>
+              <a:defRPr sz="2000">
+                <a:latin typeface="+mn-lt"/>
+              </a:defRPr>
+            </a:lvl8pPr>
+            <a:lvl9pPr marL="3886200" indent="-228600" defTabSz="457200">
+              <a:spcBef>
+                <a:spcPct val="20000"/>
+              </a:spcBef>
+              <a:buFont typeface="Arial"/>
+              <a:buChar char="•"/>
+              <a:defRPr sz="2000">
+                <a:latin typeface="+mn-lt"/>
+              </a:defRPr>
+            </a:lvl9pPr>
+          </a:lstStyle>
+          <a:p>
+            <a:pPr algn="ctr"/>
+            <a:r>
+              <a:rPr lang="en-GB" sz="800" dirty="0">
+                <a:latin typeface="Avenir Book" panose="02000503020000020003" pitchFamily="2" charset="0"/>
+              </a:rPr>
+              <a:t>Official websites</a:t>
+            </a:r>
+          </a:p>
+        </p:txBody>
+      </p:sp>
+      <p:sp>
+        <p:nvSpPr>
+          <p:cNvPr id="172" name="Content Placeholder 2">
+            <a:extLst>
+              <a:ext uri="{FF2B5EF4-FFF2-40B4-BE49-F238E27FC236}">
+                <a16:creationId xmlns:a16="http://schemas.microsoft.com/office/drawing/2014/main" id="{94F37020-3039-5F48-A0C4-6217BF18B364}"/>
+              </a:ext>
+            </a:extLst>
+          </p:cNvPr>
+          <p:cNvSpPr txBox="1">
+            <a:spLocks/>
+          </p:cNvSpPr>
+          <p:nvPr/>
+        </p:nvSpPr>
+        <p:spPr>
+          <a:xfrm>
+            <a:off x="8444100" y="4204092"/>
+            <a:ext cx="931110" cy="287733"/>
+          </a:xfrm>
+          <a:prstGeom prst="rect">
+            <a:avLst/>
+          </a:prstGeom>
+          <a:noFill/>
+          <a:ln w="12700">
+            <a:solidFill>
+              <a:srgbClr val="0070C0"/>
+            </a:solidFill>
+            <a:miter lim="800000"/>
+            <a:headEnd/>
+            <a:tailEnd/>
+          </a:ln>
+        </p:spPr>
+        <p:txBody>
+          <a:bodyPr vert="horz" wrap="square" lIns="91440" tIns="45720" rIns="91440" bIns="45720" numCol="1" rtlCol="0" anchor="ctr" anchorCtr="0" compatLnSpc="1">
+            <a:prstTxWarp prst="textNoShape">
+              <a:avLst/>
+            </a:prstTxWarp>
+            <a:noAutofit/>
+          </a:bodyPr>
+          <a:lstStyle>
+            <a:lvl1pPr marL="141288" indent="-133350" defTabSz="457200" eaLnBrk="1" latinLnBrk="0" hangingPunct="1">
+              <a:spcBef>
+                <a:spcPct val="20000"/>
+              </a:spcBef>
+              <a:buFont typeface="Arial"/>
+              <a:buNone/>
+              <a:tabLst>
+                <a:tab pos="1331913" algn="l"/>
+              </a:tabLst>
+              <a:defRPr sz="1000" b="1">
+                <a:latin typeface="Avenir" panose="02000503020000020003" pitchFamily="2" charset="0"/>
+              </a:defRPr>
+            </a:lvl1pPr>
+            <a:lvl2pPr marL="742950" indent="-285750" defTabSz="457200" eaLnBrk="1" latinLnBrk="0" hangingPunct="1">
+              <a:spcBef>
+                <a:spcPct val="20000"/>
+              </a:spcBef>
+              <a:buFont typeface="Arial"/>
+              <a:buChar char="–"/>
+              <a:defRPr sz="2800">
+                <a:latin typeface="+mn-lt"/>
+              </a:defRPr>
+            </a:lvl2pPr>
+            <a:lvl3pPr marL="1143000" indent="-228600" defTabSz="457200" eaLnBrk="1" latinLnBrk="0" hangingPunct="1">
+              <a:spcBef>
+                <a:spcPct val="20000"/>
+              </a:spcBef>
+              <a:buFont typeface="Arial"/>
+              <a:buChar char="•"/>
+              <a:defRPr sz="2400">
+                <a:latin typeface="+mn-lt"/>
+              </a:defRPr>
+            </a:lvl3pPr>
+            <a:lvl4pPr marL="1600200" indent="-228600" defTabSz="457200" eaLnBrk="1" latinLnBrk="0" hangingPunct="1">
+              <a:spcBef>
+                <a:spcPct val="20000"/>
+              </a:spcBef>
+              <a:buFont typeface="Arial"/>
+              <a:buChar char="–"/>
+              <a:defRPr sz="2000">
+                <a:latin typeface="+mn-lt"/>
+              </a:defRPr>
+            </a:lvl4pPr>
+            <a:lvl5pPr marL="2057400" indent="-228600" defTabSz="457200" eaLnBrk="1" latinLnBrk="0" hangingPunct="1">
+              <a:spcBef>
+                <a:spcPct val="20000"/>
+              </a:spcBef>
+              <a:buFont typeface="Arial"/>
+              <a:buChar char="»"/>
+              <a:defRPr sz="2000">
+                <a:latin typeface="+mn-lt"/>
+              </a:defRPr>
+            </a:lvl5pPr>
+            <a:lvl6pPr marL="2514600" indent="-228600" defTabSz="457200">
+              <a:spcBef>
+                <a:spcPct val="20000"/>
+              </a:spcBef>
+              <a:buFont typeface="Arial"/>
+              <a:buChar char="•"/>
+              <a:defRPr sz="2000">
+                <a:latin typeface="+mn-lt"/>
+              </a:defRPr>
+            </a:lvl6pPr>
+            <a:lvl7pPr marL="2971800" indent="-228600" defTabSz="457200">
+              <a:spcBef>
+                <a:spcPct val="20000"/>
+              </a:spcBef>
+              <a:buFont typeface="Arial"/>
+              <a:buChar char="•"/>
+              <a:defRPr sz="2000">
+                <a:latin typeface="+mn-lt"/>
+              </a:defRPr>
+            </a:lvl7pPr>
+            <a:lvl8pPr marL="3429000" indent="-228600" defTabSz="457200">
+              <a:spcBef>
+                <a:spcPct val="20000"/>
+              </a:spcBef>
+              <a:buFont typeface="Arial"/>
+              <a:buChar char="•"/>
+              <a:defRPr sz="2000">
+                <a:latin typeface="+mn-lt"/>
+              </a:defRPr>
+            </a:lvl8pPr>
+            <a:lvl9pPr marL="3886200" indent="-228600" defTabSz="457200">
+              <a:spcBef>
+                <a:spcPct val="20000"/>
+              </a:spcBef>
+              <a:buFont typeface="Arial"/>
+              <a:buChar char="•"/>
+              <a:defRPr sz="2000">
+                <a:latin typeface="+mn-lt"/>
+              </a:defRPr>
+            </a:lvl9pPr>
+          </a:lstStyle>
+          <a:p>
+            <a:pPr algn="ctr"/>
+            <a:r>
+              <a:rPr lang="en-GB" sz="800" dirty="0">
+                <a:latin typeface="Avenir Book" panose="02000503020000020003" pitchFamily="2" charset="0"/>
+              </a:rPr>
+              <a:t>Official websites</a:t>
+            </a:r>
+          </a:p>
+        </p:txBody>
+      </p:sp>
+      <p:sp>
+        <p:nvSpPr>
+          <p:cNvPr id="173" name="Content Placeholder 2">
+            <a:extLst>
+              <a:ext uri="{FF2B5EF4-FFF2-40B4-BE49-F238E27FC236}">
+                <a16:creationId xmlns:a16="http://schemas.microsoft.com/office/drawing/2014/main" id="{7FBF66B9-0D0B-C540-A057-55501698C6A7}"/>
+              </a:ext>
+            </a:extLst>
+          </p:cNvPr>
+          <p:cNvSpPr txBox="1">
+            <a:spLocks/>
+          </p:cNvSpPr>
+          <p:nvPr/>
+        </p:nvSpPr>
+        <p:spPr>
+          <a:xfrm>
+            <a:off x="8475824" y="4875586"/>
+            <a:ext cx="931110" cy="287733"/>
+          </a:xfrm>
+          <a:prstGeom prst="rect">
+            <a:avLst/>
+          </a:prstGeom>
+          <a:noFill/>
+          <a:ln w="12700">
+            <a:solidFill>
+              <a:srgbClr val="0070C0"/>
+            </a:solidFill>
+            <a:miter lim="800000"/>
+            <a:headEnd/>
+            <a:tailEnd/>
+          </a:ln>
+        </p:spPr>
+        <p:txBody>
+          <a:bodyPr vert="horz" wrap="square" lIns="91440" tIns="45720" rIns="91440" bIns="45720" numCol="1" rtlCol="0" anchor="ctr" anchorCtr="0" compatLnSpc="1">
+            <a:prstTxWarp prst="textNoShape">
+              <a:avLst/>
+            </a:prstTxWarp>
+            <a:noAutofit/>
+          </a:bodyPr>
+          <a:lstStyle>
+            <a:lvl1pPr marL="141288" indent="-133350" defTabSz="457200" eaLnBrk="1" latinLnBrk="0" hangingPunct="1">
+              <a:spcBef>
+                <a:spcPct val="20000"/>
+              </a:spcBef>
+              <a:buFont typeface="Arial"/>
+              <a:buNone/>
+              <a:tabLst>
+                <a:tab pos="1331913" algn="l"/>
+              </a:tabLst>
+              <a:defRPr sz="1000" b="1">
+                <a:latin typeface="Avenir" panose="02000503020000020003" pitchFamily="2" charset="0"/>
+              </a:defRPr>
+            </a:lvl1pPr>
+            <a:lvl2pPr marL="742950" indent="-285750" defTabSz="457200" eaLnBrk="1" latinLnBrk="0" hangingPunct="1">
+              <a:spcBef>
+                <a:spcPct val="20000"/>
+              </a:spcBef>
+              <a:buFont typeface="Arial"/>
+              <a:buChar char="–"/>
+              <a:defRPr sz="2800">
+                <a:latin typeface="+mn-lt"/>
+              </a:defRPr>
+            </a:lvl2pPr>
+            <a:lvl3pPr marL="1143000" indent="-228600" defTabSz="457200" eaLnBrk="1" latinLnBrk="0" hangingPunct="1">
+              <a:spcBef>
+                <a:spcPct val="20000"/>
+              </a:spcBef>
+              <a:buFont typeface="Arial"/>
+              <a:buChar char="•"/>
+              <a:defRPr sz="2400">
+                <a:latin typeface="+mn-lt"/>
+              </a:defRPr>
+            </a:lvl3pPr>
+            <a:lvl4pPr marL="1600200" indent="-228600" defTabSz="457200" eaLnBrk="1" latinLnBrk="0" hangingPunct="1">
+              <a:spcBef>
+                <a:spcPct val="20000"/>
+              </a:spcBef>
+              <a:buFont typeface="Arial"/>
+              <a:buChar char="–"/>
+              <a:defRPr sz="2000">
+                <a:latin typeface="+mn-lt"/>
+              </a:defRPr>
+            </a:lvl4pPr>
+            <a:lvl5pPr marL="2057400" indent="-228600" defTabSz="457200" eaLnBrk="1" latinLnBrk="0" hangingPunct="1">
+              <a:spcBef>
+                <a:spcPct val="20000"/>
+              </a:spcBef>
+              <a:buFont typeface="Arial"/>
+              <a:buChar char="»"/>
+              <a:defRPr sz="2000">
+                <a:latin typeface="+mn-lt"/>
+              </a:defRPr>
+            </a:lvl5pPr>
+            <a:lvl6pPr marL="2514600" indent="-228600" defTabSz="457200">
+              <a:spcBef>
+                <a:spcPct val="20000"/>
+              </a:spcBef>
+              <a:buFont typeface="Arial"/>
+              <a:buChar char="•"/>
+              <a:defRPr sz="2000">
+                <a:latin typeface="+mn-lt"/>
+              </a:defRPr>
+            </a:lvl6pPr>
+            <a:lvl7pPr marL="2971800" indent="-228600" defTabSz="457200">
+              <a:spcBef>
+                <a:spcPct val="20000"/>
+              </a:spcBef>
+              <a:buFont typeface="Arial"/>
+              <a:buChar char="•"/>
+              <a:defRPr sz="2000">
+                <a:latin typeface="+mn-lt"/>
+              </a:defRPr>
+            </a:lvl7pPr>
+            <a:lvl8pPr marL="3429000" indent="-228600" defTabSz="457200">
+              <a:spcBef>
+                <a:spcPct val="20000"/>
+              </a:spcBef>
+              <a:buFont typeface="Arial"/>
+              <a:buChar char="•"/>
+              <a:defRPr sz="2000">
+                <a:latin typeface="+mn-lt"/>
+              </a:defRPr>
+            </a:lvl8pPr>
+            <a:lvl9pPr marL="3886200" indent="-228600" defTabSz="457200">
+              <a:spcBef>
+                <a:spcPct val="20000"/>
+              </a:spcBef>
+              <a:buFont typeface="Arial"/>
+              <a:buChar char="•"/>
+              <a:defRPr sz="2000">
+                <a:latin typeface="+mn-lt"/>
+              </a:defRPr>
+            </a:lvl9pPr>
+          </a:lstStyle>
+          <a:p>
+            <a:pPr algn="ctr"/>
+            <a:r>
+              <a:rPr lang="en-GB" sz="800" dirty="0">
+                <a:latin typeface="Avenir Book" panose="02000503020000020003" pitchFamily="2" charset="0"/>
+              </a:rPr>
+              <a:t>Official websites</a:t>
+            </a:r>
+          </a:p>
+        </p:txBody>
+      </p:sp>
+      <p:sp>
+        <p:nvSpPr>
+          <p:cNvPr id="174" name="Rectangle: Rounded Corners 18">
+            <a:extLst>
+              <a:ext uri="{FF2B5EF4-FFF2-40B4-BE49-F238E27FC236}">
+                <a16:creationId xmlns:a16="http://schemas.microsoft.com/office/drawing/2014/main" id="{4941E565-2828-004B-96A1-CFC2F267C34C}"/>
+              </a:ext>
+            </a:extLst>
+          </p:cNvPr>
+          <p:cNvSpPr/>
+          <p:nvPr/>
+        </p:nvSpPr>
+        <p:spPr>
+          <a:xfrm>
+            <a:off x="1813005" y="2927490"/>
+            <a:ext cx="1146953" cy="287733"/>
+          </a:xfrm>
+          <a:prstGeom prst="roundRect">
+            <a:avLst>
+              <a:gd name="adj" fmla="val 11232"/>
+            </a:avLst>
+          </a:prstGeom>
+          <a:solidFill>
+            <a:schemeClr val="bg1"/>
+          </a:solidFill>
+          <a:ln w="12700" cap="flat" cmpd="sng" algn="ctr">
+            <a:solidFill>
+              <a:srgbClr val="92D050"/>
+            </a:solidFill>
+            <a:prstDash val="solid"/>
+            <a:round/>
+            <a:headEnd type="none" w="med" len="med"/>
+            <a:tailEnd type="none" w="med" len="med"/>
+          </a:ln>
+        </p:spPr>
+        <p:style>
+          <a:lnRef idx="0">
+            <a:scrgbClr r="0" g="0" b="0"/>
+          </a:lnRef>
+          <a:fillRef idx="0">
+            <a:scrgbClr r="0" g="0" b="0"/>
+          </a:fillRef>
+          <a:effectRef idx="0">
+            <a:scrgbClr r="0" g="0" b="0"/>
+          </a:effectRef>
+          <a:fontRef idx="minor">
+            <a:schemeClr val="accent2"/>
+          </a:fontRef>
+        </p:style>
+        <p:txBody>
+          <a:bodyPr rtlCol="0" anchor="ctr"/>
+          <a:lstStyle/>
+          <a:p>
+            <a:pPr algn="ctr"/>
+            <a:r>
+              <a:rPr lang="en-GB" sz="900" dirty="0">
+                <a:solidFill>
+                  <a:schemeClr val="tx1"/>
+                </a:solidFill>
+                <a:latin typeface="Avenir Book" panose="02000503020000020003" pitchFamily="2" charset="0"/>
+              </a:rPr>
+              <a:t>Google scraping</a:t>
+            </a:r>
+          </a:p>
+        </p:txBody>
+      </p:sp>
+      <p:sp>
+        <p:nvSpPr>
+          <p:cNvPr id="175" name="Rectangle: Rounded Corners 44">
+            <a:extLst>
+              <a:ext uri="{FF2B5EF4-FFF2-40B4-BE49-F238E27FC236}">
+                <a16:creationId xmlns:a16="http://schemas.microsoft.com/office/drawing/2014/main" id="{11BEEB95-B445-A143-B558-614E46906D23}"/>
+              </a:ext>
+            </a:extLst>
+          </p:cNvPr>
+          <p:cNvSpPr/>
+          <p:nvPr/>
+        </p:nvSpPr>
+        <p:spPr>
+          <a:xfrm>
+            <a:off x="5662417" y="6604575"/>
+            <a:ext cx="1539240" cy="362586"/>
+          </a:xfrm>
+          <a:prstGeom prst="roundRect">
+            <a:avLst>
+              <a:gd name="adj" fmla="val 11232"/>
+            </a:avLst>
+          </a:prstGeom>
+          <a:solidFill>
+            <a:schemeClr val="bg1"/>
+          </a:solidFill>
+          <a:ln w="19050" cap="flat" cmpd="sng" algn="ctr">
+            <a:solidFill>
+              <a:srgbClr val="92D050"/>
+            </a:solidFill>
+            <a:prstDash val="solid"/>
+            <a:round/>
+            <a:headEnd type="none" w="med" len="med"/>
+            <a:tailEnd type="none" w="med" len="med"/>
+          </a:ln>
+        </p:spPr>
+        <p:style>
+          <a:lnRef idx="0">
+            <a:scrgbClr r="0" g="0" b="0"/>
+          </a:lnRef>
+          <a:fillRef idx="0">
+            <a:scrgbClr r="0" g="0" b="0"/>
+          </a:fillRef>
+          <a:effectRef idx="0">
+            <a:scrgbClr r="0" g="0" b="0"/>
+          </a:effectRef>
+          <a:fontRef idx="minor">
+            <a:schemeClr val="accent2"/>
+          </a:fontRef>
+        </p:style>
+        <p:txBody>
+          <a:bodyPr rtlCol="0" anchor="ctr"/>
+          <a:lstStyle/>
+          <a:p>
+            <a:pPr algn="ctr"/>
+            <a:r>
+              <a:rPr lang="en-GB" sz="1200" dirty="0">
+                <a:solidFill>
+                  <a:schemeClr val="tx1"/>
+                </a:solidFill>
+                <a:latin typeface="Avenir Book" panose="02000503020000020003" pitchFamily="2" charset="0"/>
+              </a:rPr>
+              <a:t>Clustering (k-means)</a:t>
+            </a:r>
+            <a:endParaRPr lang="en-GB" sz="1600" dirty="0">
+              <a:solidFill>
+                <a:schemeClr val="tx1"/>
+              </a:solidFill>
+              <a:latin typeface="Avenir Book" panose="02000503020000020003" pitchFamily="2" charset="0"/>
+            </a:endParaRPr>
+          </a:p>
+        </p:txBody>
+      </p:sp>
+      <p:sp>
+        <p:nvSpPr>
+          <p:cNvPr id="177" name="Rectangle: Rounded Corners 56">
+            <a:extLst>
+              <a:ext uri="{FF2B5EF4-FFF2-40B4-BE49-F238E27FC236}">
+                <a16:creationId xmlns:a16="http://schemas.microsoft.com/office/drawing/2014/main" id="{4AFD4DCB-9AFC-A642-BF59-20404245C869}"/>
+              </a:ext>
+            </a:extLst>
+          </p:cNvPr>
+          <p:cNvSpPr/>
+          <p:nvPr/>
+        </p:nvSpPr>
+        <p:spPr>
+          <a:xfrm>
+            <a:off x="5642780" y="7128411"/>
+            <a:ext cx="1666633" cy="473641"/>
+          </a:xfrm>
+          <a:prstGeom prst="roundRect">
+            <a:avLst>
+              <a:gd name="adj" fmla="val 11232"/>
+            </a:avLst>
+          </a:prstGeom>
+          <a:solidFill>
+            <a:schemeClr val="bg1"/>
+          </a:solidFill>
+          <a:ln w="19050" cap="flat" cmpd="sng" algn="ctr">
+            <a:solidFill>
+              <a:srgbClr val="C00000"/>
+            </a:solidFill>
+            <a:prstDash val="solid"/>
+            <a:round/>
+            <a:headEnd type="none" w="med" len="med"/>
+            <a:tailEnd type="none" w="med" len="med"/>
+          </a:ln>
+        </p:spPr>
+        <p:style>
+          <a:lnRef idx="0">
+            <a:scrgbClr r="0" g="0" b="0"/>
+          </a:lnRef>
+          <a:fillRef idx="0">
+            <a:scrgbClr r="0" g="0" b="0"/>
+          </a:fillRef>
+          <a:effectRef idx="0">
+            <a:scrgbClr r="0" g="0" b="0"/>
+          </a:effectRef>
+          <a:fontRef idx="minor">
+            <a:schemeClr val="accent2"/>
+          </a:fontRef>
+        </p:style>
+        <p:txBody>
+          <a:bodyPr rot="0" spcFirstLastPara="0" vertOverflow="overflow" horzOverflow="overflow" vert="horz" wrap="square" lIns="91440" tIns="45720" rIns="91440" bIns="45720" numCol="1" spcCol="0" rtlCol="0" fromWordArt="0" anchor="ctr" anchorCtr="0" forceAA="0" compatLnSpc="1">
+            <a:prstTxWarp prst="textNoShape">
+              <a:avLst/>
+            </a:prstTxWarp>
+            <a:noAutofit/>
+          </a:bodyPr>
+          <a:lstStyle/>
+          <a:p>
+            <a:pPr algn="ctr"/>
+            <a:r>
+              <a:rPr lang="en-GB" sz="1050" dirty="0">
+                <a:solidFill>
+                  <a:schemeClr val="tx1"/>
+                </a:solidFill>
+                <a:latin typeface="Avenir Book" panose="02000503020000020003" pitchFamily="2" charset="0"/>
+              </a:rPr>
+              <a:t>Route classification in</a:t>
+            </a:r>
+          </a:p>
+          <a:p>
+            <a:pPr algn="ctr"/>
+            <a:r>
+              <a:rPr lang="en-GB" sz="1050" dirty="0">
+                <a:solidFill>
+                  <a:schemeClr val="tx1"/>
+                </a:solidFill>
+                <a:latin typeface="Avenir Book" panose="02000503020000020003" pitchFamily="2" charset="0"/>
+              </a:rPr>
+              <a:t>supergroups / groups</a:t>
+            </a:r>
+          </a:p>
+        </p:txBody>
+      </p:sp>
+      <p:sp>
+        <p:nvSpPr>
+          <p:cNvPr id="178" name="Rectangle: Rounded Corners 102">
+            <a:extLst>
+              <a:ext uri="{FF2B5EF4-FFF2-40B4-BE49-F238E27FC236}">
+                <a16:creationId xmlns:a16="http://schemas.microsoft.com/office/drawing/2014/main" id="{9A0ACA87-355C-0443-B049-791EFEC902B4}"/>
+              </a:ext>
+            </a:extLst>
+          </p:cNvPr>
+          <p:cNvSpPr/>
+          <p:nvPr/>
+        </p:nvSpPr>
+        <p:spPr>
+          <a:xfrm>
+            <a:off x="7629477" y="7288161"/>
+            <a:ext cx="937898" cy="627781"/>
+          </a:xfrm>
+          <a:prstGeom prst="roundRect">
+            <a:avLst>
+              <a:gd name="adj" fmla="val 11232"/>
+            </a:avLst>
+          </a:prstGeom>
+          <a:solidFill>
+            <a:schemeClr val="bg1"/>
+          </a:solidFill>
+          <a:ln w="19050" cap="flat" cmpd="sng" algn="ctr">
+            <a:solidFill>
+              <a:srgbClr val="92D050"/>
+            </a:solidFill>
+            <a:prstDash val="solid"/>
+            <a:round/>
+            <a:headEnd type="none" w="med" len="med"/>
+            <a:tailEnd type="none" w="med" len="med"/>
+          </a:ln>
+        </p:spPr>
+        <p:style>
+          <a:lnRef idx="0">
+            <a:scrgbClr r="0" g="0" b="0"/>
+          </a:lnRef>
+          <a:fillRef idx="0">
+            <a:scrgbClr r="0" g="0" b="0"/>
+          </a:fillRef>
+          <a:effectRef idx="0">
+            <a:scrgbClr r="0" g="0" b="0"/>
+          </a:effectRef>
+          <a:fontRef idx="minor">
+            <a:schemeClr val="accent2"/>
+          </a:fontRef>
+        </p:style>
+        <p:txBody>
+          <a:bodyPr rtlCol="0" anchor="ctr"/>
+          <a:lstStyle/>
+          <a:p>
+            <a:pPr algn="ctr"/>
+            <a:r>
+              <a:rPr lang="en-GB" sz="1050" dirty="0">
+                <a:solidFill>
+                  <a:schemeClr val="tx1"/>
+                </a:solidFill>
+                <a:latin typeface="Avenir Book" panose="02000503020000020003" pitchFamily="2" charset="0"/>
+              </a:rPr>
+              <a:t>Weighted spatial join on grid</a:t>
+            </a:r>
+            <a:endParaRPr lang="en-GB" sz="1200" dirty="0">
+              <a:solidFill>
+                <a:schemeClr val="tx1"/>
+              </a:solidFill>
+              <a:latin typeface="Avenir Book" panose="02000503020000020003" pitchFamily="2" charset="0"/>
+            </a:endParaRPr>
+          </a:p>
+        </p:txBody>
+      </p:sp>
+      <p:sp>
+        <p:nvSpPr>
+          <p:cNvPr id="179" name="Rectangle: Rounded Corners 18">
+            <a:extLst>
+              <a:ext uri="{FF2B5EF4-FFF2-40B4-BE49-F238E27FC236}">
+                <a16:creationId xmlns:a16="http://schemas.microsoft.com/office/drawing/2014/main" id="{B3918222-E826-2E43-A360-5BC807ADC989}"/>
+              </a:ext>
+            </a:extLst>
+          </p:cNvPr>
+          <p:cNvSpPr/>
+          <p:nvPr/>
+        </p:nvSpPr>
+        <p:spPr>
+          <a:xfrm>
+            <a:off x="1813004" y="3395456"/>
+            <a:ext cx="1146954" cy="287733"/>
+          </a:xfrm>
+          <a:prstGeom prst="roundRect">
+            <a:avLst>
+              <a:gd name="adj" fmla="val 11232"/>
+            </a:avLst>
+          </a:prstGeom>
+          <a:solidFill>
+            <a:schemeClr val="bg1"/>
+          </a:solidFill>
+          <a:ln w="12700" cap="flat" cmpd="sng" algn="ctr">
+            <a:solidFill>
+              <a:schemeClr val="accent5">
+                <a:lumMod val="75000"/>
+              </a:schemeClr>
+            </a:solidFill>
+            <a:prstDash val="solid"/>
+            <a:round/>
+            <a:headEnd type="none" w="med" len="med"/>
+            <a:tailEnd type="none" w="med" len="med"/>
+          </a:ln>
+        </p:spPr>
+        <p:style>
+          <a:lnRef idx="0">
+            <a:scrgbClr r="0" g="0" b="0"/>
+          </a:lnRef>
+          <a:fillRef idx="0">
+            <a:scrgbClr r="0" g="0" b="0"/>
+          </a:fillRef>
+          <a:effectRef idx="0">
+            <a:scrgbClr r="0" g="0" b="0"/>
+          </a:effectRef>
+          <a:fontRef idx="minor">
+            <a:schemeClr val="accent2"/>
+          </a:fontRef>
+        </p:style>
+        <p:txBody>
+          <a:bodyPr rtlCol="0" anchor="ctr"/>
+          <a:lstStyle/>
+          <a:p>
+            <a:pPr algn="ctr"/>
+            <a:r>
+              <a:rPr lang="en-GB" sz="900" dirty="0">
+                <a:solidFill>
+                  <a:schemeClr val="tx1"/>
+                </a:solidFill>
+                <a:latin typeface="Avenir Book" panose="02000503020000020003" pitchFamily="2" charset="0"/>
+              </a:rPr>
+              <a:t>SERPs</a:t>
+            </a:r>
+          </a:p>
+        </p:txBody>
+      </p:sp>
+      <p:sp>
+        <p:nvSpPr>
+          <p:cNvPr id="180" name="Rectangle: Rounded Corners 18">
+            <a:extLst>
+              <a:ext uri="{FF2B5EF4-FFF2-40B4-BE49-F238E27FC236}">
+                <a16:creationId xmlns:a16="http://schemas.microsoft.com/office/drawing/2014/main" id="{A568BE54-2A5A-7440-8156-E6E9FE5857A8}"/>
+              </a:ext>
+            </a:extLst>
+          </p:cNvPr>
+          <p:cNvSpPr/>
+          <p:nvPr/>
+        </p:nvSpPr>
+        <p:spPr>
+          <a:xfrm>
+            <a:off x="1813004" y="3860573"/>
+            <a:ext cx="1146954" cy="343519"/>
+          </a:xfrm>
+          <a:prstGeom prst="roundRect">
+            <a:avLst>
+              <a:gd name="adj" fmla="val 11232"/>
+            </a:avLst>
+          </a:prstGeom>
+          <a:solidFill>
+            <a:schemeClr val="bg1"/>
+          </a:solidFill>
+          <a:ln w="12700" cap="flat" cmpd="sng" algn="ctr">
+            <a:solidFill>
+              <a:srgbClr val="92D050"/>
+            </a:solidFill>
+            <a:prstDash val="solid"/>
+            <a:round/>
+            <a:headEnd type="none" w="med" len="med"/>
+            <a:tailEnd type="none" w="med" len="med"/>
+          </a:ln>
+        </p:spPr>
+        <p:style>
+          <a:lnRef idx="0">
+            <a:scrgbClr r="0" g="0" b="0"/>
+          </a:lnRef>
+          <a:fillRef idx="0">
+            <a:scrgbClr r="0" g="0" b="0"/>
+          </a:fillRef>
+          <a:effectRef idx="0">
+            <a:scrgbClr r="0" g="0" b="0"/>
+          </a:effectRef>
+          <a:fontRef idx="minor">
+            <a:schemeClr val="accent2"/>
+          </a:fontRef>
+        </p:style>
+        <p:txBody>
+          <a:bodyPr rtlCol="0" anchor="ctr"/>
+          <a:lstStyle/>
+          <a:p>
+            <a:pPr algn="ctr"/>
+            <a:r>
+              <a:rPr lang="en-GB" sz="900" dirty="0">
+                <a:solidFill>
+                  <a:schemeClr val="tx1"/>
+                </a:solidFill>
+                <a:latin typeface="Avenir Book" panose="02000503020000020003" pitchFamily="2" charset="0"/>
+              </a:rPr>
+              <a:t>Feature engineering</a:t>
+            </a:r>
+          </a:p>
+        </p:txBody>
+      </p:sp>
+      <p:sp>
+        <p:nvSpPr>
+          <p:cNvPr id="181" name="Rectangle: Rounded Corners 18">
+            <a:extLst>
+              <a:ext uri="{FF2B5EF4-FFF2-40B4-BE49-F238E27FC236}">
+                <a16:creationId xmlns:a16="http://schemas.microsoft.com/office/drawing/2014/main" id="{F2844468-DEC5-204F-A57C-84BB3FABB57F}"/>
+              </a:ext>
+            </a:extLst>
+          </p:cNvPr>
+          <p:cNvSpPr/>
+          <p:nvPr/>
+        </p:nvSpPr>
+        <p:spPr>
+          <a:xfrm>
+            <a:off x="3144298" y="3860573"/>
+            <a:ext cx="1146954" cy="343519"/>
+          </a:xfrm>
+          <a:prstGeom prst="roundRect">
+            <a:avLst>
+              <a:gd name="adj" fmla="val 11232"/>
+            </a:avLst>
+          </a:prstGeom>
+          <a:solidFill>
+            <a:schemeClr val="bg1"/>
+          </a:solidFill>
+          <a:ln w="12700" cap="flat" cmpd="sng" algn="ctr">
+            <a:solidFill>
+              <a:srgbClr val="92D050"/>
+            </a:solidFill>
+            <a:prstDash val="solid"/>
+            <a:round/>
+            <a:headEnd type="none" w="med" len="med"/>
+            <a:tailEnd type="none" w="med" len="med"/>
+          </a:ln>
+        </p:spPr>
+        <p:style>
+          <a:lnRef idx="0">
+            <a:scrgbClr r="0" g="0" b="0"/>
+          </a:lnRef>
+          <a:fillRef idx="0">
+            <a:scrgbClr r="0" g="0" b="0"/>
+          </a:fillRef>
+          <a:effectRef idx="0">
+            <a:scrgbClr r="0" g="0" b="0"/>
+          </a:effectRef>
+          <a:fontRef idx="minor">
+            <a:schemeClr val="accent2"/>
+          </a:fontRef>
+        </p:style>
+        <p:txBody>
+          <a:bodyPr rtlCol="0" anchor="ctr"/>
+          <a:lstStyle/>
+          <a:p>
+            <a:pPr algn="ctr"/>
+            <a:r>
+              <a:rPr lang="en-GB" sz="900" dirty="0">
+                <a:solidFill>
+                  <a:schemeClr val="tx1"/>
+                </a:solidFill>
+                <a:latin typeface="Avenir Book" panose="02000503020000020003" pitchFamily="2" charset="0"/>
+              </a:rPr>
+              <a:t>Model </a:t>
+            </a:r>
+          </a:p>
+          <a:p>
+            <a:pPr algn="ctr"/>
+            <a:r>
+              <a:rPr lang="en-GB" sz="900" dirty="0">
+                <a:solidFill>
+                  <a:schemeClr val="tx1"/>
+                </a:solidFill>
+                <a:latin typeface="Avenir Book" panose="02000503020000020003" pitchFamily="2" charset="0"/>
+              </a:rPr>
+              <a:t>(random forests)</a:t>
+            </a:r>
+          </a:p>
+        </p:txBody>
+      </p:sp>
+      <p:sp>
+        <p:nvSpPr>
+          <p:cNvPr id="183" name="Rectangle: Rounded Corners 18">
+            <a:extLst>
+              <a:ext uri="{FF2B5EF4-FFF2-40B4-BE49-F238E27FC236}">
+                <a16:creationId xmlns:a16="http://schemas.microsoft.com/office/drawing/2014/main" id="{A7D01110-7012-4240-8283-29384C6FEF18}"/>
+              </a:ext>
+            </a:extLst>
+          </p:cNvPr>
+          <p:cNvSpPr/>
+          <p:nvPr/>
+        </p:nvSpPr>
+        <p:spPr>
+          <a:xfrm>
+            <a:off x="4492652" y="3860572"/>
+            <a:ext cx="1146954" cy="343519"/>
+          </a:xfrm>
+          <a:prstGeom prst="roundRect">
+            <a:avLst>
+              <a:gd name="adj" fmla="val 11232"/>
+            </a:avLst>
+          </a:prstGeom>
+          <a:solidFill>
+            <a:schemeClr val="bg1"/>
+          </a:solidFill>
+          <a:ln w="12700" cap="flat" cmpd="sng" algn="ctr">
+            <a:solidFill>
+              <a:schemeClr val="accent5">
+                <a:lumMod val="75000"/>
+              </a:schemeClr>
+            </a:solidFill>
+            <a:prstDash val="solid"/>
+            <a:round/>
+            <a:headEnd type="none" w="med" len="med"/>
+            <a:tailEnd type="none" w="med" len="med"/>
+          </a:ln>
+        </p:spPr>
+        <p:style>
+          <a:lnRef idx="0">
+            <a:scrgbClr r="0" g="0" b="0"/>
+          </a:lnRef>
+          <a:fillRef idx="0">
+            <a:scrgbClr r="0" g="0" b="0"/>
+          </a:fillRef>
+          <a:effectRef idx="0">
+            <a:scrgbClr r="0" g="0" b="0"/>
+          </a:effectRef>
+          <a:fontRef idx="minor">
+            <a:schemeClr val="accent2"/>
+          </a:fontRef>
+        </p:style>
+        <p:txBody>
+          <a:bodyPr rtlCol="0" anchor="ctr"/>
+          <a:lstStyle/>
+          <a:p>
+            <a:pPr algn="ctr"/>
+            <a:r>
+              <a:rPr lang="en-GB" sz="900" dirty="0">
+                <a:solidFill>
+                  <a:schemeClr val="tx1"/>
+                </a:solidFill>
+                <a:latin typeface="Avenir Book" panose="02000503020000020003" pitchFamily="2" charset="0"/>
+              </a:rPr>
+              <a:t>Valid URLs (predicted)</a:t>
+            </a:r>
+          </a:p>
+        </p:txBody>
+      </p:sp>
+      <p:sp>
+        <p:nvSpPr>
+          <p:cNvPr id="184" name="Rectangle: Rounded Corners 18">
+            <a:extLst>
+              <a:ext uri="{FF2B5EF4-FFF2-40B4-BE49-F238E27FC236}">
+                <a16:creationId xmlns:a16="http://schemas.microsoft.com/office/drawing/2014/main" id="{715ACE16-9C79-0048-BEF7-FD0D6A7818CE}"/>
+              </a:ext>
+            </a:extLst>
+          </p:cNvPr>
+          <p:cNvSpPr/>
+          <p:nvPr/>
+        </p:nvSpPr>
+        <p:spPr>
+          <a:xfrm>
+            <a:off x="4492652" y="3393251"/>
+            <a:ext cx="1146954" cy="289938"/>
+          </a:xfrm>
+          <a:prstGeom prst="roundRect">
+            <a:avLst>
+              <a:gd name="adj" fmla="val 11232"/>
+            </a:avLst>
+          </a:prstGeom>
+          <a:solidFill>
+            <a:schemeClr val="bg1"/>
+          </a:solidFill>
+          <a:ln w="12700" cap="flat" cmpd="sng" algn="ctr">
+            <a:solidFill>
+              <a:srgbClr val="92D050"/>
+            </a:solidFill>
+            <a:prstDash val="solid"/>
+            <a:round/>
+            <a:headEnd type="none" w="med" len="med"/>
+            <a:tailEnd type="none" w="med" len="med"/>
+          </a:ln>
+        </p:spPr>
+        <p:style>
+          <a:lnRef idx="0">
+            <a:scrgbClr r="0" g="0" b="0"/>
+          </a:lnRef>
+          <a:fillRef idx="0">
+            <a:scrgbClr r="0" g="0" b="0"/>
+          </a:fillRef>
+          <a:effectRef idx="0">
+            <a:scrgbClr r="0" g="0" b="0"/>
+          </a:effectRef>
+          <a:fontRef idx="minor">
+            <a:schemeClr val="accent2"/>
+          </a:fontRef>
+        </p:style>
+        <p:txBody>
+          <a:bodyPr rtlCol="0" anchor="ctr"/>
+          <a:lstStyle/>
+          <a:p>
+            <a:pPr algn="ctr"/>
+            <a:r>
+              <a:rPr lang="en-GB" sz="900" dirty="0">
+                <a:solidFill>
+                  <a:schemeClr val="tx1"/>
+                </a:solidFill>
+                <a:latin typeface="Avenir Book" panose="02000503020000020003" pitchFamily="2" charset="0"/>
+              </a:rPr>
+              <a:t>Manual validation</a:t>
+            </a:r>
+          </a:p>
+        </p:txBody>
+      </p:sp>
+      <p:sp>
+        <p:nvSpPr>
+          <p:cNvPr id="186" name="Rectangle: Rounded Corners 18">
+            <a:extLst>
+              <a:ext uri="{FF2B5EF4-FFF2-40B4-BE49-F238E27FC236}">
+                <a16:creationId xmlns:a16="http://schemas.microsoft.com/office/drawing/2014/main" id="{DCD9A743-B860-0B45-869F-788AA7B69AF0}"/>
+              </a:ext>
+            </a:extLst>
+          </p:cNvPr>
+          <p:cNvSpPr/>
+          <p:nvPr/>
+        </p:nvSpPr>
+        <p:spPr>
+          <a:xfrm>
+            <a:off x="4492652" y="2442014"/>
+            <a:ext cx="1146954" cy="343519"/>
+          </a:xfrm>
+          <a:prstGeom prst="roundRect">
+            <a:avLst>
+              <a:gd name="adj" fmla="val 11232"/>
+            </a:avLst>
+          </a:prstGeom>
+          <a:solidFill>
+            <a:schemeClr val="bg1"/>
+          </a:solidFill>
+          <a:ln w="12700" cap="flat" cmpd="sng" algn="ctr">
+            <a:solidFill>
+              <a:srgbClr val="C00000"/>
+            </a:solidFill>
+            <a:prstDash val="solid"/>
+            <a:round/>
+            <a:headEnd type="none" w="med" len="med"/>
+            <a:tailEnd type="none" w="med" len="med"/>
+          </a:ln>
+        </p:spPr>
+        <p:style>
+          <a:lnRef idx="0">
+            <a:scrgbClr r="0" g="0" b="0"/>
+          </a:lnRef>
+          <a:fillRef idx="0">
+            <a:scrgbClr r="0" g="0" b="0"/>
+          </a:fillRef>
+          <a:effectRef idx="0">
+            <a:scrgbClr r="0" g="0" b="0"/>
+          </a:effectRef>
+          <a:fontRef idx="minor">
+            <a:schemeClr val="accent2"/>
+          </a:fontRef>
+        </p:style>
+        <p:txBody>
+          <a:bodyPr rot="0" spcFirstLastPara="0" vertOverflow="overflow" horzOverflow="overflow" vert="horz" wrap="square" lIns="91440" tIns="45720" rIns="91440" bIns="45720" numCol="1" spcCol="0" rtlCol="0" fromWordArt="0" anchor="ctr" anchorCtr="0" forceAA="0" compatLnSpc="1">
+            <a:prstTxWarp prst="textNoShape">
+              <a:avLst/>
+            </a:prstTxWarp>
+            <a:noAutofit/>
+          </a:bodyPr>
+          <a:lstStyle/>
+          <a:p>
+            <a:pPr algn="ctr"/>
+            <a:r>
+              <a:rPr lang="en-GB" sz="1000" dirty="0">
+                <a:solidFill>
+                  <a:schemeClr val="tx1"/>
+                </a:solidFill>
+                <a:latin typeface="Avenir Book" panose="02000503020000020003" pitchFamily="2" charset="0"/>
+              </a:rPr>
+              <a:t>Official websites</a:t>
+            </a:r>
+          </a:p>
+        </p:txBody>
+      </p:sp>
+      <p:sp>
+        <p:nvSpPr>
+          <p:cNvPr id="188" name="Rectangle: Rounded Corners 18">
+            <a:extLst>
+              <a:ext uri="{FF2B5EF4-FFF2-40B4-BE49-F238E27FC236}">
+                <a16:creationId xmlns:a16="http://schemas.microsoft.com/office/drawing/2014/main" id="{6DE59AD6-5B55-FE49-88D3-2CA32211636E}"/>
+              </a:ext>
+            </a:extLst>
+          </p:cNvPr>
+          <p:cNvSpPr/>
+          <p:nvPr/>
+        </p:nvSpPr>
+        <p:spPr>
+          <a:xfrm>
+            <a:off x="3147483" y="2448240"/>
+            <a:ext cx="1146954" cy="343519"/>
+          </a:xfrm>
+          <a:prstGeom prst="roundRect">
+            <a:avLst>
+              <a:gd name="adj" fmla="val 11232"/>
+            </a:avLst>
+          </a:prstGeom>
+          <a:solidFill>
+            <a:schemeClr val="bg1"/>
+          </a:solidFill>
+          <a:ln w="12700" cap="flat" cmpd="sng" algn="ctr">
+            <a:solidFill>
+              <a:srgbClr val="92D050"/>
+            </a:solidFill>
+            <a:prstDash val="solid"/>
+            <a:round/>
+            <a:headEnd type="none" w="med" len="med"/>
+            <a:tailEnd type="none" w="med" len="med"/>
+          </a:ln>
+        </p:spPr>
+        <p:style>
+          <a:lnRef idx="0">
+            <a:scrgbClr r="0" g="0" b="0"/>
+          </a:lnRef>
+          <a:fillRef idx="0">
+            <a:scrgbClr r="0" g="0" b="0"/>
+          </a:fillRef>
+          <a:effectRef idx="0">
+            <a:scrgbClr r="0" g="0" b="0"/>
+          </a:effectRef>
+          <a:fontRef idx="minor">
+            <a:schemeClr val="accent2"/>
+          </a:fontRef>
+        </p:style>
+        <p:txBody>
+          <a:bodyPr rtlCol="0" anchor="ctr"/>
+          <a:lstStyle/>
+          <a:p>
+            <a:pPr algn="ctr"/>
+            <a:r>
+              <a:rPr lang="en-GB" sz="900" dirty="0">
+                <a:solidFill>
+                  <a:schemeClr val="tx1"/>
+                </a:solidFill>
+                <a:latin typeface="Avenir Book" panose="02000503020000020003" pitchFamily="2" charset="0"/>
+              </a:rPr>
+              <a:t>Search museum names</a:t>
+            </a:r>
+          </a:p>
+        </p:txBody>
+      </p:sp>
+      <p:sp>
+        <p:nvSpPr>
+          <p:cNvPr id="189" name="Rectangle: Rounded Corners 18">
+            <a:extLst>
+              <a:ext uri="{FF2B5EF4-FFF2-40B4-BE49-F238E27FC236}">
+                <a16:creationId xmlns:a16="http://schemas.microsoft.com/office/drawing/2014/main" id="{2DEDAE3E-8D0B-CC4A-A396-713D1D70F469}"/>
+              </a:ext>
+            </a:extLst>
+          </p:cNvPr>
+          <p:cNvSpPr/>
+          <p:nvPr/>
+        </p:nvSpPr>
+        <p:spPr>
+          <a:xfrm>
+            <a:off x="1804239" y="2448240"/>
+            <a:ext cx="1146952" cy="343519"/>
+          </a:xfrm>
+          <a:prstGeom prst="roundRect">
+            <a:avLst>
+              <a:gd name="adj" fmla="val 11232"/>
+            </a:avLst>
+          </a:prstGeom>
+          <a:solidFill>
+            <a:schemeClr val="bg1"/>
+          </a:solidFill>
+          <a:ln w="12700" cap="flat" cmpd="sng" algn="ctr">
+            <a:solidFill>
+              <a:schemeClr val="accent5">
+                <a:lumMod val="75000"/>
+              </a:schemeClr>
+            </a:solidFill>
+            <a:prstDash val="solid"/>
+            <a:round/>
+            <a:headEnd type="none" w="med" len="med"/>
+            <a:tailEnd type="none" w="med" len="med"/>
+          </a:ln>
+        </p:spPr>
+        <p:style>
+          <a:lnRef idx="0">
+            <a:scrgbClr r="0" g="0" b="0"/>
+          </a:lnRef>
+          <a:fillRef idx="0">
+            <a:scrgbClr r="0" g="0" b="0"/>
+          </a:fillRef>
+          <a:effectRef idx="0">
+            <a:scrgbClr r="0" g="0" b="0"/>
+          </a:effectRef>
+          <a:fontRef idx="minor">
+            <a:schemeClr val="accent2"/>
+          </a:fontRef>
+        </p:style>
+        <p:txBody>
+          <a:bodyPr rtlCol="0" anchor="ctr"/>
+          <a:lstStyle/>
+          <a:p>
+            <a:pPr algn="ctr"/>
+            <a:r>
+              <a:rPr lang="en-GB" sz="900" dirty="0">
+                <a:solidFill>
+                  <a:schemeClr val="tx1"/>
+                </a:solidFill>
+                <a:latin typeface="Avenir Book" panose="02000503020000020003" pitchFamily="2" charset="0"/>
+              </a:rPr>
+              <a:t>Mapping Museums KB</a:t>
+            </a:r>
+          </a:p>
+        </p:txBody>
+      </p:sp>
+      <p:cxnSp>
+        <p:nvCxnSpPr>
+          <p:cNvPr id="202" name="Straight Arrow Connector 201">
+            <a:extLst>
+              <a:ext uri="{FF2B5EF4-FFF2-40B4-BE49-F238E27FC236}">
+                <a16:creationId xmlns:a16="http://schemas.microsoft.com/office/drawing/2014/main" id="{6B005AD9-230C-4641-A90F-E827252E7F06}"/>
+              </a:ext>
+            </a:extLst>
+          </p:cNvPr>
+          <p:cNvCxnSpPr>
+            <a:cxnSpLocks/>
+            <a:stCxn id="179" idx="2"/>
+            <a:endCxn id="180" idx="0"/>
+          </p:cNvCxnSpPr>
+          <p:nvPr/>
+        </p:nvCxnSpPr>
+        <p:spPr>
+          <a:xfrm>
+            <a:off x="2386481" y="3683189"/>
+            <a:ext cx="0" cy="177384"/>
+          </a:xfrm>
+          <a:prstGeom prst="straightConnector1">
+            <a:avLst/>
+          </a:prstGeom>
+          <a:ln w="12700">
+            <a:solidFill>
+              <a:schemeClr val="tx1">
+                <a:lumMod val="50000"/>
+                <a:lumOff val="50000"/>
+              </a:schemeClr>
+            </a:solidFill>
+            <a:headEnd type="none" w="med" len="med"/>
+            <a:tailEnd type="triangle" w="med" len="med"/>
+          </a:ln>
+        </p:spPr>
+        <p:style>
+          <a:lnRef idx="1">
+            <a:schemeClr val="accent1"/>
+          </a:lnRef>
+          <a:fillRef idx="0">
+            <a:schemeClr val="accent1"/>
+          </a:fillRef>
+          <a:effectRef idx="0">
+            <a:schemeClr val="accent1"/>
+          </a:effectRef>
+          <a:fontRef idx="minor">
+            <a:schemeClr val="tx1"/>
+          </a:fontRef>
+        </p:style>
+      </p:cxnSp>
+      <p:cxnSp>
+        <p:nvCxnSpPr>
+          <p:cNvPr id="204" name="Straight Arrow Connector 203">
+            <a:extLst>
+              <a:ext uri="{FF2B5EF4-FFF2-40B4-BE49-F238E27FC236}">
+                <a16:creationId xmlns:a16="http://schemas.microsoft.com/office/drawing/2014/main" id="{9C27327B-4E18-134B-A4D9-A982FE4CEECC}"/>
+              </a:ext>
+            </a:extLst>
+          </p:cNvPr>
+          <p:cNvCxnSpPr>
+            <a:cxnSpLocks/>
+            <a:stCxn id="180" idx="3"/>
+            <a:endCxn id="181" idx="1"/>
+          </p:cNvCxnSpPr>
+          <p:nvPr/>
+        </p:nvCxnSpPr>
+        <p:spPr>
+          <a:xfrm>
+            <a:off x="2959958" y="4032333"/>
+            <a:ext cx="184340" cy="0"/>
+          </a:xfrm>
+          <a:prstGeom prst="straightConnector1">
+            <a:avLst/>
+          </a:prstGeom>
+          <a:ln w="12700">
+            <a:solidFill>
+              <a:schemeClr val="tx1">
+                <a:lumMod val="50000"/>
+                <a:lumOff val="50000"/>
+              </a:schemeClr>
+            </a:solidFill>
+            <a:headEnd type="none" w="med" len="med"/>
+            <a:tailEnd type="triangle" w="med" len="med"/>
+          </a:ln>
+        </p:spPr>
+        <p:style>
+          <a:lnRef idx="1">
+            <a:schemeClr val="accent1"/>
+          </a:lnRef>
+          <a:fillRef idx="0">
+            <a:schemeClr val="accent1"/>
+          </a:fillRef>
+          <a:effectRef idx="0">
+            <a:schemeClr val="accent1"/>
+          </a:effectRef>
+          <a:fontRef idx="minor">
+            <a:schemeClr val="tx1"/>
+          </a:fontRef>
+        </p:style>
+      </p:cxnSp>
+      <p:cxnSp>
+        <p:nvCxnSpPr>
+          <p:cNvPr id="208" name="Straight Arrow Connector 207">
+            <a:extLst>
+              <a:ext uri="{FF2B5EF4-FFF2-40B4-BE49-F238E27FC236}">
+                <a16:creationId xmlns:a16="http://schemas.microsoft.com/office/drawing/2014/main" id="{3423EC7F-0E43-F347-9AC1-8ED36983058C}"/>
+              </a:ext>
+            </a:extLst>
+          </p:cNvPr>
+          <p:cNvCxnSpPr>
+            <a:cxnSpLocks/>
+            <a:stCxn id="181" idx="3"/>
+            <a:endCxn id="183" idx="1"/>
+          </p:cNvCxnSpPr>
+          <p:nvPr/>
+        </p:nvCxnSpPr>
+        <p:spPr>
+          <a:xfrm flipV="1">
+            <a:off x="4291252" y="4032332"/>
+            <a:ext cx="201400" cy="1"/>
+          </a:xfrm>
+          <a:prstGeom prst="straightConnector1">
+            <a:avLst/>
+          </a:prstGeom>
+          <a:ln w="12700">
+            <a:solidFill>
+              <a:schemeClr val="tx1">
+                <a:lumMod val="50000"/>
+                <a:lumOff val="50000"/>
+              </a:schemeClr>
+            </a:solidFill>
+            <a:headEnd type="none" w="med" len="med"/>
+            <a:tailEnd type="triangle" w="med" len="med"/>
+          </a:ln>
+        </p:spPr>
+        <p:style>
+          <a:lnRef idx="1">
+            <a:schemeClr val="accent1"/>
+          </a:lnRef>
+          <a:fillRef idx="0">
+            <a:schemeClr val="accent1"/>
+          </a:fillRef>
+          <a:effectRef idx="0">
+            <a:schemeClr val="accent1"/>
+          </a:effectRef>
+          <a:fontRef idx="minor">
+            <a:schemeClr val="tx1"/>
+          </a:fontRef>
+        </p:style>
+      </p:cxnSp>
+      <p:sp>
+        <p:nvSpPr>
+          <p:cNvPr id="219" name="Rectangle: Rounded Corners 18">
+            <a:extLst>
+              <a:ext uri="{FF2B5EF4-FFF2-40B4-BE49-F238E27FC236}">
+                <a16:creationId xmlns:a16="http://schemas.microsoft.com/office/drawing/2014/main" id="{273C85BB-A7CB-B34B-A55B-39540AA92013}"/>
+              </a:ext>
+            </a:extLst>
+          </p:cNvPr>
+          <p:cNvSpPr/>
+          <p:nvPr/>
+        </p:nvSpPr>
+        <p:spPr>
+          <a:xfrm>
+            <a:off x="3144298" y="3224335"/>
+            <a:ext cx="1146954" cy="461059"/>
+          </a:xfrm>
+          <a:prstGeom prst="roundRect">
+            <a:avLst>
+              <a:gd name="adj" fmla="val 11232"/>
+            </a:avLst>
+          </a:prstGeom>
+          <a:solidFill>
+            <a:schemeClr val="bg1"/>
+          </a:solidFill>
+          <a:ln w="12700" cap="flat" cmpd="sng" algn="ctr">
+            <a:solidFill>
+              <a:schemeClr val="accent5">
+                <a:lumMod val="75000"/>
+              </a:schemeClr>
+            </a:solidFill>
+            <a:prstDash val="solid"/>
+            <a:round/>
+            <a:headEnd type="none" w="med" len="med"/>
+            <a:tailEnd type="none" w="med" len="med"/>
+          </a:ln>
+        </p:spPr>
+        <p:style>
+          <a:lnRef idx="0">
+            <a:scrgbClr r="0" g="0" b="0"/>
+          </a:lnRef>
+          <a:fillRef idx="0">
+            <a:scrgbClr r="0" g="0" b="0"/>
+          </a:fillRef>
+          <a:effectRef idx="0">
+            <a:scrgbClr r="0" g="0" b="0"/>
+          </a:effectRef>
+          <a:fontRef idx="minor">
+            <a:schemeClr val="accent2"/>
+          </a:fontRef>
+        </p:style>
+        <p:txBody>
+          <a:bodyPr rtlCol="0" anchor="ctr"/>
+          <a:lstStyle/>
+          <a:p>
+            <a:pPr algn="ctr"/>
+            <a:r>
+              <a:rPr lang="en-GB" sz="900" dirty="0">
+                <a:solidFill>
+                  <a:schemeClr val="tx1"/>
+                </a:solidFill>
+                <a:latin typeface="Avenir Book" panose="02000503020000020003" pitchFamily="2" charset="0"/>
+              </a:rPr>
+              <a:t>400 museum sample (test/train)</a:t>
+            </a:r>
+          </a:p>
+        </p:txBody>
+      </p:sp>
+      <p:cxnSp>
+        <p:nvCxnSpPr>
+          <p:cNvPr id="222" name="Straight Arrow Connector 221">
+            <a:extLst>
+              <a:ext uri="{FF2B5EF4-FFF2-40B4-BE49-F238E27FC236}">
+                <a16:creationId xmlns:a16="http://schemas.microsoft.com/office/drawing/2014/main" id="{E55E1225-2CE2-4340-AFDE-D0C6E135FCB3}"/>
+              </a:ext>
+            </a:extLst>
+          </p:cNvPr>
+          <p:cNvCxnSpPr>
+            <a:cxnSpLocks/>
+            <a:stCxn id="219" idx="2"/>
+            <a:endCxn id="181" idx="0"/>
+          </p:cNvCxnSpPr>
+          <p:nvPr/>
+        </p:nvCxnSpPr>
+        <p:spPr>
+          <a:xfrm>
+            <a:off x="3717775" y="3685394"/>
+            <a:ext cx="0" cy="175179"/>
+          </a:xfrm>
+          <a:prstGeom prst="straightConnector1">
+            <a:avLst/>
+          </a:prstGeom>
+          <a:ln w="12700">
+            <a:solidFill>
+              <a:schemeClr val="tx1">
+                <a:lumMod val="50000"/>
+                <a:lumOff val="50000"/>
+              </a:schemeClr>
+            </a:solidFill>
+            <a:headEnd type="none" w="med" len="med"/>
+            <a:tailEnd type="triangle" w="med" len="med"/>
+          </a:ln>
+        </p:spPr>
+        <p:style>
+          <a:lnRef idx="1">
+            <a:schemeClr val="accent1"/>
+          </a:lnRef>
+          <a:fillRef idx="0">
+            <a:schemeClr val="accent1"/>
+          </a:fillRef>
+          <a:effectRef idx="0">
+            <a:schemeClr val="accent1"/>
+          </a:effectRef>
+          <a:fontRef idx="minor">
+            <a:schemeClr val="tx1"/>
+          </a:fontRef>
+        </p:style>
+      </p:cxnSp>
+      <p:sp>
+        <p:nvSpPr>
+          <p:cNvPr id="229" name="Rectangle: Rounded Corners 18">
+            <a:extLst>
+              <a:ext uri="{FF2B5EF4-FFF2-40B4-BE49-F238E27FC236}">
+                <a16:creationId xmlns:a16="http://schemas.microsoft.com/office/drawing/2014/main" id="{65B25C52-5A5F-E840-85A1-1A8851DE62BA}"/>
+              </a:ext>
+            </a:extLst>
+          </p:cNvPr>
+          <p:cNvSpPr/>
+          <p:nvPr/>
+        </p:nvSpPr>
+        <p:spPr>
+          <a:xfrm>
+            <a:off x="4492652" y="2939817"/>
+            <a:ext cx="1146954" cy="291189"/>
+          </a:xfrm>
+          <a:prstGeom prst="roundRect">
+            <a:avLst>
+              <a:gd name="adj" fmla="val 11232"/>
+            </a:avLst>
+          </a:prstGeom>
+          <a:solidFill>
+            <a:schemeClr val="bg1"/>
+          </a:solidFill>
+          <a:ln w="12700" cap="flat" cmpd="sng" algn="ctr">
+            <a:solidFill>
+              <a:srgbClr val="92D050"/>
+            </a:solidFill>
+            <a:prstDash val="solid"/>
+            <a:round/>
+            <a:headEnd type="none" w="med" len="med"/>
+            <a:tailEnd type="none" w="med" len="med"/>
+          </a:ln>
+        </p:spPr>
+        <p:style>
+          <a:lnRef idx="0">
+            <a:scrgbClr r="0" g="0" b="0"/>
+          </a:lnRef>
+          <a:fillRef idx="0">
+            <a:scrgbClr r="0" g="0" b="0"/>
+          </a:fillRef>
+          <a:effectRef idx="0">
+            <a:scrgbClr r="0" g="0" b="0"/>
+          </a:effectRef>
+          <a:fontRef idx="minor">
+            <a:schemeClr val="accent2"/>
+          </a:fontRef>
+        </p:style>
+        <p:txBody>
+          <a:bodyPr rtlCol="0" anchor="ctr"/>
+          <a:lstStyle/>
+          <a:p>
+            <a:pPr algn="ctr"/>
+            <a:r>
+              <a:rPr lang="en-GB" sz="900" dirty="0">
+                <a:solidFill>
+                  <a:schemeClr val="tx1"/>
+                </a:solidFill>
+                <a:latin typeface="Avenir Book" panose="02000503020000020003" pitchFamily="2" charset="0"/>
+              </a:rPr>
+              <a:t>Manual corrections</a:t>
+            </a:r>
+          </a:p>
+        </p:txBody>
+      </p:sp>
+      <p:cxnSp>
+        <p:nvCxnSpPr>
+          <p:cNvPr id="230" name="Straight Arrow Connector 229">
+            <a:extLst>
+              <a:ext uri="{FF2B5EF4-FFF2-40B4-BE49-F238E27FC236}">
+                <a16:creationId xmlns:a16="http://schemas.microsoft.com/office/drawing/2014/main" id="{4DD7CC62-2BE9-1A47-A68C-C50A6B951B69}"/>
+              </a:ext>
+            </a:extLst>
+          </p:cNvPr>
+          <p:cNvCxnSpPr>
+            <a:cxnSpLocks/>
+            <a:stCxn id="183" idx="0"/>
+            <a:endCxn id="184" idx="2"/>
+          </p:cNvCxnSpPr>
+          <p:nvPr/>
+        </p:nvCxnSpPr>
+        <p:spPr>
+          <a:xfrm flipV="1">
+            <a:off x="5066129" y="3683189"/>
+            <a:ext cx="0" cy="177383"/>
+          </a:xfrm>
+          <a:prstGeom prst="straightConnector1">
+            <a:avLst/>
+          </a:prstGeom>
+          <a:ln w="12700">
+            <a:solidFill>
+              <a:schemeClr val="tx1">
+                <a:lumMod val="50000"/>
+                <a:lumOff val="50000"/>
+              </a:schemeClr>
+            </a:solidFill>
+            <a:headEnd type="none" w="med" len="med"/>
+            <a:tailEnd type="triangle" w="med" len="med"/>
+          </a:ln>
+        </p:spPr>
+        <p:style>
+          <a:lnRef idx="1">
+            <a:schemeClr val="accent1"/>
+          </a:lnRef>
+          <a:fillRef idx="0">
+            <a:schemeClr val="accent1"/>
+          </a:fillRef>
+          <a:effectRef idx="0">
+            <a:schemeClr val="accent1"/>
+          </a:effectRef>
+          <a:fontRef idx="minor">
+            <a:schemeClr val="tx1"/>
+          </a:fontRef>
+        </p:style>
+      </p:cxnSp>
+      <p:cxnSp>
+        <p:nvCxnSpPr>
+          <p:cNvPr id="233" name="Straight Arrow Connector 232">
+            <a:extLst>
+              <a:ext uri="{FF2B5EF4-FFF2-40B4-BE49-F238E27FC236}">
+                <a16:creationId xmlns:a16="http://schemas.microsoft.com/office/drawing/2014/main" id="{645D1892-21E9-B74F-A4E0-2C438B8FF395}"/>
+              </a:ext>
+            </a:extLst>
+          </p:cNvPr>
+          <p:cNvCxnSpPr>
+            <a:cxnSpLocks/>
+            <a:stCxn id="184" idx="0"/>
+            <a:endCxn id="229" idx="2"/>
+          </p:cNvCxnSpPr>
+          <p:nvPr/>
+        </p:nvCxnSpPr>
+        <p:spPr>
+          <a:xfrm flipV="1">
+            <a:off x="5066129" y="3231006"/>
+            <a:ext cx="0" cy="162245"/>
+          </a:xfrm>
+          <a:prstGeom prst="straightConnector1">
+            <a:avLst/>
+          </a:prstGeom>
+          <a:ln w="12700">
+            <a:solidFill>
+              <a:schemeClr val="tx1">
+                <a:lumMod val="50000"/>
+                <a:lumOff val="50000"/>
+              </a:schemeClr>
+            </a:solidFill>
+            <a:headEnd type="none" w="med" len="med"/>
+            <a:tailEnd type="triangle" w="med" len="med"/>
+          </a:ln>
+        </p:spPr>
+        <p:style>
+          <a:lnRef idx="1">
+            <a:schemeClr val="accent1"/>
+          </a:lnRef>
+          <a:fillRef idx="0">
+            <a:schemeClr val="accent1"/>
+          </a:fillRef>
+          <a:effectRef idx="0">
+            <a:schemeClr val="accent1"/>
+          </a:effectRef>
+          <a:fontRef idx="minor">
+            <a:schemeClr val="tx1"/>
+          </a:fontRef>
+        </p:style>
+      </p:cxnSp>
+      <p:cxnSp>
+        <p:nvCxnSpPr>
+          <p:cNvPr id="251" name="Straight Arrow Connector 250">
+            <a:extLst>
+              <a:ext uri="{FF2B5EF4-FFF2-40B4-BE49-F238E27FC236}">
+                <a16:creationId xmlns:a16="http://schemas.microsoft.com/office/drawing/2014/main" id="{222A12FD-BC4A-8145-94E6-B84DA67D7AE6}"/>
+              </a:ext>
+            </a:extLst>
+          </p:cNvPr>
+          <p:cNvCxnSpPr>
+            <a:cxnSpLocks/>
+            <a:stCxn id="229" idx="0"/>
+            <a:endCxn id="186" idx="2"/>
+          </p:cNvCxnSpPr>
+          <p:nvPr/>
+        </p:nvCxnSpPr>
+        <p:spPr>
+          <a:xfrm flipV="1">
+            <a:off x="5066129" y="2785533"/>
+            <a:ext cx="0" cy="154284"/>
+          </a:xfrm>
+          <a:prstGeom prst="straightConnector1">
+            <a:avLst/>
+          </a:prstGeom>
+          <a:ln w="12700">
+            <a:solidFill>
+              <a:schemeClr val="tx1">
+                <a:lumMod val="50000"/>
+                <a:lumOff val="50000"/>
+              </a:schemeClr>
+            </a:solidFill>
+            <a:headEnd type="none" w="med" len="med"/>
+            <a:tailEnd type="triangle" w="med" len="med"/>
+          </a:ln>
+        </p:spPr>
+        <p:style>
+          <a:lnRef idx="1">
+            <a:schemeClr val="accent1"/>
+          </a:lnRef>
+          <a:fillRef idx="0">
+            <a:schemeClr val="accent1"/>
+          </a:fillRef>
+          <a:effectRef idx="0">
+            <a:schemeClr val="accent1"/>
+          </a:effectRef>
+          <a:fontRef idx="minor">
+            <a:schemeClr val="tx1"/>
+          </a:fontRef>
+        </p:style>
+      </p:cxnSp>
+      <p:grpSp>
+        <p:nvGrpSpPr>
+          <p:cNvPr id="307" name="Group 306">
+            <a:extLst>
+              <a:ext uri="{FF2B5EF4-FFF2-40B4-BE49-F238E27FC236}">
+                <a16:creationId xmlns:a16="http://schemas.microsoft.com/office/drawing/2014/main" id="{BC103F24-C1AB-EE4C-BABC-7C743070DB8F}"/>
+              </a:ext>
+            </a:extLst>
+          </p:cNvPr>
+          <p:cNvGrpSpPr/>
+          <p:nvPr/>
+        </p:nvGrpSpPr>
+        <p:grpSpPr>
+          <a:xfrm>
+            <a:off x="5810336" y="2903222"/>
+            <a:ext cx="1276066" cy="861774"/>
+            <a:chOff x="7443735" y="4613874"/>
+            <a:chExt cx="1276066" cy="861774"/>
+          </a:xfrm>
+        </p:grpSpPr>
+        <p:grpSp>
+          <p:nvGrpSpPr>
+            <p:cNvPr id="308" name="Group 307">
+              <a:extLst>
+                <a:ext uri="{FF2B5EF4-FFF2-40B4-BE49-F238E27FC236}">
+                  <a16:creationId xmlns:a16="http://schemas.microsoft.com/office/drawing/2014/main" id="{CE5464D5-F4A8-A149-8550-5D5974357F5D}"/>
+                </a:ext>
+              </a:extLst>
+            </p:cNvPr>
+            <p:cNvGrpSpPr/>
+            <p:nvPr/>
+          </p:nvGrpSpPr>
+          <p:grpSpPr>
+            <a:xfrm>
+              <a:off x="7443735" y="4613874"/>
+              <a:ext cx="1276066" cy="861774"/>
+              <a:chOff x="9370658" y="4961495"/>
+              <a:chExt cx="1276066" cy="861774"/>
+            </a:xfrm>
+          </p:grpSpPr>
+          <p:sp>
+            <p:nvSpPr>
+              <p:cNvPr id="311" name="Rectangle 310">
+                <a:extLst>
+                  <a:ext uri="{FF2B5EF4-FFF2-40B4-BE49-F238E27FC236}">
+                    <a16:creationId xmlns:a16="http://schemas.microsoft.com/office/drawing/2014/main" id="{F6D5D8F9-74F4-704C-96A3-02FDD2F571B5}"/>
+                  </a:ext>
+                </a:extLst>
+              </p:cNvPr>
+              <p:cNvSpPr/>
+              <p:nvPr/>
+            </p:nvSpPr>
+            <p:spPr>
+              <a:xfrm>
+                <a:off x="9422631" y="4961495"/>
+                <a:ext cx="1224093" cy="861774"/>
+              </a:xfrm>
+              <a:prstGeom prst="rect">
+                <a:avLst/>
+              </a:prstGeom>
+            </p:spPr>
+            <p:txBody>
+              <a:bodyPr wrap="square">
+                <a:spAutoFit/>
+              </a:bodyPr>
+              <a:lstStyle/>
+              <a:p>
+                <a:endParaRPr lang="en-GB" sz="1000" dirty="0">
+                  <a:latin typeface="Avenir Book" panose="02000503020000020003" pitchFamily="2" charset="0"/>
+                </a:endParaRPr>
+              </a:p>
+              <a:p>
+                <a:r>
+                  <a:rPr lang="en-GB" sz="1000" dirty="0">
+                    <a:latin typeface="Avenir Book" panose="02000503020000020003" pitchFamily="2" charset="0"/>
+                  </a:rPr>
+                  <a:t>dataset</a:t>
+                </a:r>
+              </a:p>
+              <a:p>
+                <a:r>
+                  <a:rPr lang="en-GB" sz="1000" dirty="0">
+                    <a:latin typeface="Avenir Book" panose="02000503020000020003" pitchFamily="2" charset="0"/>
+                  </a:rPr>
+                  <a:t>process</a:t>
+                </a:r>
+              </a:p>
+              <a:p>
+                <a:r>
+                  <a:rPr lang="en-GB" sz="1000" dirty="0">
+                    <a:latin typeface="Avenir Book" panose="02000503020000020003" pitchFamily="2" charset="0"/>
+                  </a:rPr>
+                  <a:t>output</a:t>
+                </a:r>
+              </a:p>
+              <a:p>
+                <a:endParaRPr lang="en-GB" sz="1000" dirty="0">
+                  <a:latin typeface="Avenir Book" panose="02000503020000020003" pitchFamily="2" charset="0"/>
+                </a:endParaRPr>
+              </a:p>
+            </p:txBody>
+          </p:sp>
+          <p:sp>
+            <p:nvSpPr>
+              <p:cNvPr id="312" name="Oval 311">
+                <a:extLst>
+                  <a:ext uri="{FF2B5EF4-FFF2-40B4-BE49-F238E27FC236}">
+                    <a16:creationId xmlns:a16="http://schemas.microsoft.com/office/drawing/2014/main" id="{7ADD89F7-6762-444D-AC84-BE9F18D2F04C}"/>
+                  </a:ext>
+                </a:extLst>
+              </p:cNvPr>
+              <p:cNvSpPr/>
+              <p:nvPr/>
+            </p:nvSpPr>
+            <p:spPr>
+              <a:xfrm>
+                <a:off x="9370658" y="5170082"/>
+                <a:ext cx="111102" cy="112354"/>
+              </a:xfrm>
+              <a:prstGeom prst="ellipse">
+                <a:avLst/>
+              </a:prstGeom>
+              <a:ln>
+                <a:noFill/>
+              </a:ln>
+            </p:spPr>
+            <p:style>
+              <a:lnRef idx="2">
+                <a:schemeClr val="accent1">
+                  <a:shade val="50000"/>
+                </a:schemeClr>
+              </a:lnRef>
+              <a:fillRef idx="1">
+                <a:schemeClr val="accent1"/>
+              </a:fillRef>
+              <a:effectRef idx="0">
+                <a:schemeClr val="accent1"/>
+              </a:effectRef>
+              <a:fontRef idx="minor">
+                <a:schemeClr val="lt1"/>
+              </a:fontRef>
+            </p:style>
+            <p:txBody>
+              <a:bodyPr rtlCol="0" anchor="ctr"/>
+              <a:lstStyle/>
+              <a:p>
+                <a:pPr algn="ctr"/>
+                <a:endParaRPr lang="en-GB" sz="1100">
+                  <a:latin typeface="Avenir Book" panose="02000503020000020003" pitchFamily="2" charset="0"/>
+                </a:endParaRPr>
+              </a:p>
+            </p:txBody>
+          </p:sp>
+          <p:sp>
+            <p:nvSpPr>
+              <p:cNvPr id="313" name="Oval 312">
+                <a:extLst>
+                  <a:ext uri="{FF2B5EF4-FFF2-40B4-BE49-F238E27FC236}">
+                    <a16:creationId xmlns:a16="http://schemas.microsoft.com/office/drawing/2014/main" id="{CD548720-90C9-714A-AF1E-227FC32B2811}"/>
+                  </a:ext>
+                </a:extLst>
+              </p:cNvPr>
+              <p:cNvSpPr/>
+              <p:nvPr/>
+            </p:nvSpPr>
+            <p:spPr>
+              <a:xfrm>
+                <a:off x="9370658" y="5318957"/>
+                <a:ext cx="111102" cy="112354"/>
+              </a:xfrm>
+              <a:prstGeom prst="ellipse">
+                <a:avLst/>
+              </a:prstGeom>
+              <a:solidFill>
+                <a:srgbClr val="92D051"/>
+              </a:solidFill>
+              <a:ln>
+                <a:noFill/>
+              </a:ln>
+            </p:spPr>
+            <p:style>
+              <a:lnRef idx="2">
+                <a:schemeClr val="accent1">
+                  <a:shade val="50000"/>
+                </a:schemeClr>
+              </a:lnRef>
+              <a:fillRef idx="1">
+                <a:schemeClr val="accent1"/>
+              </a:fillRef>
+              <a:effectRef idx="0">
+                <a:schemeClr val="accent1"/>
+              </a:effectRef>
+              <a:fontRef idx="minor">
+                <a:schemeClr val="lt1"/>
+              </a:fontRef>
+            </p:style>
+            <p:txBody>
+              <a:bodyPr rtlCol="0" anchor="ctr"/>
+              <a:lstStyle/>
+              <a:p>
+                <a:pPr algn="ctr"/>
+                <a:endParaRPr lang="en-GB" sz="1100">
+                  <a:latin typeface="Avenir Book" panose="02000503020000020003" pitchFamily="2" charset="0"/>
+                </a:endParaRPr>
+              </a:p>
+            </p:txBody>
+          </p:sp>
+        </p:grpSp>
+        <p:sp>
+          <p:nvSpPr>
+            <p:cNvPr id="309" name="Oval 308">
+              <a:extLst>
+                <a:ext uri="{FF2B5EF4-FFF2-40B4-BE49-F238E27FC236}">
+                  <a16:creationId xmlns:a16="http://schemas.microsoft.com/office/drawing/2014/main" id="{17819CB8-76DF-8F45-AC85-41DC8D42C3D0}"/>
+                </a:ext>
+              </a:extLst>
+            </p:cNvPr>
+            <p:cNvSpPr/>
+            <p:nvPr/>
+          </p:nvSpPr>
+          <p:spPr>
+            <a:xfrm>
+              <a:off x="7443735" y="5128592"/>
+              <a:ext cx="111102" cy="112354"/>
+            </a:xfrm>
+            <a:prstGeom prst="ellipse">
+              <a:avLst/>
+            </a:prstGeom>
+            <a:solidFill>
+              <a:srgbClr val="C00000"/>
+            </a:solidFill>
+            <a:ln>
+              <a:noFill/>
+            </a:ln>
+          </p:spPr>
+          <p:style>
+            <a:lnRef idx="2">
+              <a:schemeClr val="accent1">
+                <a:shade val="50000"/>
+              </a:schemeClr>
+            </a:lnRef>
+            <a:fillRef idx="1">
+              <a:schemeClr val="accent1"/>
+            </a:fillRef>
+            <a:effectRef idx="0">
+              <a:schemeClr val="accent1"/>
+            </a:effectRef>
+            <a:fontRef idx="minor">
+              <a:schemeClr val="lt1"/>
+            </a:fontRef>
+          </p:style>
+          <p:txBody>
+            <a:bodyPr rtlCol="0" anchor="ctr"/>
+            <a:lstStyle/>
+            <a:p>
+              <a:pPr algn="ctr"/>
+              <a:endParaRPr lang="en-GB" sz="1100">
+                <a:latin typeface="Avenir Book" panose="02000503020000020003" pitchFamily="2" charset="0"/>
+              </a:endParaRPr>
+            </a:p>
+          </p:txBody>
+        </p:sp>
+      </p:grpSp>
     </p:spTree>
     <p:extLst>
       <p:ext uri="{BB962C8B-B14F-4D97-AF65-F5344CB8AC3E}">
@@ -8394,15 +9588,6 @@
 </file>
 
 <file path=customXml/item1.xml><?xml version="1.0" encoding="utf-8"?>
-<?mso-contentType ?>
-<FormTemplates xmlns="http://schemas.microsoft.com/sharepoint/v3/contenttype/forms">
-  <Display>DocumentLibraryForm</Display>
-  <Edit>DocumentLibraryForm</Edit>
-  <New>DocumentLibraryForm</New>
-</FormTemplates>
-</file>
-
-<file path=customXml/item2.xml><?xml version="1.0" encoding="utf-8"?>
 <ct:contentTypeSchema xmlns:ct="http://schemas.microsoft.com/office/2006/metadata/contentType" xmlns:ma="http://schemas.microsoft.com/office/2006/metadata/properties/metaAttributes" ct:_="" ma:_="" ma:contentTypeName="Document" ma:contentTypeID="0x0101002C2CD1DD118472458A0E6161F2144773" ma:contentTypeVersion="13" ma:contentTypeDescription="Create a new document." ma:contentTypeScope="" ma:versionID="901835ec234860ac7f67cc898a541fcb">
   <xsd:schema xmlns:xsd="http://www.w3.org/2001/XMLSchema" xmlns:xs="http://www.w3.org/2001/XMLSchema" xmlns:p="http://schemas.microsoft.com/office/2006/metadata/properties" xmlns:ns2="0afe7543-80e5-4676-a63d-5a4feeb00470" xmlns:ns3="0accda53-abec-4882-afe9-cc0ba02332f1" targetNamespace="http://schemas.microsoft.com/office/2006/metadata/properties" ma:root="true" ma:fieldsID="d52977c14833298dd83ceb1684b285fa" ns2:_="" ns3:_="">
     <xsd:import namespace="0afe7543-80e5-4676-a63d-5a4feeb00470"/>
@@ -8625,6 +9810,15 @@
 </ct:contentTypeSchema>
 </file>
 
+<file path=customXml/item2.xml><?xml version="1.0" encoding="utf-8"?>
+<?mso-contentType ?>
+<FormTemplates xmlns="http://schemas.microsoft.com/sharepoint/v3/contenttype/forms">
+  <Display>DocumentLibraryForm</Display>
+  <Edit>DocumentLibraryForm</Edit>
+  <New>DocumentLibraryForm</New>
+</FormTemplates>
+</file>
+
 <file path=customXml/item3.xml><?xml version="1.0" encoding="utf-8"?>
 <p:properties xmlns:p="http://schemas.microsoft.com/office/2006/metadata/properties" xmlns:xsi="http://www.w3.org/2001/XMLSchema-instance" xmlns:pc="http://schemas.microsoft.com/office/infopath/2007/PartnerControls">
   <documentManagement/>
@@ -8632,14 +9826,6 @@
 </file>
 
 <file path=customXml/itemProps1.xml><?xml version="1.0" encoding="utf-8"?>
-<ds:datastoreItem xmlns:ds="http://schemas.openxmlformats.org/officeDocument/2006/customXml" ds:itemID="{6819633A-8796-487C-883D-63E82B42CF72}">
-  <ds:schemaRefs>
-    <ds:schemaRef ds:uri="http://schemas.microsoft.com/sharepoint/v3/contenttype/forms"/>
-  </ds:schemaRefs>
-</ds:datastoreItem>
-</file>
-
-<file path=customXml/itemProps2.xml><?xml version="1.0" encoding="utf-8"?>
 <ds:datastoreItem xmlns:ds="http://schemas.openxmlformats.org/officeDocument/2006/customXml" ds:itemID="{303F79D2-090E-4F7A-98FA-DD49FB2CE2B7}">
   <ds:schemaRefs>
     <ds:schemaRef ds:uri="http://schemas.microsoft.com/office/2006/metadata/contentType"/>
@@ -8654,6 +9840,14 @@
     <ds:schemaRef ds:uri="http://purl.org/dc/elements/1.1/"/>
     <ds:schemaRef ds:uri="http://purl.org/dc/terms/"/>
     <ds:schemaRef ds:uri="http://schemas.microsoft.com/internal/obd"/>
+  </ds:schemaRefs>
+</ds:datastoreItem>
+</file>
+
+<file path=customXml/itemProps2.xml><?xml version="1.0" encoding="utf-8"?>
+<ds:datastoreItem xmlns:ds="http://schemas.openxmlformats.org/officeDocument/2006/customXml" ds:itemID="{6819633A-8796-487C-883D-63E82B42CF72}">
+  <ds:schemaRefs>
+    <ds:schemaRef ds:uri="http://schemas.microsoft.com/sharepoint/v3/contenttype/forms"/>
   </ds:schemaRefs>
 </ds:datastoreItem>
 </file>

--- a/data/figures/MIP tech architecture - v1.pptx
+++ b/data/figures/MIP tech architecture - v1.pptx
@@ -259,7 +259,7 @@
               <a:pPr>
                 <a:defRPr/>
               </a:pPr>
-              <a:t>3/5/22</a:t>
+              <a:t>3/8/22</a:t>
             </a:fld>
             <a:endParaRPr lang="en-GB"/>
           </a:p>
@@ -1082,7 +1082,7 @@
           <a:p>
             <a:fld id="{2741AD99-8C39-784E-B2CE-3100183C5BFB}" type="datetimeFigureOut">
               <a:rPr lang="en-US" smtClean="0"/>
-              <a:t>3/5/22</a:t>
+              <a:t>3/6/22</a:t>
             </a:fld>
             <a:endParaRPr lang="en-US"/>
           </a:p>
@@ -1358,7 +1358,7 @@
           <a:p>
             <a:fld id="{2741AD99-8C39-784E-B2CE-3100183C5BFB}" type="datetimeFigureOut">
               <a:rPr lang="en-US" smtClean="0"/>
-              <a:t>3/5/22</a:t>
+              <a:t>3/6/22</a:t>
             </a:fld>
             <a:endParaRPr lang="en-US"/>
           </a:p>
@@ -1550,7 +1550,7 @@
           <a:p>
             <a:fld id="{2741AD99-8C39-784E-B2CE-3100183C5BFB}" type="datetimeFigureOut">
               <a:rPr lang="en-US" smtClean="0"/>
-              <a:t>3/5/22</a:t>
+              <a:t>3/6/22</a:t>
             </a:fld>
             <a:endParaRPr lang="en-US"/>
           </a:p>
@@ -1752,7 +1752,7 @@
           <a:p>
             <a:fld id="{2741AD99-8C39-784E-B2CE-3100183C5BFB}" type="datetimeFigureOut">
               <a:rPr lang="en-US" smtClean="0"/>
-              <a:t>3/5/22</a:t>
+              <a:t>3/6/22</a:t>
             </a:fld>
             <a:endParaRPr lang="en-US"/>
           </a:p>
@@ -1974,7 +1974,7 @@
           <a:p>
             <a:fld id="{2741AD99-8C39-784E-B2CE-3100183C5BFB}" type="datetimeFigureOut">
               <a:rPr lang="en-US" smtClean="0"/>
-              <a:t>3/5/22</a:t>
+              <a:t>3/6/22</a:t>
             </a:fld>
             <a:endParaRPr lang="en-US"/>
           </a:p>
@@ -2243,7 +2243,7 @@
           <a:p>
             <a:fld id="{2741AD99-8C39-784E-B2CE-3100183C5BFB}" type="datetimeFigureOut">
               <a:rPr lang="en-US" smtClean="0"/>
-              <a:t>3/5/22</a:t>
+              <a:t>3/6/22</a:t>
             </a:fld>
             <a:endParaRPr lang="en-US"/>
           </a:p>
@@ -2552,7 +2552,7 @@
           <a:p>
             <a:fld id="{2741AD99-8C39-784E-B2CE-3100183C5BFB}" type="datetimeFigureOut">
               <a:rPr lang="en-US" smtClean="0"/>
-              <a:t>3/5/22</a:t>
+              <a:t>3/6/22</a:t>
             </a:fld>
             <a:endParaRPr lang="en-US"/>
           </a:p>
@@ -2995,7 +2995,7 @@
           <a:p>
             <a:fld id="{2741AD99-8C39-784E-B2CE-3100183C5BFB}" type="datetimeFigureOut">
               <a:rPr lang="en-US" smtClean="0"/>
-              <a:t>3/5/22</a:t>
+              <a:t>3/6/22</a:t>
             </a:fld>
             <a:endParaRPr lang="en-US"/>
           </a:p>
@@ -3136,7 +3136,7 @@
           <a:p>
             <a:fld id="{2741AD99-8C39-784E-B2CE-3100183C5BFB}" type="datetimeFigureOut">
               <a:rPr lang="en-US" smtClean="0"/>
-              <a:t>3/5/22</a:t>
+              <a:t>3/6/22</a:t>
             </a:fld>
             <a:endParaRPr lang="en-US"/>
           </a:p>
@@ -3255,7 +3255,7 @@
           <a:p>
             <a:fld id="{2741AD99-8C39-784E-B2CE-3100183C5BFB}" type="datetimeFigureOut">
               <a:rPr lang="en-US" smtClean="0"/>
-              <a:t>3/5/22</a:t>
+              <a:t>3/6/22</a:t>
             </a:fld>
             <a:endParaRPr lang="en-US"/>
           </a:p>
@@ -3554,7 +3554,7 @@
           <a:p>
             <a:fld id="{2741AD99-8C39-784E-B2CE-3100183C5BFB}" type="datetimeFigureOut">
               <a:rPr lang="en-US" smtClean="0"/>
-              <a:t>3/5/22</a:t>
+              <a:t>3/6/22</a:t>
             </a:fld>
             <a:endParaRPr lang="en-US"/>
           </a:p>
@@ -7731,7 +7731,7 @@
                 </a:solidFill>
                 <a:latin typeface="Avenir Book" panose="02000503020000020003" pitchFamily="2" charset="0"/>
               </a:rPr>
-              <a:t>Manual validation</a:t>
+              <a:t>Manual validation (REMOVE)</a:t>
             </a:r>
           </a:p>
         </p:txBody>
@@ -8154,7 +8154,7 @@
                 </a:solidFill>
                 <a:latin typeface="Avenir Book" panose="02000503020000020003" pitchFamily="2" charset="0"/>
               </a:rPr>
-              <a:t>400 museum sample (test/train)</a:t>
+              <a:t>400 museum sample (train/test)</a:t>
             </a:r>
           </a:p>
         </p:txBody>
@@ -9588,6 +9588,21 @@
 </file>
 
 <file path=customXml/item1.xml><?xml version="1.0" encoding="utf-8"?>
+<p:properties xmlns:p="http://schemas.microsoft.com/office/2006/metadata/properties" xmlns:xsi="http://www.w3.org/2001/XMLSchema-instance" xmlns:pc="http://schemas.microsoft.com/office/infopath/2007/PartnerControls">
+  <documentManagement/>
+</p:properties>
+</file>
+
+<file path=customXml/item2.xml><?xml version="1.0" encoding="utf-8"?>
+<?mso-contentType ?>
+<FormTemplates xmlns="http://schemas.microsoft.com/sharepoint/v3/contenttype/forms">
+  <Display>DocumentLibraryForm</Display>
+  <Edit>DocumentLibraryForm</Edit>
+  <New>DocumentLibraryForm</New>
+</FormTemplates>
+</file>
+
+<file path=customXml/item3.xml><?xml version="1.0" encoding="utf-8"?>
 <ct:contentTypeSchema xmlns:ct="http://schemas.microsoft.com/office/2006/metadata/contentType" xmlns:ma="http://schemas.microsoft.com/office/2006/metadata/properties/metaAttributes" ct:_="" ma:_="" ma:contentTypeName="Document" ma:contentTypeID="0x0101002C2CD1DD118472458A0E6161F2144773" ma:contentTypeVersion="13" ma:contentTypeDescription="Create a new document." ma:contentTypeScope="" ma:versionID="901835ec234860ac7f67cc898a541fcb">
   <xsd:schema xmlns:xsd="http://www.w3.org/2001/XMLSchema" xmlns:xs="http://www.w3.org/2001/XMLSchema" xmlns:p="http://schemas.microsoft.com/office/2006/metadata/properties" xmlns:ns2="0afe7543-80e5-4676-a63d-5a4feeb00470" xmlns:ns3="0accda53-abec-4882-afe9-cc0ba02332f1" targetNamespace="http://schemas.microsoft.com/office/2006/metadata/properties" ma:root="true" ma:fieldsID="d52977c14833298dd83ceb1684b285fa" ns2:_="" ns3:_="">
     <xsd:import namespace="0afe7543-80e5-4676-a63d-5a4feeb00470"/>
@@ -9810,22 +9825,32 @@
 </ct:contentTypeSchema>
 </file>
 
-<file path=customXml/item2.xml><?xml version="1.0" encoding="utf-8"?>
-<?mso-contentType ?>
-<FormTemplates xmlns="http://schemas.microsoft.com/sharepoint/v3/contenttype/forms">
-  <Display>DocumentLibraryForm</Display>
-  <Edit>DocumentLibraryForm</Edit>
-  <New>DocumentLibraryForm</New>
-</FormTemplates>
+<file path=customXml/itemProps1.xml><?xml version="1.0" encoding="utf-8"?>
+<ds:datastoreItem xmlns:ds="http://schemas.openxmlformats.org/officeDocument/2006/customXml" ds:itemID="{6F3545C3-5F61-491F-8C0B-E8C547C38C8F}">
+  <ds:schemaRefs>
+    <ds:schemaRef ds:uri="0accda53-abec-4882-afe9-cc0ba02332f1"/>
+    <ds:schemaRef ds:uri="http://schemas.microsoft.com/office/2006/documentManagement/types"/>
+    <ds:schemaRef ds:uri="http://schemas.openxmlformats.org/package/2006/metadata/core-properties"/>
+    <ds:schemaRef ds:uri="http://purl.org/dc/elements/1.1/"/>
+    <ds:schemaRef ds:uri="http://purl.org/dc/dcmitype/"/>
+    <ds:schemaRef ds:uri="http://schemas.microsoft.com/office/infopath/2007/PartnerControls"/>
+    <ds:schemaRef ds:uri="http://schemas.microsoft.com/office/2006/metadata/properties"/>
+    <ds:schemaRef ds:uri="http://purl.org/dc/terms/"/>
+    <ds:schemaRef ds:uri="0afe7543-80e5-4676-a63d-5a4feeb00470"/>
+    <ds:schemaRef ds:uri="http://www.w3.org/XML/1998/namespace"/>
+  </ds:schemaRefs>
+</ds:datastoreItem>
 </file>
 
-<file path=customXml/item3.xml><?xml version="1.0" encoding="utf-8"?>
-<p:properties xmlns:p="http://schemas.microsoft.com/office/2006/metadata/properties" xmlns:xsi="http://www.w3.org/2001/XMLSchema-instance" xmlns:pc="http://schemas.microsoft.com/office/infopath/2007/PartnerControls">
-  <documentManagement/>
-</p:properties>
+<file path=customXml/itemProps2.xml><?xml version="1.0" encoding="utf-8"?>
+<ds:datastoreItem xmlns:ds="http://schemas.openxmlformats.org/officeDocument/2006/customXml" ds:itemID="{6819633A-8796-487C-883D-63E82B42CF72}">
+  <ds:schemaRefs>
+    <ds:schemaRef ds:uri="http://schemas.microsoft.com/sharepoint/v3/contenttype/forms"/>
+  </ds:schemaRefs>
+</ds:datastoreItem>
 </file>
 
-<file path=customXml/itemProps1.xml><?xml version="1.0" encoding="utf-8"?>
+<file path=customXml/itemProps3.xml><?xml version="1.0" encoding="utf-8"?>
 <ds:datastoreItem xmlns:ds="http://schemas.openxmlformats.org/officeDocument/2006/customXml" ds:itemID="{303F79D2-090E-4F7A-98FA-DD49FB2CE2B7}">
   <ds:schemaRefs>
     <ds:schemaRef ds:uri="http://schemas.microsoft.com/office/2006/metadata/contentType"/>
@@ -9842,29 +9867,4 @@
     <ds:schemaRef ds:uri="http://schemas.microsoft.com/internal/obd"/>
   </ds:schemaRefs>
 </ds:datastoreItem>
-</file>
-
-<file path=customXml/itemProps2.xml><?xml version="1.0" encoding="utf-8"?>
-<ds:datastoreItem xmlns:ds="http://schemas.openxmlformats.org/officeDocument/2006/customXml" ds:itemID="{6819633A-8796-487C-883D-63E82B42CF72}">
-  <ds:schemaRefs>
-    <ds:schemaRef ds:uri="http://schemas.microsoft.com/sharepoint/v3/contenttype/forms"/>
-  </ds:schemaRefs>
-</ds:datastoreItem>
-</file>
-
-<file path=customXml/itemProps3.xml><?xml version="1.0" encoding="utf-8"?>
-<ds:datastoreItem xmlns:ds="http://schemas.openxmlformats.org/officeDocument/2006/customXml" ds:itemID="{6F3545C3-5F61-491F-8C0B-E8C547C38C8F}">
-  <ds:schemaRefs>
-    <ds:schemaRef ds:uri="0accda53-abec-4882-afe9-cc0ba02332f1"/>
-    <ds:schemaRef ds:uri="http://schemas.microsoft.com/office/2006/documentManagement/types"/>
-    <ds:schemaRef ds:uri="http://schemas.openxmlformats.org/package/2006/metadata/core-properties"/>
-    <ds:schemaRef ds:uri="http://purl.org/dc/elements/1.1/"/>
-    <ds:schemaRef ds:uri="http://purl.org/dc/dcmitype/"/>
-    <ds:schemaRef ds:uri="http://schemas.microsoft.com/office/infopath/2007/PartnerControls"/>
-    <ds:schemaRef ds:uri="http://schemas.microsoft.com/office/2006/metadata/properties"/>
-    <ds:schemaRef ds:uri="http://purl.org/dc/terms/"/>
-    <ds:schemaRef ds:uri="0afe7543-80e5-4676-a63d-5a4feeb00470"/>
-    <ds:schemaRef ds:uri="http://www.w3.org/XML/1998/namespace"/>
-  </ds:schemaRefs>
-</ds:datastoreItem>
 </file>
--- a/data/figures/MIP tech architecture - v1.pptx
+++ b/data/figures/MIP tech architecture - v1.pptx
@@ -5,13 +5,14 @@
     <p:sldMasterId id="2147483726" r:id="rId4"/>
   </p:sldMasterIdLst>
   <p:notesMasterIdLst>
-    <p:notesMasterId r:id="rId6"/>
+    <p:notesMasterId r:id="rId7"/>
   </p:notesMasterIdLst>
   <p:handoutMasterIdLst>
-    <p:handoutMasterId r:id="rId7"/>
+    <p:handoutMasterId r:id="rId8"/>
   </p:handoutMasterIdLst>
   <p:sldIdLst>
     <p:sldId id="634" r:id="rId5"/>
+    <p:sldId id="635" r:id="rId6"/>
   </p:sldIdLst>
   <p:sldSz cx="18143538" cy="14417675"/>
   <p:notesSz cx="6743700" cy="9875838"/>
@@ -259,7 +260,7 @@
               <a:pPr>
                 <a:defRPr/>
               </a:pPr>
-              <a:t>3/8/22</a:t>
+              <a:t>3/28/22</a:t>
             </a:fld>
             <a:endParaRPr lang="en-GB"/>
           </a:p>
@@ -895,6 +896,101 @@
 </p:notes>
 </file>
 
+<file path=ppt/notesSlides/notesSlide2.xml><?xml version="1.0" encoding="utf-8"?>
+<p:notes xmlns:a="http://schemas.openxmlformats.org/drawingml/2006/main" xmlns:r="http://schemas.openxmlformats.org/officeDocument/2006/relationships" xmlns:p="http://schemas.openxmlformats.org/presentationml/2006/main">
+  <p:cSld>
+    <p:spTree>
+      <p:nvGrpSpPr>
+        <p:cNvPr id="1" name=""/>
+        <p:cNvGrpSpPr/>
+        <p:nvPr/>
+      </p:nvGrpSpPr>
+      <p:grpSpPr>
+        <a:xfrm>
+          <a:off x="0" y="0"/>
+          <a:ext cx="0" cy="0"/>
+          <a:chOff x="0" y="0"/>
+          <a:chExt cx="0" cy="0"/>
+        </a:xfrm>
+      </p:grpSpPr>
+      <p:sp>
+        <p:nvSpPr>
+          <p:cNvPr id="2" name="Slide Image Placeholder 1"/>
+          <p:cNvSpPr>
+            <a:spLocks noGrp="1" noRot="1" noChangeAspect="1"/>
+          </p:cNvSpPr>
+          <p:nvPr>
+            <p:ph type="sldImg"/>
+          </p:nvPr>
+        </p:nvSpPr>
+        <p:spPr>
+          <a:xfrm>
+            <a:off x="1041400" y="741363"/>
+            <a:ext cx="4660900" cy="3703637"/>
+          </a:xfrm>
+        </p:spPr>
+      </p:sp>
+      <p:sp>
+        <p:nvSpPr>
+          <p:cNvPr id="3" name="Notes Placeholder 2"/>
+          <p:cNvSpPr>
+            <a:spLocks noGrp="1"/>
+          </p:cNvSpPr>
+          <p:nvPr>
+            <p:ph type="body" idx="1"/>
+          </p:nvPr>
+        </p:nvSpPr>
+        <p:spPr/>
+        <p:txBody>
+          <a:bodyPr/>
+          <a:lstStyle/>
+          <a:p>
+            <a:endParaRPr lang="en-GB" dirty="0"/>
+          </a:p>
+        </p:txBody>
+      </p:sp>
+      <p:sp>
+        <p:nvSpPr>
+          <p:cNvPr id="4" name="Slide Number Placeholder 3"/>
+          <p:cNvSpPr>
+            <a:spLocks noGrp="1"/>
+          </p:cNvSpPr>
+          <p:nvPr>
+            <p:ph type="sldNum" sz="quarter" idx="10"/>
+          </p:nvPr>
+        </p:nvSpPr>
+        <p:spPr/>
+        <p:txBody>
+          <a:bodyPr/>
+          <a:lstStyle/>
+          <a:p>
+            <a:pPr>
+              <a:defRPr/>
+            </a:pPr>
+            <a:fld id="{A45658D6-DB1A-443F-83F4-3B06E7E5E9FB}" type="slidenum">
+              <a:rPr lang="en-US" smtClean="0"/>
+              <a:pPr>
+                <a:defRPr/>
+              </a:pPr>
+              <a:t>2</a:t>
+            </a:fld>
+            <a:endParaRPr lang="en-US"/>
+          </a:p>
+        </p:txBody>
+      </p:sp>
+    </p:spTree>
+    <p:extLst>
+      <p:ext uri="{BB962C8B-B14F-4D97-AF65-F5344CB8AC3E}">
+        <p14:creationId xmlns:p14="http://schemas.microsoft.com/office/powerpoint/2010/main" val="3770276622"/>
+      </p:ext>
+    </p:extLst>
+  </p:cSld>
+  <p:clrMapOvr>
+    <a:masterClrMapping/>
+  </p:clrMapOvr>
+</p:notes>
+</file>
+
 <file path=ppt/slideLayouts/slideLayout1.xml><?xml version="1.0" encoding="utf-8"?>
 <p:sldLayout xmlns:a="http://schemas.openxmlformats.org/drawingml/2006/main" xmlns:r="http://schemas.openxmlformats.org/officeDocument/2006/relationships" xmlns:p="http://schemas.openxmlformats.org/presentationml/2006/main" type="title" preserve="1">
   <p:cSld name="Title Slide">
@@ -1082,7 +1178,7 @@
           <a:p>
             <a:fld id="{2741AD99-8C39-784E-B2CE-3100183C5BFB}" type="datetimeFigureOut">
               <a:rPr lang="en-US" smtClean="0"/>
-              <a:t>3/6/22</a:t>
+              <a:t>3/28/22</a:t>
             </a:fld>
             <a:endParaRPr lang="en-US"/>
           </a:p>
@@ -1358,7 +1454,7 @@
           <a:p>
             <a:fld id="{2741AD99-8C39-784E-B2CE-3100183C5BFB}" type="datetimeFigureOut">
               <a:rPr lang="en-US" smtClean="0"/>
-              <a:t>3/6/22</a:t>
+              <a:t>3/28/22</a:t>
             </a:fld>
             <a:endParaRPr lang="en-US"/>
           </a:p>
@@ -1550,7 +1646,7 @@
           <a:p>
             <a:fld id="{2741AD99-8C39-784E-B2CE-3100183C5BFB}" type="datetimeFigureOut">
               <a:rPr lang="en-US" smtClean="0"/>
-              <a:t>3/6/22</a:t>
+              <a:t>3/28/22</a:t>
             </a:fld>
             <a:endParaRPr lang="en-US"/>
           </a:p>
@@ -1752,7 +1848,7 @@
           <a:p>
             <a:fld id="{2741AD99-8C39-784E-B2CE-3100183C5BFB}" type="datetimeFigureOut">
               <a:rPr lang="en-US" smtClean="0"/>
-              <a:t>3/6/22</a:t>
+              <a:t>3/28/22</a:t>
             </a:fld>
             <a:endParaRPr lang="en-US"/>
           </a:p>
@@ -1974,7 +2070,7 @@
           <a:p>
             <a:fld id="{2741AD99-8C39-784E-B2CE-3100183C5BFB}" type="datetimeFigureOut">
               <a:rPr lang="en-US" smtClean="0"/>
-              <a:t>3/6/22</a:t>
+              <a:t>3/28/22</a:t>
             </a:fld>
             <a:endParaRPr lang="en-US"/>
           </a:p>
@@ -2243,7 +2339,7 @@
           <a:p>
             <a:fld id="{2741AD99-8C39-784E-B2CE-3100183C5BFB}" type="datetimeFigureOut">
               <a:rPr lang="en-US" smtClean="0"/>
-              <a:t>3/6/22</a:t>
+              <a:t>3/28/22</a:t>
             </a:fld>
             <a:endParaRPr lang="en-US"/>
           </a:p>
@@ -2552,7 +2648,7 @@
           <a:p>
             <a:fld id="{2741AD99-8C39-784E-B2CE-3100183C5BFB}" type="datetimeFigureOut">
               <a:rPr lang="en-US" smtClean="0"/>
-              <a:t>3/6/22</a:t>
+              <a:t>3/28/22</a:t>
             </a:fld>
             <a:endParaRPr lang="en-US"/>
           </a:p>
@@ -2995,7 +3091,7 @@
           <a:p>
             <a:fld id="{2741AD99-8C39-784E-B2CE-3100183C5BFB}" type="datetimeFigureOut">
               <a:rPr lang="en-US" smtClean="0"/>
-              <a:t>3/6/22</a:t>
+              <a:t>3/28/22</a:t>
             </a:fld>
             <a:endParaRPr lang="en-US"/>
           </a:p>
@@ -3136,7 +3232,7 @@
           <a:p>
             <a:fld id="{2741AD99-8C39-784E-B2CE-3100183C5BFB}" type="datetimeFigureOut">
               <a:rPr lang="en-US" smtClean="0"/>
-              <a:t>3/6/22</a:t>
+              <a:t>3/28/22</a:t>
             </a:fld>
             <a:endParaRPr lang="en-US"/>
           </a:p>
@@ -3255,7 +3351,7 @@
           <a:p>
             <a:fld id="{2741AD99-8C39-784E-B2CE-3100183C5BFB}" type="datetimeFigureOut">
               <a:rPr lang="en-US" smtClean="0"/>
-              <a:t>3/6/22</a:t>
+              <a:t>3/28/22</a:t>
             </a:fld>
             <a:endParaRPr lang="en-US"/>
           </a:p>
@@ -3554,7 +3650,7 @@
           <a:p>
             <a:fld id="{2741AD99-8C39-784E-B2CE-3100183C5BFB}" type="datetimeFigureOut">
               <a:rPr lang="en-US" smtClean="0"/>
-              <a:t>3/6/22</a:t>
+              <a:t>3/28/22</a:t>
             </a:fld>
             <a:endParaRPr lang="en-US"/>
           </a:p>
@@ -8692,6 +8788,1821 @@
     <p:extLst>
       <p:ext uri="{BB962C8B-B14F-4D97-AF65-F5344CB8AC3E}">
         <p14:creationId xmlns:p14="http://schemas.microsoft.com/office/powerpoint/2010/main" val="1638341484"/>
+      </p:ext>
+    </p:extLst>
+  </p:cSld>
+  <p:clrMapOvr>
+    <a:masterClrMapping/>
+  </p:clrMapOvr>
+</p:sld>
+</file>
+
+<file path=ppt/slides/slide2.xml><?xml version="1.0" encoding="utf-8"?>
+<p:sld xmlns:a="http://schemas.openxmlformats.org/drawingml/2006/main" xmlns:r="http://schemas.openxmlformats.org/officeDocument/2006/relationships" xmlns:p="http://schemas.openxmlformats.org/presentationml/2006/main">
+  <p:cSld>
+    <p:spTree>
+      <p:nvGrpSpPr>
+        <p:cNvPr id="1" name=""/>
+        <p:cNvGrpSpPr/>
+        <p:nvPr/>
+      </p:nvGrpSpPr>
+      <p:grpSpPr>
+        <a:xfrm>
+          <a:off x="0" y="0"/>
+          <a:ext cx="0" cy="0"/>
+          <a:chOff x="0" y="0"/>
+          <a:chExt cx="0" cy="0"/>
+        </a:xfrm>
+      </p:grpSpPr>
+      <p:cxnSp>
+        <p:nvCxnSpPr>
+          <p:cNvPr id="89" name="Straight Arrow Connector 88">
+            <a:extLst>
+              <a:ext uri="{FF2B5EF4-FFF2-40B4-BE49-F238E27FC236}">
+                <a16:creationId xmlns:a16="http://schemas.microsoft.com/office/drawing/2014/main" id="{15B7EF23-332D-C047-8892-95E3FD8775E7}"/>
+              </a:ext>
+            </a:extLst>
+          </p:cNvPr>
+          <p:cNvCxnSpPr>
+            <a:cxnSpLocks/>
+            <a:stCxn id="189" idx="2"/>
+            <a:endCxn id="120" idx="0"/>
+          </p:cNvCxnSpPr>
+          <p:nvPr/>
+        </p:nvCxnSpPr>
+        <p:spPr>
+          <a:xfrm flipH="1">
+            <a:off x="1652356" y="2160732"/>
+            <a:ext cx="1" cy="125525"/>
+          </a:xfrm>
+          <a:prstGeom prst="straightConnector1">
+            <a:avLst/>
+          </a:prstGeom>
+          <a:ln w="12700">
+            <a:solidFill>
+              <a:schemeClr val="tx1">
+                <a:lumMod val="50000"/>
+                <a:lumOff val="50000"/>
+              </a:schemeClr>
+            </a:solidFill>
+            <a:headEnd type="none" w="med" len="med"/>
+            <a:tailEnd type="triangle" w="med" len="med"/>
+          </a:ln>
+        </p:spPr>
+        <p:style>
+          <a:lnRef idx="1">
+            <a:schemeClr val="accent1"/>
+          </a:lnRef>
+          <a:fillRef idx="0">
+            <a:schemeClr val="accent1"/>
+          </a:fillRef>
+          <a:effectRef idx="0">
+            <a:schemeClr val="accent1"/>
+          </a:effectRef>
+          <a:fontRef idx="minor">
+            <a:schemeClr val="tx1"/>
+          </a:fontRef>
+        </p:style>
+      </p:cxnSp>
+      <p:sp>
+        <p:nvSpPr>
+          <p:cNvPr id="180" name="Rectangle: Rounded Corners 18">
+            <a:extLst>
+              <a:ext uri="{FF2B5EF4-FFF2-40B4-BE49-F238E27FC236}">
+                <a16:creationId xmlns:a16="http://schemas.microsoft.com/office/drawing/2014/main" id="{A568BE54-2A5A-7440-8156-E6E9FE5857A8}"/>
+              </a:ext>
+            </a:extLst>
+          </p:cNvPr>
+          <p:cNvSpPr/>
+          <p:nvPr/>
+        </p:nvSpPr>
+        <p:spPr>
+          <a:xfrm>
+            <a:off x="1519164" y="3793173"/>
+            <a:ext cx="1527139" cy="223120"/>
+          </a:xfrm>
+          <a:prstGeom prst="roundRect">
+            <a:avLst>
+              <a:gd name="adj" fmla="val 11232"/>
+            </a:avLst>
+          </a:prstGeom>
+          <a:solidFill>
+            <a:schemeClr val="bg1"/>
+          </a:solidFill>
+          <a:ln w="12700" cap="flat" cmpd="sng" algn="ctr">
+            <a:solidFill>
+              <a:srgbClr val="92D050"/>
+            </a:solidFill>
+            <a:prstDash val="solid"/>
+            <a:round/>
+            <a:headEnd type="none" w="med" len="med"/>
+            <a:tailEnd type="none" w="med" len="med"/>
+          </a:ln>
+        </p:spPr>
+        <p:style>
+          <a:lnRef idx="0">
+            <a:scrgbClr r="0" g="0" b="0"/>
+          </a:lnRef>
+          <a:fillRef idx="0">
+            <a:scrgbClr r="0" g="0" b="0"/>
+          </a:fillRef>
+          <a:effectRef idx="0">
+            <a:scrgbClr r="0" g="0" b="0"/>
+          </a:effectRef>
+          <a:fontRef idx="minor">
+            <a:schemeClr val="accent2"/>
+          </a:fontRef>
+        </p:style>
+        <p:txBody>
+          <a:bodyPr rtlCol="0" anchor="ctr"/>
+          <a:lstStyle/>
+          <a:p>
+            <a:pPr algn="ctr"/>
+            <a:r>
+              <a:rPr lang="en-GB" sz="900" dirty="0">
+                <a:solidFill>
+                  <a:schemeClr val="tx1"/>
+                </a:solidFill>
+                <a:latin typeface="Avenir Book" panose="02000503020000020003" pitchFamily="2" charset="0"/>
+              </a:rPr>
+              <a:t>Feature engineering</a:t>
+            </a:r>
+          </a:p>
+        </p:txBody>
+      </p:sp>
+      <p:sp>
+        <p:nvSpPr>
+          <p:cNvPr id="181" name="Rectangle: Rounded Corners 18">
+            <a:extLst>
+              <a:ext uri="{FF2B5EF4-FFF2-40B4-BE49-F238E27FC236}">
+                <a16:creationId xmlns:a16="http://schemas.microsoft.com/office/drawing/2014/main" id="{F2844468-DEC5-204F-A57C-84BB3FABB57F}"/>
+              </a:ext>
+            </a:extLst>
+          </p:cNvPr>
+          <p:cNvSpPr/>
+          <p:nvPr/>
+        </p:nvSpPr>
+        <p:spPr>
+          <a:xfrm>
+            <a:off x="934865" y="4174937"/>
+            <a:ext cx="1290968" cy="371868"/>
+          </a:xfrm>
+          <a:prstGeom prst="roundRect">
+            <a:avLst>
+              <a:gd name="adj" fmla="val 11232"/>
+            </a:avLst>
+          </a:prstGeom>
+          <a:solidFill>
+            <a:schemeClr val="bg1"/>
+          </a:solidFill>
+          <a:ln w="12700" cap="flat" cmpd="sng" algn="ctr">
+            <a:solidFill>
+              <a:srgbClr val="92D050"/>
+            </a:solidFill>
+            <a:prstDash val="solid"/>
+            <a:round/>
+            <a:headEnd type="none" w="med" len="med"/>
+            <a:tailEnd type="none" w="med" len="med"/>
+          </a:ln>
+        </p:spPr>
+        <p:style>
+          <a:lnRef idx="0">
+            <a:scrgbClr r="0" g="0" b="0"/>
+          </a:lnRef>
+          <a:fillRef idx="0">
+            <a:scrgbClr r="0" g="0" b="0"/>
+          </a:fillRef>
+          <a:effectRef idx="0">
+            <a:scrgbClr r="0" g="0" b="0"/>
+          </a:effectRef>
+          <a:fontRef idx="minor">
+            <a:schemeClr val="accent2"/>
+          </a:fontRef>
+        </p:style>
+        <p:txBody>
+          <a:bodyPr rtlCol="0" anchor="ctr"/>
+          <a:lstStyle/>
+          <a:p>
+            <a:pPr algn="ctr"/>
+            <a:r>
+              <a:rPr lang="en-GB" sz="900" dirty="0">
+                <a:solidFill>
+                  <a:schemeClr val="tx1"/>
+                </a:solidFill>
+                <a:latin typeface="Avenir Book" panose="02000503020000020003" pitchFamily="2" charset="0"/>
+              </a:rPr>
+              <a:t>Classification model</a:t>
+            </a:r>
+          </a:p>
+          <a:p>
+            <a:pPr algn="ctr"/>
+            <a:r>
+              <a:rPr lang="en-GB" sz="900" dirty="0">
+                <a:solidFill>
+                  <a:schemeClr val="tx1"/>
+                </a:solidFill>
+                <a:latin typeface="Avenir Book" panose="02000503020000020003" pitchFamily="2" charset="0"/>
+              </a:rPr>
+              <a:t>(deep learning)</a:t>
+            </a:r>
+          </a:p>
+        </p:txBody>
+      </p:sp>
+      <p:sp>
+        <p:nvSpPr>
+          <p:cNvPr id="186" name="Rectangle: Rounded Corners 18">
+            <a:extLst>
+              <a:ext uri="{FF2B5EF4-FFF2-40B4-BE49-F238E27FC236}">
+                <a16:creationId xmlns:a16="http://schemas.microsoft.com/office/drawing/2014/main" id="{DCD9A743-B860-0B45-869F-788AA7B69AF0}"/>
+              </a:ext>
+            </a:extLst>
+          </p:cNvPr>
+          <p:cNvSpPr/>
+          <p:nvPr/>
+        </p:nvSpPr>
+        <p:spPr>
+          <a:xfrm>
+            <a:off x="4193257" y="3684990"/>
+            <a:ext cx="1146954" cy="343519"/>
+          </a:xfrm>
+          <a:prstGeom prst="roundRect">
+            <a:avLst>
+              <a:gd name="adj" fmla="val 11232"/>
+            </a:avLst>
+          </a:prstGeom>
+          <a:solidFill>
+            <a:schemeClr val="bg1"/>
+          </a:solidFill>
+          <a:ln w="12700" cap="flat" cmpd="sng" algn="ctr">
+            <a:solidFill>
+              <a:srgbClr val="C00000"/>
+            </a:solidFill>
+            <a:prstDash val="solid"/>
+            <a:round/>
+            <a:headEnd type="none" w="med" len="med"/>
+            <a:tailEnd type="none" w="med" len="med"/>
+          </a:ln>
+        </p:spPr>
+        <p:style>
+          <a:lnRef idx="0">
+            <a:scrgbClr r="0" g="0" b="0"/>
+          </a:lnRef>
+          <a:fillRef idx="0">
+            <a:scrgbClr r="0" g="0" b="0"/>
+          </a:fillRef>
+          <a:effectRef idx="0">
+            <a:scrgbClr r="0" g="0" b="0"/>
+          </a:effectRef>
+          <a:fontRef idx="minor">
+            <a:schemeClr val="accent2"/>
+          </a:fontRef>
+        </p:style>
+        <p:txBody>
+          <a:bodyPr rot="0" spcFirstLastPara="0" vertOverflow="overflow" horzOverflow="overflow" vert="horz" wrap="square" lIns="91440" tIns="45720" rIns="91440" bIns="45720" numCol="1" spcCol="0" rtlCol="0" fromWordArt="0" anchor="ctr" anchorCtr="0" forceAA="0" compatLnSpc="1">
+            <a:prstTxWarp prst="textNoShape">
+              <a:avLst/>
+            </a:prstTxWarp>
+            <a:noAutofit/>
+          </a:bodyPr>
+          <a:lstStyle/>
+          <a:p>
+            <a:pPr algn="ctr"/>
+            <a:r>
+              <a:rPr lang="en-GB" sz="1000" dirty="0">
+                <a:solidFill>
+                  <a:schemeClr val="tx1"/>
+                </a:solidFill>
+                <a:latin typeface="Avenir Book" panose="02000503020000020003" pitchFamily="2" charset="0"/>
+              </a:rPr>
+              <a:t>Official websites</a:t>
+            </a:r>
+          </a:p>
+        </p:txBody>
+      </p:sp>
+      <p:sp>
+        <p:nvSpPr>
+          <p:cNvPr id="188" name="Rectangle: Rounded Corners 18">
+            <a:extLst>
+              <a:ext uri="{FF2B5EF4-FFF2-40B4-BE49-F238E27FC236}">
+                <a16:creationId xmlns:a16="http://schemas.microsoft.com/office/drawing/2014/main" id="{6DE59AD6-5B55-FE49-88D3-2CA32211636E}"/>
+              </a:ext>
+            </a:extLst>
+          </p:cNvPr>
+          <p:cNvSpPr/>
+          <p:nvPr/>
+        </p:nvSpPr>
+        <p:spPr>
+          <a:xfrm>
+            <a:off x="1155239" y="2700289"/>
+            <a:ext cx="994234" cy="497394"/>
+          </a:xfrm>
+          <a:prstGeom prst="roundRect">
+            <a:avLst>
+              <a:gd name="adj" fmla="val 11232"/>
+            </a:avLst>
+          </a:prstGeom>
+          <a:solidFill>
+            <a:schemeClr val="bg1"/>
+          </a:solidFill>
+          <a:ln w="12700" cap="flat" cmpd="sng" algn="ctr">
+            <a:solidFill>
+              <a:srgbClr val="92D050"/>
+            </a:solidFill>
+            <a:prstDash val="solid"/>
+            <a:round/>
+            <a:headEnd type="none" w="med" len="med"/>
+            <a:tailEnd type="none" w="med" len="med"/>
+          </a:ln>
+        </p:spPr>
+        <p:style>
+          <a:lnRef idx="0">
+            <a:scrgbClr r="0" g="0" b="0"/>
+          </a:lnRef>
+          <a:fillRef idx="0">
+            <a:scrgbClr r="0" g="0" b="0"/>
+          </a:fillRef>
+          <a:effectRef idx="0">
+            <a:scrgbClr r="0" g="0" b="0"/>
+          </a:effectRef>
+          <a:fontRef idx="minor">
+            <a:schemeClr val="accent2"/>
+          </a:fontRef>
+        </p:style>
+        <p:txBody>
+          <a:bodyPr rtlCol="0" anchor="ctr"/>
+          <a:lstStyle/>
+          <a:p>
+            <a:pPr algn="ctr"/>
+            <a:r>
+              <a:rPr lang="en-GB" sz="900" dirty="0">
+                <a:solidFill>
+                  <a:schemeClr val="tx1"/>
+                </a:solidFill>
+                <a:latin typeface="Avenir Book" panose="02000503020000020003" pitchFamily="2" charset="0"/>
+              </a:rPr>
+              <a:t>Tokenisation, lemmatisation, POS tagging </a:t>
+            </a:r>
+          </a:p>
+        </p:txBody>
+      </p:sp>
+      <p:sp>
+        <p:nvSpPr>
+          <p:cNvPr id="189" name="Rectangle: Rounded Corners 18">
+            <a:extLst>
+              <a:ext uri="{FF2B5EF4-FFF2-40B4-BE49-F238E27FC236}">
+                <a16:creationId xmlns:a16="http://schemas.microsoft.com/office/drawing/2014/main" id="{2DEDAE3E-8D0B-CC4A-A396-713D1D70F469}"/>
+              </a:ext>
+            </a:extLst>
+          </p:cNvPr>
+          <p:cNvSpPr/>
+          <p:nvPr/>
+        </p:nvSpPr>
+        <p:spPr>
+          <a:xfrm>
+            <a:off x="1078881" y="1788864"/>
+            <a:ext cx="1146952" cy="371868"/>
+          </a:xfrm>
+          <a:prstGeom prst="roundRect">
+            <a:avLst>
+              <a:gd name="adj" fmla="val 11232"/>
+            </a:avLst>
+          </a:prstGeom>
+          <a:solidFill>
+            <a:schemeClr val="bg1"/>
+          </a:solidFill>
+          <a:ln w="12700" cap="flat" cmpd="sng" algn="ctr">
+            <a:solidFill>
+              <a:schemeClr val="accent5">
+                <a:lumMod val="75000"/>
+              </a:schemeClr>
+            </a:solidFill>
+            <a:prstDash val="solid"/>
+            <a:round/>
+            <a:headEnd type="none" w="med" len="med"/>
+            <a:tailEnd type="none" w="med" len="med"/>
+          </a:ln>
+        </p:spPr>
+        <p:style>
+          <a:lnRef idx="0">
+            <a:scrgbClr r="0" g="0" b="0"/>
+          </a:lnRef>
+          <a:fillRef idx="0">
+            <a:scrgbClr r="0" g="0" b="0"/>
+          </a:fillRef>
+          <a:effectRef idx="0">
+            <a:scrgbClr r="0" g="0" b="0"/>
+          </a:effectRef>
+          <a:fontRef idx="minor">
+            <a:schemeClr val="accent2"/>
+          </a:fontRef>
+        </p:style>
+        <p:txBody>
+          <a:bodyPr rtlCol="0" anchor="ctr"/>
+          <a:lstStyle/>
+          <a:p>
+            <a:pPr algn="ctr"/>
+            <a:r>
+              <a:rPr lang="en-GB" sz="900" dirty="0">
+                <a:solidFill>
+                  <a:schemeClr val="tx1"/>
+                </a:solidFill>
+                <a:latin typeface="Avenir Book" panose="02000503020000020003" pitchFamily="2" charset="0"/>
+              </a:rPr>
+              <a:t>Set of indicative phrases</a:t>
+            </a:r>
+          </a:p>
+        </p:txBody>
+      </p:sp>
+      <p:cxnSp>
+        <p:nvCxnSpPr>
+          <p:cNvPr id="202" name="Straight Arrow Connector 201">
+            <a:extLst>
+              <a:ext uri="{FF2B5EF4-FFF2-40B4-BE49-F238E27FC236}">
+                <a16:creationId xmlns:a16="http://schemas.microsoft.com/office/drawing/2014/main" id="{6B005AD9-230C-4641-A90F-E827252E7F06}"/>
+              </a:ext>
+            </a:extLst>
+          </p:cNvPr>
+          <p:cNvCxnSpPr>
+            <a:cxnSpLocks/>
+            <a:stCxn id="112" idx="2"/>
+            <a:endCxn id="180" idx="0"/>
+          </p:cNvCxnSpPr>
+          <p:nvPr/>
+        </p:nvCxnSpPr>
+        <p:spPr>
+          <a:xfrm>
+            <a:off x="2282734" y="3668115"/>
+            <a:ext cx="0" cy="125058"/>
+          </a:xfrm>
+          <a:prstGeom prst="straightConnector1">
+            <a:avLst/>
+          </a:prstGeom>
+          <a:ln w="12700">
+            <a:solidFill>
+              <a:schemeClr val="tx1">
+                <a:lumMod val="50000"/>
+                <a:lumOff val="50000"/>
+              </a:schemeClr>
+            </a:solidFill>
+            <a:headEnd type="none" w="med" len="med"/>
+            <a:tailEnd type="triangle" w="med" len="med"/>
+          </a:ln>
+        </p:spPr>
+        <p:style>
+          <a:lnRef idx="1">
+            <a:schemeClr val="accent1"/>
+          </a:lnRef>
+          <a:fillRef idx="0">
+            <a:schemeClr val="accent1"/>
+          </a:fillRef>
+          <a:effectRef idx="0">
+            <a:schemeClr val="accent1"/>
+          </a:effectRef>
+          <a:fontRef idx="minor">
+            <a:schemeClr val="tx1"/>
+          </a:fontRef>
+        </p:style>
+      </p:cxnSp>
+      <p:cxnSp>
+        <p:nvCxnSpPr>
+          <p:cNvPr id="204" name="Straight Arrow Connector 203">
+            <a:extLst>
+              <a:ext uri="{FF2B5EF4-FFF2-40B4-BE49-F238E27FC236}">
+                <a16:creationId xmlns:a16="http://schemas.microsoft.com/office/drawing/2014/main" id="{9C27327B-4E18-134B-A4D9-A982FE4CEECC}"/>
+              </a:ext>
+            </a:extLst>
+          </p:cNvPr>
+          <p:cNvCxnSpPr>
+            <a:cxnSpLocks/>
+            <a:stCxn id="180" idx="2"/>
+            <a:endCxn id="181" idx="0"/>
+          </p:cNvCxnSpPr>
+          <p:nvPr/>
+        </p:nvCxnSpPr>
+        <p:spPr>
+          <a:xfrm flipH="1">
+            <a:off x="1580349" y="4016293"/>
+            <a:ext cx="702385" cy="158644"/>
+          </a:xfrm>
+          <a:prstGeom prst="straightConnector1">
+            <a:avLst/>
+          </a:prstGeom>
+          <a:ln w="12700">
+            <a:solidFill>
+              <a:schemeClr val="tx1">
+                <a:lumMod val="50000"/>
+                <a:lumOff val="50000"/>
+              </a:schemeClr>
+            </a:solidFill>
+            <a:headEnd type="none" w="med" len="med"/>
+            <a:tailEnd type="triangle" w="med" len="med"/>
+          </a:ln>
+        </p:spPr>
+        <p:style>
+          <a:lnRef idx="1">
+            <a:schemeClr val="accent1"/>
+          </a:lnRef>
+          <a:fillRef idx="0">
+            <a:schemeClr val="accent1"/>
+          </a:fillRef>
+          <a:effectRef idx="0">
+            <a:schemeClr val="accent1"/>
+          </a:effectRef>
+          <a:fontRef idx="minor">
+            <a:schemeClr val="tx1"/>
+          </a:fontRef>
+        </p:style>
+      </p:cxnSp>
+      <p:cxnSp>
+        <p:nvCxnSpPr>
+          <p:cNvPr id="208" name="Straight Arrow Connector 207">
+            <a:extLst>
+              <a:ext uri="{FF2B5EF4-FFF2-40B4-BE49-F238E27FC236}">
+                <a16:creationId xmlns:a16="http://schemas.microsoft.com/office/drawing/2014/main" id="{3423EC7F-0E43-F347-9AC1-8ED36983058C}"/>
+              </a:ext>
+            </a:extLst>
+          </p:cNvPr>
+          <p:cNvCxnSpPr>
+            <a:cxnSpLocks/>
+            <a:stCxn id="219" idx="1"/>
+            <a:endCxn id="181" idx="3"/>
+          </p:cNvCxnSpPr>
+          <p:nvPr/>
+        </p:nvCxnSpPr>
+        <p:spPr>
+          <a:xfrm flipH="1">
+            <a:off x="2225833" y="4354979"/>
+            <a:ext cx="281171" cy="5892"/>
+          </a:xfrm>
+          <a:prstGeom prst="straightConnector1">
+            <a:avLst/>
+          </a:prstGeom>
+          <a:ln w="12700">
+            <a:solidFill>
+              <a:schemeClr val="tx1">
+                <a:lumMod val="50000"/>
+                <a:lumOff val="50000"/>
+              </a:schemeClr>
+            </a:solidFill>
+            <a:headEnd type="none" w="med" len="med"/>
+            <a:tailEnd type="triangle" w="med" len="med"/>
+          </a:ln>
+        </p:spPr>
+        <p:style>
+          <a:lnRef idx="1">
+            <a:schemeClr val="accent1"/>
+          </a:lnRef>
+          <a:fillRef idx="0">
+            <a:schemeClr val="accent1"/>
+          </a:fillRef>
+          <a:effectRef idx="0">
+            <a:schemeClr val="accent1"/>
+          </a:effectRef>
+          <a:fontRef idx="minor">
+            <a:schemeClr val="tx1"/>
+          </a:fontRef>
+        </p:style>
+      </p:cxnSp>
+      <p:sp>
+        <p:nvSpPr>
+          <p:cNvPr id="219" name="Rectangle: Rounded Corners 18">
+            <a:extLst>
+              <a:ext uri="{FF2B5EF4-FFF2-40B4-BE49-F238E27FC236}">
+                <a16:creationId xmlns:a16="http://schemas.microsoft.com/office/drawing/2014/main" id="{273C85BB-A7CB-B34B-A55B-39540AA92013}"/>
+              </a:ext>
+            </a:extLst>
+          </p:cNvPr>
+          <p:cNvSpPr/>
+          <p:nvPr/>
+        </p:nvSpPr>
+        <p:spPr>
+          <a:xfrm>
+            <a:off x="2507004" y="4169045"/>
+            <a:ext cx="1146954" cy="371868"/>
+          </a:xfrm>
+          <a:prstGeom prst="roundRect">
+            <a:avLst>
+              <a:gd name="adj" fmla="val 11232"/>
+            </a:avLst>
+          </a:prstGeom>
+          <a:solidFill>
+            <a:schemeClr val="bg1"/>
+          </a:solidFill>
+          <a:ln w="12700" cap="flat" cmpd="sng" algn="ctr">
+            <a:solidFill>
+              <a:schemeClr val="accent5">
+                <a:lumMod val="75000"/>
+              </a:schemeClr>
+            </a:solidFill>
+            <a:prstDash val="solid"/>
+            <a:round/>
+            <a:headEnd type="none" w="med" len="med"/>
+            <a:tailEnd type="none" w="med" len="med"/>
+          </a:ln>
+        </p:spPr>
+        <p:style>
+          <a:lnRef idx="0">
+            <a:scrgbClr r="0" g="0" b="0"/>
+          </a:lnRef>
+          <a:fillRef idx="0">
+            <a:scrgbClr r="0" g="0" b="0"/>
+          </a:fillRef>
+          <a:effectRef idx="0">
+            <a:scrgbClr r="0" g="0" b="0"/>
+          </a:effectRef>
+          <a:fontRef idx="minor">
+            <a:schemeClr val="accent2"/>
+          </a:fontRef>
+        </p:style>
+        <p:txBody>
+          <a:bodyPr rtlCol="0" anchor="ctr"/>
+          <a:lstStyle/>
+          <a:p>
+            <a:pPr algn="ctr"/>
+            <a:r>
+              <a:rPr lang="en-GB" sz="900" dirty="0">
+                <a:solidFill>
+                  <a:schemeClr val="tx1"/>
+                </a:solidFill>
+                <a:latin typeface="Avenir Book" panose="02000503020000020003" pitchFamily="2" charset="0"/>
+              </a:rPr>
+              <a:t>XXXX sample (train/test)</a:t>
+            </a:r>
+          </a:p>
+        </p:txBody>
+      </p:sp>
+      <p:sp>
+        <p:nvSpPr>
+          <p:cNvPr id="229" name="Rectangle: Rounded Corners 18">
+            <a:extLst>
+              <a:ext uri="{FF2B5EF4-FFF2-40B4-BE49-F238E27FC236}">
+                <a16:creationId xmlns:a16="http://schemas.microsoft.com/office/drawing/2014/main" id="{65B25C52-5A5F-E840-85A1-1A8851DE62BA}"/>
+              </a:ext>
+            </a:extLst>
+          </p:cNvPr>
+          <p:cNvSpPr/>
+          <p:nvPr/>
+        </p:nvSpPr>
+        <p:spPr>
+          <a:xfrm>
+            <a:off x="4193257" y="4182793"/>
+            <a:ext cx="1146954" cy="291189"/>
+          </a:xfrm>
+          <a:prstGeom prst="roundRect">
+            <a:avLst>
+              <a:gd name="adj" fmla="val 11232"/>
+            </a:avLst>
+          </a:prstGeom>
+          <a:solidFill>
+            <a:schemeClr val="bg1"/>
+          </a:solidFill>
+          <a:ln w="12700" cap="flat" cmpd="sng" algn="ctr">
+            <a:solidFill>
+              <a:srgbClr val="92D050"/>
+            </a:solidFill>
+            <a:prstDash val="solid"/>
+            <a:round/>
+            <a:headEnd type="none" w="med" len="med"/>
+            <a:tailEnd type="none" w="med" len="med"/>
+          </a:ln>
+        </p:spPr>
+        <p:style>
+          <a:lnRef idx="0">
+            <a:scrgbClr r="0" g="0" b="0"/>
+          </a:lnRef>
+          <a:fillRef idx="0">
+            <a:scrgbClr r="0" g="0" b="0"/>
+          </a:fillRef>
+          <a:effectRef idx="0">
+            <a:scrgbClr r="0" g="0" b="0"/>
+          </a:effectRef>
+          <a:fontRef idx="minor">
+            <a:schemeClr val="accent2"/>
+          </a:fontRef>
+        </p:style>
+        <p:txBody>
+          <a:bodyPr rtlCol="0" anchor="ctr"/>
+          <a:lstStyle/>
+          <a:p>
+            <a:pPr algn="ctr"/>
+            <a:r>
+              <a:rPr lang="en-GB" sz="900" dirty="0">
+                <a:solidFill>
+                  <a:schemeClr val="tx1"/>
+                </a:solidFill>
+                <a:latin typeface="Avenir Book" panose="02000503020000020003" pitchFamily="2" charset="0"/>
+              </a:rPr>
+              <a:t>Manual corrections</a:t>
+            </a:r>
+          </a:p>
+        </p:txBody>
+      </p:sp>
+      <p:cxnSp>
+        <p:nvCxnSpPr>
+          <p:cNvPr id="233" name="Straight Arrow Connector 232">
+            <a:extLst>
+              <a:ext uri="{FF2B5EF4-FFF2-40B4-BE49-F238E27FC236}">
+                <a16:creationId xmlns:a16="http://schemas.microsoft.com/office/drawing/2014/main" id="{645D1892-21E9-B74F-A4E0-2C438B8FF395}"/>
+              </a:ext>
+            </a:extLst>
+          </p:cNvPr>
+          <p:cNvCxnSpPr>
+            <a:cxnSpLocks/>
+            <a:endCxn id="229" idx="2"/>
+          </p:cNvCxnSpPr>
+          <p:nvPr/>
+        </p:nvCxnSpPr>
+        <p:spPr>
+          <a:xfrm flipH="1" flipV="1">
+            <a:off x="4766734" y="4473982"/>
+            <a:ext cx="34178" cy="323317"/>
+          </a:xfrm>
+          <a:prstGeom prst="straightConnector1">
+            <a:avLst/>
+          </a:prstGeom>
+          <a:ln w="12700">
+            <a:solidFill>
+              <a:schemeClr val="tx1">
+                <a:lumMod val="50000"/>
+                <a:lumOff val="50000"/>
+              </a:schemeClr>
+            </a:solidFill>
+            <a:headEnd type="none" w="med" len="med"/>
+            <a:tailEnd type="triangle" w="med" len="med"/>
+          </a:ln>
+        </p:spPr>
+        <p:style>
+          <a:lnRef idx="1">
+            <a:schemeClr val="accent1"/>
+          </a:lnRef>
+          <a:fillRef idx="0">
+            <a:schemeClr val="accent1"/>
+          </a:fillRef>
+          <a:effectRef idx="0">
+            <a:schemeClr val="accent1"/>
+          </a:effectRef>
+          <a:fontRef idx="minor">
+            <a:schemeClr val="tx1"/>
+          </a:fontRef>
+        </p:style>
+      </p:cxnSp>
+      <p:cxnSp>
+        <p:nvCxnSpPr>
+          <p:cNvPr id="251" name="Straight Arrow Connector 250">
+            <a:extLst>
+              <a:ext uri="{FF2B5EF4-FFF2-40B4-BE49-F238E27FC236}">
+                <a16:creationId xmlns:a16="http://schemas.microsoft.com/office/drawing/2014/main" id="{222A12FD-BC4A-8145-94E6-B84DA67D7AE6}"/>
+              </a:ext>
+            </a:extLst>
+          </p:cNvPr>
+          <p:cNvCxnSpPr>
+            <a:cxnSpLocks/>
+            <a:stCxn id="229" idx="0"/>
+            <a:endCxn id="186" idx="2"/>
+          </p:cNvCxnSpPr>
+          <p:nvPr/>
+        </p:nvCxnSpPr>
+        <p:spPr>
+          <a:xfrm flipV="1">
+            <a:off x="4766734" y="4028509"/>
+            <a:ext cx="0" cy="154284"/>
+          </a:xfrm>
+          <a:prstGeom prst="straightConnector1">
+            <a:avLst/>
+          </a:prstGeom>
+          <a:ln w="12700">
+            <a:solidFill>
+              <a:schemeClr val="tx1">
+                <a:lumMod val="50000"/>
+                <a:lumOff val="50000"/>
+              </a:schemeClr>
+            </a:solidFill>
+            <a:headEnd type="none" w="med" len="med"/>
+            <a:tailEnd type="triangle" w="med" len="med"/>
+          </a:ln>
+        </p:spPr>
+        <p:style>
+          <a:lnRef idx="1">
+            <a:schemeClr val="accent1"/>
+          </a:lnRef>
+          <a:fillRef idx="0">
+            <a:schemeClr val="accent1"/>
+          </a:fillRef>
+          <a:effectRef idx="0">
+            <a:schemeClr val="accent1"/>
+          </a:effectRef>
+          <a:fontRef idx="minor">
+            <a:schemeClr val="tx1"/>
+          </a:fontRef>
+        </p:style>
+      </p:cxnSp>
+      <p:grpSp>
+        <p:nvGrpSpPr>
+          <p:cNvPr id="307" name="Group 306">
+            <a:extLst>
+              <a:ext uri="{FF2B5EF4-FFF2-40B4-BE49-F238E27FC236}">
+                <a16:creationId xmlns:a16="http://schemas.microsoft.com/office/drawing/2014/main" id="{BC103F24-C1AB-EE4C-BABC-7C743070DB8F}"/>
+              </a:ext>
+            </a:extLst>
+          </p:cNvPr>
+          <p:cNvGrpSpPr/>
+          <p:nvPr/>
+        </p:nvGrpSpPr>
+        <p:grpSpPr>
+          <a:xfrm>
+            <a:off x="3240488" y="3267726"/>
+            <a:ext cx="1276066" cy="861774"/>
+            <a:chOff x="7443735" y="4613874"/>
+            <a:chExt cx="1276066" cy="861774"/>
+          </a:xfrm>
+        </p:grpSpPr>
+        <p:grpSp>
+          <p:nvGrpSpPr>
+            <p:cNvPr id="308" name="Group 307">
+              <a:extLst>
+                <a:ext uri="{FF2B5EF4-FFF2-40B4-BE49-F238E27FC236}">
+                  <a16:creationId xmlns:a16="http://schemas.microsoft.com/office/drawing/2014/main" id="{CE5464D5-F4A8-A149-8550-5D5974357F5D}"/>
+                </a:ext>
+              </a:extLst>
+            </p:cNvPr>
+            <p:cNvGrpSpPr/>
+            <p:nvPr/>
+          </p:nvGrpSpPr>
+          <p:grpSpPr>
+            <a:xfrm>
+              <a:off x="7443735" y="4613874"/>
+              <a:ext cx="1276066" cy="861774"/>
+              <a:chOff x="9370658" y="4961495"/>
+              <a:chExt cx="1276066" cy="861774"/>
+            </a:xfrm>
+          </p:grpSpPr>
+          <p:sp>
+            <p:nvSpPr>
+              <p:cNvPr id="311" name="Rectangle 310">
+                <a:extLst>
+                  <a:ext uri="{FF2B5EF4-FFF2-40B4-BE49-F238E27FC236}">
+                    <a16:creationId xmlns:a16="http://schemas.microsoft.com/office/drawing/2014/main" id="{F6D5D8F9-74F4-704C-96A3-02FDD2F571B5}"/>
+                  </a:ext>
+                </a:extLst>
+              </p:cNvPr>
+              <p:cNvSpPr/>
+              <p:nvPr/>
+            </p:nvSpPr>
+            <p:spPr>
+              <a:xfrm>
+                <a:off x="9422631" y="4961495"/>
+                <a:ext cx="1224093" cy="861774"/>
+              </a:xfrm>
+              <a:prstGeom prst="rect">
+                <a:avLst/>
+              </a:prstGeom>
+            </p:spPr>
+            <p:txBody>
+              <a:bodyPr wrap="square">
+                <a:spAutoFit/>
+              </a:bodyPr>
+              <a:lstStyle/>
+              <a:p>
+                <a:endParaRPr lang="en-GB" sz="1000" dirty="0">
+                  <a:latin typeface="Avenir Book" panose="02000503020000020003" pitchFamily="2" charset="0"/>
+                </a:endParaRPr>
+              </a:p>
+              <a:p>
+                <a:r>
+                  <a:rPr lang="en-GB" sz="1000" dirty="0">
+                    <a:latin typeface="Avenir Book" panose="02000503020000020003" pitchFamily="2" charset="0"/>
+                  </a:rPr>
+                  <a:t>dataset</a:t>
+                </a:r>
+              </a:p>
+              <a:p>
+                <a:r>
+                  <a:rPr lang="en-GB" sz="1000" dirty="0">
+                    <a:latin typeface="Avenir Book" panose="02000503020000020003" pitchFamily="2" charset="0"/>
+                  </a:rPr>
+                  <a:t>process</a:t>
+                </a:r>
+              </a:p>
+              <a:p>
+                <a:r>
+                  <a:rPr lang="en-GB" sz="1000" dirty="0">
+                    <a:latin typeface="Avenir Book" panose="02000503020000020003" pitchFamily="2" charset="0"/>
+                  </a:rPr>
+                  <a:t>output</a:t>
+                </a:r>
+              </a:p>
+              <a:p>
+                <a:endParaRPr lang="en-GB" sz="1000" dirty="0">
+                  <a:latin typeface="Avenir Book" panose="02000503020000020003" pitchFamily="2" charset="0"/>
+                </a:endParaRPr>
+              </a:p>
+            </p:txBody>
+          </p:sp>
+          <p:sp>
+            <p:nvSpPr>
+              <p:cNvPr id="312" name="Oval 311">
+                <a:extLst>
+                  <a:ext uri="{FF2B5EF4-FFF2-40B4-BE49-F238E27FC236}">
+                    <a16:creationId xmlns:a16="http://schemas.microsoft.com/office/drawing/2014/main" id="{7ADD89F7-6762-444D-AC84-BE9F18D2F04C}"/>
+                  </a:ext>
+                </a:extLst>
+              </p:cNvPr>
+              <p:cNvSpPr/>
+              <p:nvPr/>
+            </p:nvSpPr>
+            <p:spPr>
+              <a:xfrm>
+                <a:off x="9370658" y="5170082"/>
+                <a:ext cx="111102" cy="112354"/>
+              </a:xfrm>
+              <a:prstGeom prst="ellipse">
+                <a:avLst/>
+              </a:prstGeom>
+              <a:ln>
+                <a:noFill/>
+              </a:ln>
+            </p:spPr>
+            <p:style>
+              <a:lnRef idx="2">
+                <a:schemeClr val="accent1">
+                  <a:shade val="50000"/>
+                </a:schemeClr>
+              </a:lnRef>
+              <a:fillRef idx="1">
+                <a:schemeClr val="accent1"/>
+              </a:fillRef>
+              <a:effectRef idx="0">
+                <a:schemeClr val="accent1"/>
+              </a:effectRef>
+              <a:fontRef idx="minor">
+                <a:schemeClr val="lt1"/>
+              </a:fontRef>
+            </p:style>
+            <p:txBody>
+              <a:bodyPr rtlCol="0" anchor="ctr"/>
+              <a:lstStyle/>
+              <a:p>
+                <a:pPr algn="ctr"/>
+                <a:endParaRPr lang="en-GB" sz="1100">
+                  <a:latin typeface="Avenir Book" panose="02000503020000020003" pitchFamily="2" charset="0"/>
+                </a:endParaRPr>
+              </a:p>
+            </p:txBody>
+          </p:sp>
+          <p:sp>
+            <p:nvSpPr>
+              <p:cNvPr id="313" name="Oval 312">
+                <a:extLst>
+                  <a:ext uri="{FF2B5EF4-FFF2-40B4-BE49-F238E27FC236}">
+                    <a16:creationId xmlns:a16="http://schemas.microsoft.com/office/drawing/2014/main" id="{CD548720-90C9-714A-AF1E-227FC32B2811}"/>
+                  </a:ext>
+                </a:extLst>
+              </p:cNvPr>
+              <p:cNvSpPr/>
+              <p:nvPr/>
+            </p:nvSpPr>
+            <p:spPr>
+              <a:xfrm>
+                <a:off x="9370658" y="5318957"/>
+                <a:ext cx="111102" cy="112354"/>
+              </a:xfrm>
+              <a:prstGeom prst="ellipse">
+                <a:avLst/>
+              </a:prstGeom>
+              <a:solidFill>
+                <a:srgbClr val="92D051"/>
+              </a:solidFill>
+              <a:ln>
+                <a:noFill/>
+              </a:ln>
+            </p:spPr>
+            <p:style>
+              <a:lnRef idx="2">
+                <a:schemeClr val="accent1">
+                  <a:shade val="50000"/>
+                </a:schemeClr>
+              </a:lnRef>
+              <a:fillRef idx="1">
+                <a:schemeClr val="accent1"/>
+              </a:fillRef>
+              <a:effectRef idx="0">
+                <a:schemeClr val="accent1"/>
+              </a:effectRef>
+              <a:fontRef idx="minor">
+                <a:schemeClr val="lt1"/>
+              </a:fontRef>
+            </p:style>
+            <p:txBody>
+              <a:bodyPr rtlCol="0" anchor="ctr"/>
+              <a:lstStyle/>
+              <a:p>
+                <a:pPr algn="ctr"/>
+                <a:endParaRPr lang="en-GB" sz="1100">
+                  <a:latin typeface="Avenir Book" panose="02000503020000020003" pitchFamily="2" charset="0"/>
+                </a:endParaRPr>
+              </a:p>
+            </p:txBody>
+          </p:sp>
+        </p:grpSp>
+        <p:sp>
+          <p:nvSpPr>
+            <p:cNvPr id="309" name="Oval 308">
+              <a:extLst>
+                <a:ext uri="{FF2B5EF4-FFF2-40B4-BE49-F238E27FC236}">
+                  <a16:creationId xmlns:a16="http://schemas.microsoft.com/office/drawing/2014/main" id="{17819CB8-76DF-8F45-AC85-41DC8D42C3D0}"/>
+                </a:ext>
+              </a:extLst>
+            </p:cNvPr>
+            <p:cNvSpPr/>
+            <p:nvPr/>
+          </p:nvSpPr>
+          <p:spPr>
+            <a:xfrm>
+              <a:off x="7443735" y="5128592"/>
+              <a:ext cx="111102" cy="112354"/>
+            </a:xfrm>
+            <a:prstGeom prst="ellipse">
+              <a:avLst/>
+            </a:prstGeom>
+            <a:solidFill>
+              <a:srgbClr val="C00000"/>
+            </a:solidFill>
+            <a:ln>
+              <a:noFill/>
+            </a:ln>
+          </p:spPr>
+          <p:style>
+            <a:lnRef idx="2">
+              <a:schemeClr val="accent1">
+                <a:shade val="50000"/>
+              </a:schemeClr>
+            </a:lnRef>
+            <a:fillRef idx="1">
+              <a:schemeClr val="accent1"/>
+            </a:fillRef>
+            <a:effectRef idx="0">
+              <a:schemeClr val="accent1"/>
+            </a:effectRef>
+            <a:fontRef idx="minor">
+              <a:schemeClr val="lt1"/>
+            </a:fontRef>
+          </p:style>
+          <p:txBody>
+            <a:bodyPr rtlCol="0" anchor="ctr"/>
+            <a:lstStyle/>
+            <a:p>
+              <a:pPr algn="ctr"/>
+              <a:endParaRPr lang="en-GB" sz="1100">
+                <a:latin typeface="Avenir Book" panose="02000503020000020003" pitchFamily="2" charset="0"/>
+              </a:endParaRPr>
+            </a:p>
+          </p:txBody>
+        </p:sp>
+      </p:grpSp>
+      <p:sp>
+        <p:nvSpPr>
+          <p:cNvPr id="68" name="Rectangle 67">
+            <a:extLst>
+              <a:ext uri="{FF2B5EF4-FFF2-40B4-BE49-F238E27FC236}">
+                <a16:creationId xmlns:a16="http://schemas.microsoft.com/office/drawing/2014/main" id="{BE5AE826-A15D-6042-8330-F2458D611D67}"/>
+              </a:ext>
+            </a:extLst>
+          </p:cNvPr>
+          <p:cNvSpPr/>
+          <p:nvPr/>
+        </p:nvSpPr>
+        <p:spPr>
+          <a:xfrm>
+            <a:off x="2388724" y="1385361"/>
+            <a:ext cx="2132251" cy="246221"/>
+          </a:xfrm>
+          <a:prstGeom prst="rect">
+            <a:avLst/>
+          </a:prstGeom>
+        </p:spPr>
+        <p:txBody>
+          <a:bodyPr wrap="square">
+            <a:spAutoFit/>
+          </a:bodyPr>
+          <a:lstStyle/>
+          <a:p>
+            <a:r>
+              <a:rPr lang="en-GB" sz="1000" dirty="0">
+                <a:latin typeface="Avenir Book" panose="02000503020000020003" pitchFamily="2" charset="0"/>
+              </a:rPr>
+              <a:t>Indicator matching process</a:t>
+            </a:r>
+          </a:p>
+        </p:txBody>
+      </p:sp>
+      <p:sp>
+        <p:nvSpPr>
+          <p:cNvPr id="91" name="Rectangle: Rounded Corners 18">
+            <a:extLst>
+              <a:ext uri="{FF2B5EF4-FFF2-40B4-BE49-F238E27FC236}">
+                <a16:creationId xmlns:a16="http://schemas.microsoft.com/office/drawing/2014/main" id="{69FB2B1F-B292-6749-BB05-17C7F45D491B}"/>
+              </a:ext>
+            </a:extLst>
+          </p:cNvPr>
+          <p:cNvSpPr/>
+          <p:nvPr/>
+        </p:nvSpPr>
+        <p:spPr>
+          <a:xfrm>
+            <a:off x="2372039" y="1784201"/>
+            <a:ext cx="1146952" cy="371868"/>
+          </a:xfrm>
+          <a:prstGeom prst="roundRect">
+            <a:avLst>
+              <a:gd name="adj" fmla="val 11232"/>
+            </a:avLst>
+          </a:prstGeom>
+          <a:solidFill>
+            <a:schemeClr val="bg1"/>
+          </a:solidFill>
+          <a:ln w="12700" cap="flat" cmpd="sng" algn="ctr">
+            <a:solidFill>
+              <a:schemeClr val="accent5">
+                <a:lumMod val="75000"/>
+              </a:schemeClr>
+            </a:solidFill>
+            <a:prstDash val="solid"/>
+            <a:round/>
+            <a:headEnd type="none" w="med" len="med"/>
+            <a:tailEnd type="none" w="med" len="med"/>
+          </a:ln>
+        </p:spPr>
+        <p:style>
+          <a:lnRef idx="0">
+            <a:scrgbClr r="0" g="0" b="0"/>
+          </a:lnRef>
+          <a:fillRef idx="0">
+            <a:scrgbClr r="0" g="0" b="0"/>
+          </a:fillRef>
+          <a:effectRef idx="0">
+            <a:scrgbClr r="0" g="0" b="0"/>
+          </a:effectRef>
+          <a:fontRef idx="minor">
+            <a:schemeClr val="accent2"/>
+          </a:fontRef>
+        </p:style>
+        <p:txBody>
+          <a:bodyPr rtlCol="0" anchor="ctr"/>
+          <a:lstStyle/>
+          <a:p>
+            <a:pPr algn="ctr"/>
+            <a:r>
+              <a:rPr lang="en-GB" sz="900" dirty="0">
+                <a:solidFill>
+                  <a:schemeClr val="tx1"/>
+                </a:solidFill>
+                <a:latin typeface="Avenir Book" panose="02000503020000020003" pitchFamily="2" charset="0"/>
+              </a:rPr>
+              <a:t>Museum website corpus</a:t>
+            </a:r>
+          </a:p>
+        </p:txBody>
+      </p:sp>
+      <p:sp>
+        <p:nvSpPr>
+          <p:cNvPr id="92" name="Rectangle: Rounded Corners 18">
+            <a:extLst>
+              <a:ext uri="{FF2B5EF4-FFF2-40B4-BE49-F238E27FC236}">
+                <a16:creationId xmlns:a16="http://schemas.microsoft.com/office/drawing/2014/main" id="{9F77934E-D7AF-7949-B241-CD2EDD97916B}"/>
+              </a:ext>
+            </a:extLst>
+          </p:cNvPr>
+          <p:cNvSpPr/>
+          <p:nvPr/>
+        </p:nvSpPr>
+        <p:spPr>
+          <a:xfrm>
+            <a:off x="2448396" y="2700289"/>
+            <a:ext cx="994235" cy="497394"/>
+          </a:xfrm>
+          <a:prstGeom prst="roundRect">
+            <a:avLst>
+              <a:gd name="adj" fmla="val 11232"/>
+            </a:avLst>
+          </a:prstGeom>
+          <a:solidFill>
+            <a:schemeClr val="bg1"/>
+          </a:solidFill>
+          <a:ln w="12700" cap="flat" cmpd="sng" algn="ctr">
+            <a:solidFill>
+              <a:srgbClr val="92D050"/>
+            </a:solidFill>
+            <a:prstDash val="solid"/>
+            <a:round/>
+            <a:headEnd type="none" w="med" len="med"/>
+            <a:tailEnd type="none" w="med" len="med"/>
+          </a:ln>
+        </p:spPr>
+        <p:style>
+          <a:lnRef idx="0">
+            <a:scrgbClr r="0" g="0" b="0"/>
+          </a:lnRef>
+          <a:fillRef idx="0">
+            <a:scrgbClr r="0" g="0" b="0"/>
+          </a:fillRef>
+          <a:effectRef idx="0">
+            <a:scrgbClr r="0" g="0" b="0"/>
+          </a:effectRef>
+          <a:fontRef idx="minor">
+            <a:schemeClr val="accent2"/>
+          </a:fontRef>
+        </p:style>
+        <p:txBody>
+          <a:bodyPr rtlCol="0" anchor="ctr"/>
+          <a:lstStyle/>
+          <a:p>
+            <a:pPr algn="ctr"/>
+            <a:r>
+              <a:rPr lang="en-GB" sz="900" dirty="0">
+                <a:solidFill>
+                  <a:schemeClr val="tx1"/>
+                </a:solidFill>
+                <a:latin typeface="Avenir Book" panose="02000503020000020003" pitchFamily="2" charset="0"/>
+              </a:rPr>
+              <a:t>Tokenisation, lemmatisation, POS tagging </a:t>
+            </a:r>
+          </a:p>
+        </p:txBody>
+      </p:sp>
+      <p:cxnSp>
+        <p:nvCxnSpPr>
+          <p:cNvPr id="95" name="Straight Arrow Connector 94">
+            <a:extLst>
+              <a:ext uri="{FF2B5EF4-FFF2-40B4-BE49-F238E27FC236}">
+                <a16:creationId xmlns:a16="http://schemas.microsoft.com/office/drawing/2014/main" id="{671CF585-3348-294A-8CCF-A700165099C6}"/>
+              </a:ext>
+            </a:extLst>
+          </p:cNvPr>
+          <p:cNvCxnSpPr>
+            <a:cxnSpLocks/>
+            <a:stCxn id="91" idx="2"/>
+            <a:endCxn id="98" idx="0"/>
+          </p:cNvCxnSpPr>
+          <p:nvPr/>
+        </p:nvCxnSpPr>
+        <p:spPr>
+          <a:xfrm flipH="1">
+            <a:off x="2945514" y="2156069"/>
+            <a:ext cx="1" cy="130189"/>
+          </a:xfrm>
+          <a:prstGeom prst="straightConnector1">
+            <a:avLst/>
+          </a:prstGeom>
+          <a:ln w="12700">
+            <a:solidFill>
+              <a:schemeClr val="tx1">
+                <a:lumMod val="50000"/>
+                <a:lumOff val="50000"/>
+              </a:schemeClr>
+            </a:solidFill>
+            <a:headEnd type="none" w="med" len="med"/>
+            <a:tailEnd type="triangle" w="med" len="med"/>
+          </a:ln>
+        </p:spPr>
+        <p:style>
+          <a:lnRef idx="1">
+            <a:schemeClr val="accent1"/>
+          </a:lnRef>
+          <a:fillRef idx="0">
+            <a:schemeClr val="accent1"/>
+          </a:fillRef>
+          <a:effectRef idx="0">
+            <a:schemeClr val="accent1"/>
+          </a:effectRef>
+          <a:fontRef idx="minor">
+            <a:schemeClr val="tx1"/>
+          </a:fontRef>
+        </p:style>
+      </p:cxnSp>
+      <p:sp>
+        <p:nvSpPr>
+          <p:cNvPr id="98" name="Rectangle: Rounded Corners 18">
+            <a:extLst>
+              <a:ext uri="{FF2B5EF4-FFF2-40B4-BE49-F238E27FC236}">
+                <a16:creationId xmlns:a16="http://schemas.microsoft.com/office/drawing/2014/main" id="{0894753A-5CD8-F341-88B7-1FBE0092A03F}"/>
+              </a:ext>
+            </a:extLst>
+          </p:cNvPr>
+          <p:cNvSpPr/>
+          <p:nvPr/>
+        </p:nvSpPr>
+        <p:spPr>
+          <a:xfrm>
+            <a:off x="2372037" y="2286258"/>
+            <a:ext cx="1146954" cy="291189"/>
+          </a:xfrm>
+          <a:prstGeom prst="roundRect">
+            <a:avLst>
+              <a:gd name="adj" fmla="val 11232"/>
+            </a:avLst>
+          </a:prstGeom>
+          <a:solidFill>
+            <a:schemeClr val="bg1"/>
+          </a:solidFill>
+          <a:ln w="12700" cap="flat" cmpd="sng" algn="ctr">
+            <a:solidFill>
+              <a:srgbClr val="92D050"/>
+            </a:solidFill>
+            <a:prstDash val="solid"/>
+            <a:round/>
+            <a:headEnd type="none" w="med" len="med"/>
+            <a:tailEnd type="none" w="med" len="med"/>
+          </a:ln>
+        </p:spPr>
+        <p:style>
+          <a:lnRef idx="0">
+            <a:scrgbClr r="0" g="0" b="0"/>
+          </a:lnRef>
+          <a:fillRef idx="0">
+            <a:scrgbClr r="0" g="0" b="0"/>
+          </a:fillRef>
+          <a:effectRef idx="0">
+            <a:scrgbClr r="0" g="0" b="0"/>
+          </a:effectRef>
+          <a:fontRef idx="minor">
+            <a:schemeClr val="accent2"/>
+          </a:fontRef>
+        </p:style>
+        <p:txBody>
+          <a:bodyPr rtlCol="0" anchor="ctr"/>
+          <a:lstStyle/>
+          <a:p>
+            <a:pPr algn="ctr"/>
+            <a:r>
+              <a:rPr lang="en-GB" sz="900" dirty="0">
+                <a:solidFill>
+                  <a:schemeClr val="tx1"/>
+                </a:solidFill>
+                <a:latin typeface="Avenir Book" panose="02000503020000020003" pitchFamily="2" charset="0"/>
+              </a:rPr>
+              <a:t>Sentence segmentation</a:t>
+            </a:r>
+          </a:p>
+        </p:txBody>
+      </p:sp>
+      <p:cxnSp>
+        <p:nvCxnSpPr>
+          <p:cNvPr id="103" name="Straight Arrow Connector 102">
+            <a:extLst>
+              <a:ext uri="{FF2B5EF4-FFF2-40B4-BE49-F238E27FC236}">
+                <a16:creationId xmlns:a16="http://schemas.microsoft.com/office/drawing/2014/main" id="{165A012F-7ABC-C04E-9BF1-DE3970DA3DAC}"/>
+              </a:ext>
+            </a:extLst>
+          </p:cNvPr>
+          <p:cNvCxnSpPr>
+            <a:cxnSpLocks/>
+            <a:stCxn id="98" idx="2"/>
+            <a:endCxn id="92" idx="0"/>
+          </p:cNvCxnSpPr>
+          <p:nvPr/>
+        </p:nvCxnSpPr>
+        <p:spPr>
+          <a:xfrm>
+            <a:off x="2945514" y="2577447"/>
+            <a:ext cx="0" cy="122842"/>
+          </a:xfrm>
+          <a:prstGeom prst="straightConnector1">
+            <a:avLst/>
+          </a:prstGeom>
+          <a:ln w="12700">
+            <a:solidFill>
+              <a:schemeClr val="tx1">
+                <a:lumMod val="50000"/>
+                <a:lumOff val="50000"/>
+              </a:schemeClr>
+            </a:solidFill>
+            <a:headEnd type="none" w="med" len="med"/>
+            <a:tailEnd type="triangle" w="med" len="med"/>
+          </a:ln>
+        </p:spPr>
+        <p:style>
+          <a:lnRef idx="1">
+            <a:schemeClr val="accent1"/>
+          </a:lnRef>
+          <a:fillRef idx="0">
+            <a:schemeClr val="accent1"/>
+          </a:fillRef>
+          <a:effectRef idx="0">
+            <a:schemeClr val="accent1"/>
+          </a:effectRef>
+          <a:fontRef idx="minor">
+            <a:schemeClr val="tx1"/>
+          </a:fontRef>
+        </p:style>
+      </p:cxnSp>
+      <p:sp>
+        <p:nvSpPr>
+          <p:cNvPr id="112" name="Rectangle: Rounded Corners 18">
+            <a:extLst>
+              <a:ext uri="{FF2B5EF4-FFF2-40B4-BE49-F238E27FC236}">
+                <a16:creationId xmlns:a16="http://schemas.microsoft.com/office/drawing/2014/main" id="{178AEC65-F623-E34E-A407-B29926489BBD}"/>
+              </a:ext>
+            </a:extLst>
+          </p:cNvPr>
+          <p:cNvSpPr/>
+          <p:nvPr/>
+        </p:nvSpPr>
+        <p:spPr>
+          <a:xfrm>
+            <a:off x="1519164" y="3380382"/>
+            <a:ext cx="1527139" cy="287733"/>
+          </a:xfrm>
+          <a:prstGeom prst="roundRect">
+            <a:avLst>
+              <a:gd name="adj" fmla="val 11232"/>
+            </a:avLst>
+          </a:prstGeom>
+          <a:solidFill>
+            <a:schemeClr val="bg1"/>
+          </a:solidFill>
+          <a:ln w="12700" cap="flat" cmpd="sng" algn="ctr">
+            <a:solidFill>
+              <a:schemeClr val="accent5">
+                <a:lumMod val="75000"/>
+              </a:schemeClr>
+            </a:solidFill>
+            <a:prstDash val="solid"/>
+            <a:round/>
+            <a:headEnd type="none" w="med" len="med"/>
+            <a:tailEnd type="none" w="med" len="med"/>
+          </a:ln>
+        </p:spPr>
+        <p:style>
+          <a:lnRef idx="0">
+            <a:scrgbClr r="0" g="0" b="0"/>
+          </a:lnRef>
+          <a:fillRef idx="0">
+            <a:scrgbClr r="0" g="0" b="0"/>
+          </a:fillRef>
+          <a:effectRef idx="0">
+            <a:scrgbClr r="0" g="0" b="0"/>
+          </a:effectRef>
+          <a:fontRef idx="minor">
+            <a:schemeClr val="accent2"/>
+          </a:fontRef>
+        </p:style>
+        <p:txBody>
+          <a:bodyPr rtlCol="0" anchor="ctr"/>
+          <a:lstStyle/>
+          <a:p>
+            <a:r>
+              <a:rPr lang="en-GB" sz="900" dirty="0">
+                <a:solidFill>
+                  <a:schemeClr val="tx1"/>
+                </a:solidFill>
+                <a:latin typeface="Avenir Book" panose="02000503020000020003" pitchFamily="2" charset="0"/>
+              </a:rPr>
+              <a:t>&lt;Indicative phrase, website sentence&gt; pairs</a:t>
+            </a:r>
+          </a:p>
+        </p:txBody>
+      </p:sp>
+      <p:cxnSp>
+        <p:nvCxnSpPr>
+          <p:cNvPr id="115" name="Straight Arrow Connector 114">
+            <a:extLst>
+              <a:ext uri="{FF2B5EF4-FFF2-40B4-BE49-F238E27FC236}">
+                <a16:creationId xmlns:a16="http://schemas.microsoft.com/office/drawing/2014/main" id="{183B2484-CB74-9342-92F8-83A66335056F}"/>
+              </a:ext>
+            </a:extLst>
+          </p:cNvPr>
+          <p:cNvCxnSpPr>
+            <a:cxnSpLocks/>
+            <a:stCxn id="92" idx="2"/>
+            <a:endCxn id="112" idx="0"/>
+          </p:cNvCxnSpPr>
+          <p:nvPr/>
+        </p:nvCxnSpPr>
+        <p:spPr>
+          <a:xfrm flipH="1">
+            <a:off x="2282734" y="3197683"/>
+            <a:ext cx="662780" cy="182699"/>
+          </a:xfrm>
+          <a:prstGeom prst="straightConnector1">
+            <a:avLst/>
+          </a:prstGeom>
+          <a:ln w="12700">
+            <a:solidFill>
+              <a:schemeClr val="tx1">
+                <a:lumMod val="50000"/>
+                <a:lumOff val="50000"/>
+              </a:schemeClr>
+            </a:solidFill>
+            <a:headEnd type="none" w="med" len="med"/>
+            <a:tailEnd type="triangle" w="med" len="med"/>
+          </a:ln>
+        </p:spPr>
+        <p:style>
+          <a:lnRef idx="1">
+            <a:schemeClr val="accent1"/>
+          </a:lnRef>
+          <a:fillRef idx="0">
+            <a:schemeClr val="accent1"/>
+          </a:fillRef>
+          <a:effectRef idx="0">
+            <a:schemeClr val="accent1"/>
+          </a:effectRef>
+          <a:fontRef idx="minor">
+            <a:schemeClr val="tx1"/>
+          </a:fontRef>
+        </p:style>
+      </p:cxnSp>
+      <p:sp>
+        <p:nvSpPr>
+          <p:cNvPr id="120" name="Rectangle: Rounded Corners 18">
+            <a:extLst>
+              <a:ext uri="{FF2B5EF4-FFF2-40B4-BE49-F238E27FC236}">
+                <a16:creationId xmlns:a16="http://schemas.microsoft.com/office/drawing/2014/main" id="{81AFD893-CE94-E748-9FB9-B2E298F4FCBF}"/>
+              </a:ext>
+            </a:extLst>
+          </p:cNvPr>
+          <p:cNvSpPr/>
+          <p:nvPr/>
+        </p:nvSpPr>
+        <p:spPr>
+          <a:xfrm>
+            <a:off x="1078879" y="2286257"/>
+            <a:ext cx="1146954" cy="287733"/>
+          </a:xfrm>
+          <a:prstGeom prst="roundRect">
+            <a:avLst>
+              <a:gd name="adj" fmla="val 11232"/>
+            </a:avLst>
+          </a:prstGeom>
+          <a:solidFill>
+            <a:schemeClr val="bg1"/>
+          </a:solidFill>
+          <a:ln w="12700" cap="flat" cmpd="sng" algn="ctr">
+            <a:solidFill>
+              <a:srgbClr val="92D050"/>
+            </a:solidFill>
+            <a:prstDash val="solid"/>
+            <a:round/>
+            <a:headEnd type="none" w="med" len="med"/>
+            <a:tailEnd type="none" w="med" len="med"/>
+          </a:ln>
+        </p:spPr>
+        <p:style>
+          <a:lnRef idx="0">
+            <a:scrgbClr r="0" g="0" b="0"/>
+          </a:lnRef>
+          <a:fillRef idx="0">
+            <a:scrgbClr r="0" g="0" b="0"/>
+          </a:fillRef>
+          <a:effectRef idx="0">
+            <a:scrgbClr r="0" g="0" b="0"/>
+          </a:effectRef>
+          <a:fontRef idx="minor">
+            <a:schemeClr val="accent2"/>
+          </a:fontRef>
+        </p:style>
+        <p:txBody>
+          <a:bodyPr rtlCol="0" anchor="ctr"/>
+          <a:lstStyle/>
+          <a:p>
+            <a:pPr algn="ctr"/>
+            <a:r>
+              <a:rPr lang="en-GB" sz="900" dirty="0">
+                <a:solidFill>
+                  <a:schemeClr val="tx1"/>
+                </a:solidFill>
+                <a:latin typeface="Avenir Book" panose="02000503020000020003" pitchFamily="2" charset="0"/>
+              </a:rPr>
+              <a:t>Remove proper nouns and dates</a:t>
+            </a:r>
+          </a:p>
+        </p:txBody>
+      </p:sp>
+      <p:cxnSp>
+        <p:nvCxnSpPr>
+          <p:cNvPr id="123" name="Straight Arrow Connector 122">
+            <a:extLst>
+              <a:ext uri="{FF2B5EF4-FFF2-40B4-BE49-F238E27FC236}">
+                <a16:creationId xmlns:a16="http://schemas.microsoft.com/office/drawing/2014/main" id="{C08C32DA-4F92-2845-A570-56F6F9A81267}"/>
+              </a:ext>
+            </a:extLst>
+          </p:cNvPr>
+          <p:cNvCxnSpPr>
+            <a:cxnSpLocks/>
+            <a:stCxn id="120" idx="2"/>
+            <a:endCxn id="188" idx="0"/>
+          </p:cNvCxnSpPr>
+          <p:nvPr/>
+        </p:nvCxnSpPr>
+        <p:spPr>
+          <a:xfrm>
+            <a:off x="1652356" y="2573990"/>
+            <a:ext cx="0" cy="126299"/>
+          </a:xfrm>
+          <a:prstGeom prst="straightConnector1">
+            <a:avLst/>
+          </a:prstGeom>
+          <a:ln w="12700">
+            <a:solidFill>
+              <a:schemeClr val="tx1">
+                <a:lumMod val="50000"/>
+                <a:lumOff val="50000"/>
+              </a:schemeClr>
+            </a:solidFill>
+            <a:headEnd type="none" w="med" len="med"/>
+            <a:tailEnd type="triangle" w="med" len="med"/>
+          </a:ln>
+        </p:spPr>
+        <p:style>
+          <a:lnRef idx="1">
+            <a:schemeClr val="accent1"/>
+          </a:lnRef>
+          <a:fillRef idx="0">
+            <a:schemeClr val="accent1"/>
+          </a:fillRef>
+          <a:effectRef idx="0">
+            <a:schemeClr val="accent1"/>
+          </a:effectRef>
+          <a:fontRef idx="minor">
+            <a:schemeClr val="tx1"/>
+          </a:fontRef>
+        </p:style>
+      </p:cxnSp>
+      <p:cxnSp>
+        <p:nvCxnSpPr>
+          <p:cNvPr id="47" name="Straight Arrow Connector 46">
+            <a:extLst>
+              <a:ext uri="{FF2B5EF4-FFF2-40B4-BE49-F238E27FC236}">
+                <a16:creationId xmlns:a16="http://schemas.microsoft.com/office/drawing/2014/main" id="{D13B02CC-202C-704C-BD76-12E468734B8F}"/>
+              </a:ext>
+            </a:extLst>
+          </p:cNvPr>
+          <p:cNvCxnSpPr>
+            <a:cxnSpLocks/>
+            <a:stCxn id="188" idx="2"/>
+            <a:endCxn id="112" idx="0"/>
+          </p:cNvCxnSpPr>
+          <p:nvPr/>
+        </p:nvCxnSpPr>
+        <p:spPr>
+          <a:xfrm>
+            <a:off x="1652356" y="3197683"/>
+            <a:ext cx="630378" cy="182699"/>
+          </a:xfrm>
+          <a:prstGeom prst="straightConnector1">
+            <a:avLst/>
+          </a:prstGeom>
+          <a:ln w="12700">
+            <a:solidFill>
+              <a:schemeClr val="tx1">
+                <a:lumMod val="50000"/>
+                <a:lumOff val="50000"/>
+              </a:schemeClr>
+            </a:solidFill>
+            <a:headEnd type="none" w="med" len="med"/>
+            <a:tailEnd type="triangle" w="med" len="med"/>
+          </a:ln>
+        </p:spPr>
+        <p:style>
+          <a:lnRef idx="1">
+            <a:schemeClr val="accent1"/>
+          </a:lnRef>
+          <a:fillRef idx="0">
+            <a:schemeClr val="accent1"/>
+          </a:fillRef>
+          <a:effectRef idx="0">
+            <a:schemeClr val="accent1"/>
+          </a:effectRef>
+          <a:fontRef idx="minor">
+            <a:schemeClr val="tx1"/>
+          </a:fontRef>
+        </p:style>
+      </p:cxnSp>
+      <p:sp>
+        <p:nvSpPr>
+          <p:cNvPr id="185" name="Rectangle: Rounded Corners 18">
+            <a:extLst>
+              <a:ext uri="{FF2B5EF4-FFF2-40B4-BE49-F238E27FC236}">
+                <a16:creationId xmlns:a16="http://schemas.microsoft.com/office/drawing/2014/main" id="{9491A6BA-455B-D448-B570-57B936F4BA91}"/>
+              </a:ext>
+            </a:extLst>
+          </p:cNvPr>
+          <p:cNvSpPr/>
+          <p:nvPr/>
+        </p:nvSpPr>
+        <p:spPr>
+          <a:xfrm>
+            <a:off x="1002519" y="4688753"/>
+            <a:ext cx="1146954" cy="497393"/>
+          </a:xfrm>
+          <a:prstGeom prst="roundRect">
+            <a:avLst>
+              <a:gd name="adj" fmla="val 11232"/>
+            </a:avLst>
+          </a:prstGeom>
+          <a:solidFill>
+            <a:schemeClr val="bg1"/>
+          </a:solidFill>
+          <a:ln w="12700" cap="flat" cmpd="sng" algn="ctr">
+            <a:solidFill>
+              <a:srgbClr val="C00000"/>
+            </a:solidFill>
+            <a:prstDash val="solid"/>
+            <a:round/>
+            <a:headEnd type="none" w="med" len="med"/>
+            <a:tailEnd type="none" w="med" len="med"/>
+          </a:ln>
+        </p:spPr>
+        <p:style>
+          <a:lnRef idx="0">
+            <a:scrgbClr r="0" g="0" b="0"/>
+          </a:lnRef>
+          <a:fillRef idx="0">
+            <a:scrgbClr r="0" g="0" b="0"/>
+          </a:fillRef>
+          <a:effectRef idx="0">
+            <a:scrgbClr r="0" g="0" b="0"/>
+          </a:effectRef>
+          <a:fontRef idx="minor">
+            <a:schemeClr val="accent2"/>
+          </a:fontRef>
+        </p:style>
+        <p:txBody>
+          <a:bodyPr rot="0" spcFirstLastPara="0" vertOverflow="overflow" horzOverflow="overflow" vert="horz" wrap="square" lIns="91440" tIns="45720" rIns="91440" bIns="45720" numCol="1" spcCol="0" rtlCol="0" fromWordArt="0" anchor="ctr" anchorCtr="0" forceAA="0" compatLnSpc="1">
+            <a:prstTxWarp prst="textNoShape">
+              <a:avLst/>
+            </a:prstTxWarp>
+            <a:noAutofit/>
+          </a:bodyPr>
+          <a:lstStyle/>
+          <a:p>
+            <a:pPr algn="ctr"/>
+            <a:r>
+              <a:rPr lang="en-GB" sz="900" dirty="0">
+                <a:solidFill>
+                  <a:schemeClr val="tx1"/>
+                </a:solidFill>
+                <a:latin typeface="Avenir Book" panose="02000503020000020003" pitchFamily="2" charset="0"/>
+              </a:rPr>
+              <a:t>Indicators in Museum website corpus</a:t>
+            </a:r>
+          </a:p>
+        </p:txBody>
+      </p:sp>
+      <p:cxnSp>
+        <p:nvCxnSpPr>
+          <p:cNvPr id="190" name="Straight Arrow Connector 189">
+            <a:extLst>
+              <a:ext uri="{FF2B5EF4-FFF2-40B4-BE49-F238E27FC236}">
+                <a16:creationId xmlns:a16="http://schemas.microsoft.com/office/drawing/2014/main" id="{3E9FEDBD-AF7A-554D-B350-9B7E58ECDA11}"/>
+              </a:ext>
+            </a:extLst>
+          </p:cNvPr>
+          <p:cNvCxnSpPr>
+            <a:cxnSpLocks/>
+            <a:stCxn id="181" idx="2"/>
+            <a:endCxn id="185" idx="0"/>
+          </p:cNvCxnSpPr>
+          <p:nvPr/>
+        </p:nvCxnSpPr>
+        <p:spPr>
+          <a:xfrm flipH="1">
+            <a:off x="1575996" y="4546805"/>
+            <a:ext cx="4353" cy="141948"/>
+          </a:xfrm>
+          <a:prstGeom prst="straightConnector1">
+            <a:avLst/>
+          </a:prstGeom>
+          <a:ln w="12700">
+            <a:solidFill>
+              <a:schemeClr val="tx1">
+                <a:lumMod val="50000"/>
+                <a:lumOff val="50000"/>
+              </a:schemeClr>
+            </a:solidFill>
+            <a:headEnd type="none" w="med" len="med"/>
+            <a:tailEnd type="triangle" w="med" len="med"/>
+          </a:ln>
+        </p:spPr>
+        <p:style>
+          <a:lnRef idx="1">
+            <a:schemeClr val="accent1"/>
+          </a:lnRef>
+          <a:fillRef idx="0">
+            <a:schemeClr val="accent1"/>
+          </a:fillRef>
+          <a:effectRef idx="0">
+            <a:schemeClr val="accent1"/>
+          </a:effectRef>
+          <a:fontRef idx="minor">
+            <a:schemeClr val="tx1"/>
+          </a:fontRef>
+        </p:style>
+      </p:cxnSp>
+    </p:spTree>
+    <p:extLst>
+      <p:ext uri="{BB962C8B-B14F-4D97-AF65-F5344CB8AC3E}">
+        <p14:creationId xmlns:p14="http://schemas.microsoft.com/office/powerpoint/2010/main" val="2353608430"/>
       </p:ext>
     </p:extLst>
   </p:cSld>
@@ -9588,21 +11499,6 @@
 </file>
 
 <file path=customXml/item1.xml><?xml version="1.0" encoding="utf-8"?>
-<p:properties xmlns:p="http://schemas.microsoft.com/office/2006/metadata/properties" xmlns:xsi="http://www.w3.org/2001/XMLSchema-instance" xmlns:pc="http://schemas.microsoft.com/office/infopath/2007/PartnerControls">
-  <documentManagement/>
-</p:properties>
-</file>
-
-<file path=customXml/item2.xml><?xml version="1.0" encoding="utf-8"?>
-<?mso-contentType ?>
-<FormTemplates xmlns="http://schemas.microsoft.com/sharepoint/v3/contenttype/forms">
-  <Display>DocumentLibraryForm</Display>
-  <Edit>DocumentLibraryForm</Edit>
-  <New>DocumentLibraryForm</New>
-</FormTemplates>
-</file>
-
-<file path=customXml/item3.xml><?xml version="1.0" encoding="utf-8"?>
 <ct:contentTypeSchema xmlns:ct="http://schemas.microsoft.com/office/2006/metadata/contentType" xmlns:ma="http://schemas.microsoft.com/office/2006/metadata/properties/metaAttributes" ct:_="" ma:_="" ma:contentTypeName="Document" ma:contentTypeID="0x0101002C2CD1DD118472458A0E6161F2144773" ma:contentTypeVersion="13" ma:contentTypeDescription="Create a new document." ma:contentTypeScope="" ma:versionID="901835ec234860ac7f67cc898a541fcb">
   <xsd:schema xmlns:xsd="http://www.w3.org/2001/XMLSchema" xmlns:xs="http://www.w3.org/2001/XMLSchema" xmlns:p="http://schemas.microsoft.com/office/2006/metadata/properties" xmlns:ns2="0afe7543-80e5-4676-a63d-5a4feeb00470" xmlns:ns3="0accda53-abec-4882-afe9-cc0ba02332f1" targetNamespace="http://schemas.microsoft.com/office/2006/metadata/properties" ma:root="true" ma:fieldsID="d52977c14833298dd83ceb1684b285fa" ns2:_="" ns3:_="">
     <xsd:import namespace="0afe7543-80e5-4676-a63d-5a4feeb00470"/>
@@ -9825,32 +11721,22 @@
 </ct:contentTypeSchema>
 </file>
 
-<file path=customXml/itemProps1.xml><?xml version="1.0" encoding="utf-8"?>
-<ds:datastoreItem xmlns:ds="http://schemas.openxmlformats.org/officeDocument/2006/customXml" ds:itemID="{6F3545C3-5F61-491F-8C0B-E8C547C38C8F}">
-  <ds:schemaRefs>
-    <ds:schemaRef ds:uri="0accda53-abec-4882-afe9-cc0ba02332f1"/>
-    <ds:schemaRef ds:uri="http://schemas.microsoft.com/office/2006/documentManagement/types"/>
-    <ds:schemaRef ds:uri="http://schemas.openxmlformats.org/package/2006/metadata/core-properties"/>
-    <ds:schemaRef ds:uri="http://purl.org/dc/elements/1.1/"/>
-    <ds:schemaRef ds:uri="http://purl.org/dc/dcmitype/"/>
-    <ds:schemaRef ds:uri="http://schemas.microsoft.com/office/infopath/2007/PartnerControls"/>
-    <ds:schemaRef ds:uri="http://schemas.microsoft.com/office/2006/metadata/properties"/>
-    <ds:schemaRef ds:uri="http://purl.org/dc/terms/"/>
-    <ds:schemaRef ds:uri="0afe7543-80e5-4676-a63d-5a4feeb00470"/>
-    <ds:schemaRef ds:uri="http://www.w3.org/XML/1998/namespace"/>
-  </ds:schemaRefs>
-</ds:datastoreItem>
+<file path=customXml/item2.xml><?xml version="1.0" encoding="utf-8"?>
+<?mso-contentType ?>
+<FormTemplates xmlns="http://schemas.microsoft.com/sharepoint/v3/contenttype/forms">
+  <Display>DocumentLibraryForm</Display>
+  <Edit>DocumentLibraryForm</Edit>
+  <New>DocumentLibraryForm</New>
+</FormTemplates>
 </file>
 
-<file path=customXml/itemProps2.xml><?xml version="1.0" encoding="utf-8"?>
-<ds:datastoreItem xmlns:ds="http://schemas.openxmlformats.org/officeDocument/2006/customXml" ds:itemID="{6819633A-8796-487C-883D-63E82B42CF72}">
-  <ds:schemaRefs>
-    <ds:schemaRef ds:uri="http://schemas.microsoft.com/sharepoint/v3/contenttype/forms"/>
-  </ds:schemaRefs>
-</ds:datastoreItem>
+<file path=customXml/item3.xml><?xml version="1.0" encoding="utf-8"?>
+<p:properties xmlns:p="http://schemas.microsoft.com/office/2006/metadata/properties" xmlns:xsi="http://www.w3.org/2001/XMLSchema-instance" xmlns:pc="http://schemas.microsoft.com/office/infopath/2007/PartnerControls">
+  <documentManagement/>
+</p:properties>
 </file>
 
-<file path=customXml/itemProps3.xml><?xml version="1.0" encoding="utf-8"?>
+<file path=customXml/itemProps1.xml><?xml version="1.0" encoding="utf-8"?>
 <ds:datastoreItem xmlns:ds="http://schemas.openxmlformats.org/officeDocument/2006/customXml" ds:itemID="{303F79D2-090E-4F7A-98FA-DD49FB2CE2B7}">
   <ds:schemaRefs>
     <ds:schemaRef ds:uri="http://schemas.microsoft.com/office/2006/metadata/contentType"/>
@@ -9867,4 +11753,29 @@
     <ds:schemaRef ds:uri="http://schemas.microsoft.com/internal/obd"/>
   </ds:schemaRefs>
 </ds:datastoreItem>
+</file>
+
+<file path=customXml/itemProps2.xml><?xml version="1.0" encoding="utf-8"?>
+<ds:datastoreItem xmlns:ds="http://schemas.openxmlformats.org/officeDocument/2006/customXml" ds:itemID="{6819633A-8796-487C-883D-63E82B42CF72}">
+  <ds:schemaRefs>
+    <ds:schemaRef ds:uri="http://schemas.microsoft.com/sharepoint/v3/contenttype/forms"/>
+  </ds:schemaRefs>
+</ds:datastoreItem>
+</file>
+
+<file path=customXml/itemProps3.xml><?xml version="1.0" encoding="utf-8"?>
+<ds:datastoreItem xmlns:ds="http://schemas.openxmlformats.org/officeDocument/2006/customXml" ds:itemID="{6F3545C3-5F61-491F-8C0B-E8C547C38C8F}">
+  <ds:schemaRefs>
+    <ds:schemaRef ds:uri="0accda53-abec-4882-afe9-cc0ba02332f1"/>
+    <ds:schemaRef ds:uri="http://schemas.microsoft.com/office/2006/documentManagement/types"/>
+    <ds:schemaRef ds:uri="http://schemas.openxmlformats.org/package/2006/metadata/core-properties"/>
+    <ds:schemaRef ds:uri="http://purl.org/dc/elements/1.1/"/>
+    <ds:schemaRef ds:uri="http://purl.org/dc/dcmitype/"/>
+    <ds:schemaRef ds:uri="http://schemas.microsoft.com/office/infopath/2007/PartnerControls"/>
+    <ds:schemaRef ds:uri="http://schemas.microsoft.com/office/2006/metadata/properties"/>
+    <ds:schemaRef ds:uri="http://purl.org/dc/terms/"/>
+    <ds:schemaRef ds:uri="0afe7543-80e5-4676-a63d-5a4feeb00470"/>
+    <ds:schemaRef ds:uri="http://www.w3.org/XML/1998/namespace"/>
+  </ds:schemaRefs>
+</ds:datastoreItem>
 </file>
--- a/data/figures/MIP tech architecture - v1.pptx
+++ b/data/figures/MIP tech architecture - v1.pptx
@@ -8825,15 +8825,15 @@
           </p:cNvPr>
           <p:cNvCxnSpPr>
             <a:cxnSpLocks/>
-            <a:stCxn id="189" idx="2"/>
-            <a:endCxn id="120" idx="0"/>
+            <a:stCxn id="189" idx="3"/>
+            <a:endCxn id="120" idx="1"/>
           </p:cNvCxnSpPr>
           <p:nvPr/>
         </p:nvCxnSpPr>
         <p:spPr>
-          <a:xfrm flipH="1">
-            <a:off x="1652356" y="2160732"/>
-            <a:ext cx="1" cy="125525"/>
+          <a:xfrm>
+            <a:off x="1541665" y="1740285"/>
+            <a:ext cx="287589" cy="563"/>
           </a:xfrm>
           <a:prstGeom prst="straightConnector1">
             <a:avLst/>
@@ -8866,10 +8866,10 @@
       </p:cxnSp>
       <p:sp>
         <p:nvSpPr>
-          <p:cNvPr id="180" name="Rectangle: Rounded Corners 18">
+          <p:cNvPr id="181" name="Rectangle: Rounded Corners 18">
             <a:extLst>
               <a:ext uri="{FF2B5EF4-FFF2-40B4-BE49-F238E27FC236}">
-                <a16:creationId xmlns:a16="http://schemas.microsoft.com/office/drawing/2014/main" id="{A568BE54-2A5A-7440-8156-E6E9FE5857A8}"/>
+                <a16:creationId xmlns:a16="http://schemas.microsoft.com/office/drawing/2014/main" id="{F2844468-DEC5-204F-A57C-84BB3FABB57F}"/>
               </a:ext>
             </a:extLst>
           </p:cNvPr>
@@ -8878,8 +8878,8 @@
         </p:nvSpPr>
         <p:spPr>
           <a:xfrm>
-            <a:off x="1519164" y="3793173"/>
-            <a:ext cx="1527139" cy="223120"/>
+            <a:off x="1829020" y="2656675"/>
+            <a:ext cx="914472" cy="497393"/>
           </a:xfrm>
           <a:prstGeom prst="roundRect">
             <a:avLst>
@@ -8925,17 +8925,17 @@
                 </a:solidFill>
                 <a:latin typeface="Avenir Book" panose="02000503020000020003" pitchFamily="2" charset="0"/>
               </a:rPr>
-              <a:t>Feature engineering</a:t>
-            </a:r>
-          </a:p>
-        </p:txBody>
-      </p:sp>
-      <p:sp>
-        <p:nvSpPr>
-          <p:cNvPr id="181" name="Rectangle: Rounded Corners 18">
+              <a:t>Classify valid pairs with CNN</a:t>
+            </a:r>
+          </a:p>
+        </p:txBody>
+      </p:sp>
+      <p:sp>
+        <p:nvSpPr>
+          <p:cNvPr id="188" name="Rectangle: Rounded Corners 18">
             <a:extLst>
               <a:ext uri="{FF2B5EF4-FFF2-40B4-BE49-F238E27FC236}">
-                <a16:creationId xmlns:a16="http://schemas.microsoft.com/office/drawing/2014/main" id="{F2844468-DEC5-204F-A57C-84BB3FABB57F}"/>
+                <a16:creationId xmlns:a16="http://schemas.microsoft.com/office/drawing/2014/main" id="{6DE59AD6-5B55-FE49-88D3-2CA32211636E}"/>
               </a:ext>
             </a:extLst>
           </p:cNvPr>
@@ -8944,8 +8944,8 @@
         </p:nvSpPr>
         <p:spPr>
           <a:xfrm>
-            <a:off x="934865" y="4174937"/>
-            <a:ext cx="1290968" cy="371868"/>
+            <a:off x="3098232" y="1548463"/>
+            <a:ext cx="968394" cy="378583"/>
           </a:xfrm>
           <a:prstGeom prst="roundRect">
             <a:avLst>
@@ -8985,156 +8985,7 @@
           <a:p>
             <a:pPr algn="ctr"/>
             <a:r>
-              <a:rPr lang="en-GB" sz="900" dirty="0">
-                <a:solidFill>
-                  <a:schemeClr val="tx1"/>
-                </a:solidFill>
-                <a:latin typeface="Avenir Book" panose="02000503020000020003" pitchFamily="2" charset="0"/>
-              </a:rPr>
-              <a:t>Classification model</a:t>
-            </a:r>
-          </a:p>
-          <a:p>
-            <a:pPr algn="ctr"/>
-            <a:r>
-              <a:rPr lang="en-GB" sz="900" dirty="0">
-                <a:solidFill>
-                  <a:schemeClr val="tx1"/>
-                </a:solidFill>
-                <a:latin typeface="Avenir Book" panose="02000503020000020003" pitchFamily="2" charset="0"/>
-              </a:rPr>
-              <a:t>(deep learning)</a:t>
-            </a:r>
-          </a:p>
-        </p:txBody>
-      </p:sp>
-      <p:sp>
-        <p:nvSpPr>
-          <p:cNvPr id="186" name="Rectangle: Rounded Corners 18">
-            <a:extLst>
-              <a:ext uri="{FF2B5EF4-FFF2-40B4-BE49-F238E27FC236}">
-                <a16:creationId xmlns:a16="http://schemas.microsoft.com/office/drawing/2014/main" id="{DCD9A743-B860-0B45-869F-788AA7B69AF0}"/>
-              </a:ext>
-            </a:extLst>
-          </p:cNvPr>
-          <p:cNvSpPr/>
-          <p:nvPr/>
-        </p:nvSpPr>
-        <p:spPr>
-          <a:xfrm>
-            <a:off x="4193257" y="3684990"/>
-            <a:ext cx="1146954" cy="343519"/>
-          </a:xfrm>
-          <a:prstGeom prst="roundRect">
-            <a:avLst>
-              <a:gd name="adj" fmla="val 11232"/>
-            </a:avLst>
-          </a:prstGeom>
-          <a:solidFill>
-            <a:schemeClr val="bg1"/>
-          </a:solidFill>
-          <a:ln w="12700" cap="flat" cmpd="sng" algn="ctr">
-            <a:solidFill>
-              <a:srgbClr val="C00000"/>
-            </a:solidFill>
-            <a:prstDash val="solid"/>
-            <a:round/>
-            <a:headEnd type="none" w="med" len="med"/>
-            <a:tailEnd type="none" w="med" len="med"/>
-          </a:ln>
-        </p:spPr>
-        <p:style>
-          <a:lnRef idx="0">
-            <a:scrgbClr r="0" g="0" b="0"/>
-          </a:lnRef>
-          <a:fillRef idx="0">
-            <a:scrgbClr r="0" g="0" b="0"/>
-          </a:fillRef>
-          <a:effectRef idx="0">
-            <a:scrgbClr r="0" g="0" b="0"/>
-          </a:effectRef>
-          <a:fontRef idx="minor">
-            <a:schemeClr val="accent2"/>
-          </a:fontRef>
-        </p:style>
-        <p:txBody>
-          <a:bodyPr rot="0" spcFirstLastPara="0" vertOverflow="overflow" horzOverflow="overflow" vert="horz" wrap="square" lIns="91440" tIns="45720" rIns="91440" bIns="45720" numCol="1" spcCol="0" rtlCol="0" fromWordArt="0" anchor="ctr" anchorCtr="0" forceAA="0" compatLnSpc="1">
-            <a:prstTxWarp prst="textNoShape">
-              <a:avLst/>
-            </a:prstTxWarp>
-            <a:noAutofit/>
-          </a:bodyPr>
-          <a:lstStyle/>
-          <a:p>
-            <a:pPr algn="ctr"/>
-            <a:r>
-              <a:rPr lang="en-GB" sz="1000" dirty="0">
-                <a:solidFill>
-                  <a:schemeClr val="tx1"/>
-                </a:solidFill>
-                <a:latin typeface="Avenir Book" panose="02000503020000020003" pitchFamily="2" charset="0"/>
-              </a:rPr>
-              <a:t>Official websites</a:t>
-            </a:r>
-          </a:p>
-        </p:txBody>
-      </p:sp>
-      <p:sp>
-        <p:nvSpPr>
-          <p:cNvPr id="188" name="Rectangle: Rounded Corners 18">
-            <a:extLst>
-              <a:ext uri="{FF2B5EF4-FFF2-40B4-BE49-F238E27FC236}">
-                <a16:creationId xmlns:a16="http://schemas.microsoft.com/office/drawing/2014/main" id="{6DE59AD6-5B55-FE49-88D3-2CA32211636E}"/>
-              </a:ext>
-            </a:extLst>
-          </p:cNvPr>
-          <p:cNvSpPr/>
-          <p:nvPr/>
-        </p:nvSpPr>
-        <p:spPr>
-          <a:xfrm>
-            <a:off x="1155239" y="2700289"/>
-            <a:ext cx="994234" cy="497394"/>
-          </a:xfrm>
-          <a:prstGeom prst="roundRect">
-            <a:avLst>
-              <a:gd name="adj" fmla="val 11232"/>
-            </a:avLst>
-          </a:prstGeom>
-          <a:solidFill>
-            <a:schemeClr val="bg1"/>
-          </a:solidFill>
-          <a:ln w="12700" cap="flat" cmpd="sng" algn="ctr">
-            <a:solidFill>
-              <a:srgbClr val="92D050"/>
-            </a:solidFill>
-            <a:prstDash val="solid"/>
-            <a:round/>
-            <a:headEnd type="none" w="med" len="med"/>
-            <a:tailEnd type="none" w="med" len="med"/>
-          </a:ln>
-        </p:spPr>
-        <p:style>
-          <a:lnRef idx="0">
-            <a:scrgbClr r="0" g="0" b="0"/>
-          </a:lnRef>
-          <a:fillRef idx="0">
-            <a:scrgbClr r="0" g="0" b="0"/>
-          </a:fillRef>
-          <a:effectRef idx="0">
-            <a:scrgbClr r="0" g="0" b="0"/>
-          </a:effectRef>
-          <a:fontRef idx="minor">
-            <a:schemeClr val="accent2"/>
-          </a:fontRef>
-        </p:style>
-        <p:txBody>
-          <a:bodyPr rtlCol="0" anchor="ctr"/>
-          <a:lstStyle/>
-          <a:p>
-            <a:pPr algn="ctr"/>
-            <a:r>
-              <a:rPr lang="en-GB" sz="900" dirty="0">
+              <a:rPr lang="en-GB" sz="750" dirty="0">
                 <a:solidFill>
                   <a:schemeClr val="tx1"/>
                 </a:solidFill>
@@ -9159,8 +9010,8 @@
         </p:nvSpPr>
         <p:spPr>
           <a:xfrm>
-            <a:off x="1078881" y="1788864"/>
-            <a:ext cx="1146952" cy="371868"/>
+            <a:off x="481798" y="1554351"/>
+            <a:ext cx="1059867" cy="371868"/>
           </a:xfrm>
           <a:prstGeom prst="roundRect">
             <a:avLst>
@@ -9230,59 +9081,9 @@
           <p:nvPr/>
         </p:nvCxnSpPr>
         <p:spPr>
-          <a:xfrm>
-            <a:off x="2282734" y="3668115"/>
-            <a:ext cx="0" cy="125058"/>
-          </a:xfrm>
-          <a:prstGeom prst="straightConnector1">
-            <a:avLst/>
-          </a:prstGeom>
-          <a:ln w="12700">
-            <a:solidFill>
-              <a:schemeClr val="tx1">
-                <a:lumMod val="50000"/>
-                <a:lumOff val="50000"/>
-              </a:schemeClr>
-            </a:solidFill>
-            <a:headEnd type="none" w="med" len="med"/>
-            <a:tailEnd type="triangle" w="med" len="med"/>
-          </a:ln>
-        </p:spPr>
-        <p:style>
-          <a:lnRef idx="1">
-            <a:schemeClr val="accent1"/>
-          </a:lnRef>
-          <a:fillRef idx="0">
-            <a:schemeClr val="accent1"/>
-          </a:fillRef>
-          <a:effectRef idx="0">
-            <a:schemeClr val="accent1"/>
-          </a:effectRef>
-          <a:fontRef idx="minor">
-            <a:schemeClr val="tx1"/>
-          </a:fontRef>
-        </p:style>
-      </p:cxnSp>
-      <p:cxnSp>
-        <p:nvCxnSpPr>
-          <p:cNvPr id="204" name="Straight Arrow Connector 203">
-            <a:extLst>
-              <a:ext uri="{FF2B5EF4-FFF2-40B4-BE49-F238E27FC236}">
-                <a16:creationId xmlns:a16="http://schemas.microsoft.com/office/drawing/2014/main" id="{9C27327B-4E18-134B-A4D9-A982FE4CEECC}"/>
-              </a:ext>
-            </a:extLst>
-          </p:cNvPr>
-          <p:cNvCxnSpPr>
-            <a:cxnSpLocks/>
-            <a:stCxn id="180" idx="2"/>
-            <a:endCxn id="181" idx="0"/>
-          </p:cNvCxnSpPr>
-          <p:nvPr/>
-        </p:nvCxnSpPr>
-        <p:spPr>
           <a:xfrm flipH="1">
-            <a:off x="1580349" y="4016293"/>
-            <a:ext cx="702385" cy="158644"/>
+            <a:off x="5049284" y="1928463"/>
+            <a:ext cx="4289" cy="189292"/>
           </a:xfrm>
           <a:prstGeom prst="straightConnector1">
             <a:avLst/>
@@ -9324,15 +9125,15 @@
           </p:cNvPr>
           <p:cNvCxnSpPr>
             <a:cxnSpLocks/>
-            <a:stCxn id="219" idx="1"/>
+            <a:stCxn id="212" idx="1"/>
             <a:endCxn id="181" idx="3"/>
           </p:cNvCxnSpPr>
           <p:nvPr/>
         </p:nvCxnSpPr>
         <p:spPr>
-          <a:xfrm flipH="1">
-            <a:off x="2225833" y="4354979"/>
-            <a:ext cx="281171" cy="5892"/>
+          <a:xfrm flipH="1" flipV="1">
+            <a:off x="2743492" y="2905372"/>
+            <a:ext cx="195220" cy="4217"/>
           </a:xfrm>
           <a:prstGeom prst="straightConnector1">
             <a:avLst/>
@@ -9377,8 +9178,8 @@
         </p:nvSpPr>
         <p:spPr>
           <a:xfrm>
-            <a:off x="2507004" y="4169045"/>
-            <a:ext cx="1146954" cy="371868"/>
+            <a:off x="4255003" y="2656675"/>
+            <a:ext cx="1000342" cy="497394"/>
           </a:xfrm>
           <a:prstGeom prst="roundRect">
             <a:avLst>
@@ -9426,176 +9227,11 @@
                 </a:solidFill>
                 <a:latin typeface="Avenir Book" panose="02000503020000020003" pitchFamily="2" charset="0"/>
               </a:rPr>
-              <a:t>XXXX sample (train/test)</a:t>
-            </a:r>
-          </a:p>
-        </p:txBody>
-      </p:sp>
-      <p:sp>
-        <p:nvSpPr>
-          <p:cNvPr id="229" name="Rectangle: Rounded Corners 18">
-            <a:extLst>
-              <a:ext uri="{FF2B5EF4-FFF2-40B4-BE49-F238E27FC236}">
-                <a16:creationId xmlns:a16="http://schemas.microsoft.com/office/drawing/2014/main" id="{65B25C52-5A5F-E840-85A1-1A8851DE62BA}"/>
-              </a:ext>
-            </a:extLst>
-          </p:cNvPr>
-          <p:cNvSpPr/>
-          <p:nvPr/>
-        </p:nvSpPr>
-        <p:spPr>
-          <a:xfrm>
-            <a:off x="4193257" y="4182793"/>
-            <a:ext cx="1146954" cy="291189"/>
-          </a:xfrm>
-          <a:prstGeom prst="roundRect">
-            <a:avLst>
-              <a:gd name="adj" fmla="val 11232"/>
-            </a:avLst>
-          </a:prstGeom>
-          <a:solidFill>
-            <a:schemeClr val="bg1"/>
-          </a:solidFill>
-          <a:ln w="12700" cap="flat" cmpd="sng" algn="ctr">
-            <a:solidFill>
-              <a:srgbClr val="92D050"/>
-            </a:solidFill>
-            <a:prstDash val="solid"/>
-            <a:round/>
-            <a:headEnd type="none" w="med" len="med"/>
-            <a:tailEnd type="none" w="med" len="med"/>
-          </a:ln>
-        </p:spPr>
-        <p:style>
-          <a:lnRef idx="0">
-            <a:scrgbClr r="0" g="0" b="0"/>
-          </a:lnRef>
-          <a:fillRef idx="0">
-            <a:scrgbClr r="0" g="0" b="0"/>
-          </a:fillRef>
-          <a:effectRef idx="0">
-            <a:scrgbClr r="0" g="0" b="0"/>
-          </a:effectRef>
-          <a:fontRef idx="minor">
-            <a:schemeClr val="accent2"/>
-          </a:fontRef>
-        </p:style>
-        <p:txBody>
-          <a:bodyPr rtlCol="0" anchor="ctr"/>
-          <a:lstStyle/>
-          <a:p>
-            <a:pPr algn="ctr"/>
-            <a:r>
-              <a:rPr lang="en-GB" sz="900" dirty="0">
-                <a:solidFill>
-                  <a:schemeClr val="tx1"/>
-                </a:solidFill>
-                <a:latin typeface="Avenir Book" panose="02000503020000020003" pitchFamily="2" charset="0"/>
-              </a:rPr>
-              <a:t>Manual corrections</a:t>
-            </a:r>
-          </a:p>
-        </p:txBody>
-      </p:sp>
-      <p:cxnSp>
-        <p:nvCxnSpPr>
-          <p:cNvPr id="233" name="Straight Arrow Connector 232">
-            <a:extLst>
-              <a:ext uri="{FF2B5EF4-FFF2-40B4-BE49-F238E27FC236}">
-                <a16:creationId xmlns:a16="http://schemas.microsoft.com/office/drawing/2014/main" id="{645D1892-21E9-B74F-A4E0-2C438B8FF395}"/>
-              </a:ext>
-            </a:extLst>
-          </p:cNvPr>
-          <p:cNvCxnSpPr>
-            <a:cxnSpLocks/>
-            <a:endCxn id="229" idx="2"/>
-          </p:cNvCxnSpPr>
-          <p:nvPr/>
-        </p:nvCxnSpPr>
-        <p:spPr>
-          <a:xfrm flipH="1" flipV="1">
-            <a:off x="4766734" y="4473982"/>
-            <a:ext cx="34178" cy="323317"/>
-          </a:xfrm>
-          <a:prstGeom prst="straightConnector1">
-            <a:avLst/>
-          </a:prstGeom>
-          <a:ln w="12700">
-            <a:solidFill>
-              <a:schemeClr val="tx1">
-                <a:lumMod val="50000"/>
-                <a:lumOff val="50000"/>
-              </a:schemeClr>
-            </a:solidFill>
-            <a:headEnd type="none" w="med" len="med"/>
-            <a:tailEnd type="triangle" w="med" len="med"/>
-          </a:ln>
-        </p:spPr>
-        <p:style>
-          <a:lnRef idx="1">
-            <a:schemeClr val="accent1"/>
-          </a:lnRef>
-          <a:fillRef idx="0">
-            <a:schemeClr val="accent1"/>
-          </a:fillRef>
-          <a:effectRef idx="0">
-            <a:schemeClr val="accent1"/>
-          </a:effectRef>
-          <a:fontRef idx="minor">
-            <a:schemeClr val="tx1"/>
-          </a:fontRef>
-        </p:style>
-      </p:cxnSp>
-      <p:cxnSp>
-        <p:nvCxnSpPr>
-          <p:cNvPr id="251" name="Straight Arrow Connector 250">
-            <a:extLst>
-              <a:ext uri="{FF2B5EF4-FFF2-40B4-BE49-F238E27FC236}">
-                <a16:creationId xmlns:a16="http://schemas.microsoft.com/office/drawing/2014/main" id="{222A12FD-BC4A-8145-94E6-B84DA67D7AE6}"/>
-              </a:ext>
-            </a:extLst>
-          </p:cNvPr>
-          <p:cNvCxnSpPr>
-            <a:cxnSpLocks/>
-            <a:stCxn id="229" idx="0"/>
-            <a:endCxn id="186" idx="2"/>
-          </p:cNvCxnSpPr>
-          <p:nvPr/>
-        </p:nvCxnSpPr>
-        <p:spPr>
-          <a:xfrm flipV="1">
-            <a:off x="4766734" y="4028509"/>
-            <a:ext cx="0" cy="154284"/>
-          </a:xfrm>
-          <a:prstGeom prst="straightConnector1">
-            <a:avLst/>
-          </a:prstGeom>
-          <a:ln w="12700">
-            <a:solidFill>
-              <a:schemeClr val="tx1">
-                <a:lumMod val="50000"/>
-                <a:lumOff val="50000"/>
-              </a:schemeClr>
-            </a:solidFill>
-            <a:headEnd type="none" w="med" len="med"/>
-            <a:tailEnd type="triangle" w="med" len="med"/>
-          </a:ln>
-        </p:spPr>
-        <p:style>
-          <a:lnRef idx="1">
-            <a:schemeClr val="accent1"/>
-          </a:lnRef>
-          <a:fillRef idx="0">
-            <a:schemeClr val="accent1"/>
-          </a:fillRef>
-          <a:effectRef idx="0">
-            <a:schemeClr val="accent1"/>
-          </a:effectRef>
-          <a:fontRef idx="minor">
-            <a:schemeClr val="tx1"/>
-          </a:fontRef>
-        </p:style>
-      </p:cxnSp>
+              <a:t>700 annotated pairs (train/test)</a:t>
+            </a:r>
+          </a:p>
+        </p:txBody>
+      </p:sp>
       <p:grpSp>
         <p:nvGrpSpPr>
           <p:cNvPr id="307" name="Group 306">
@@ -9610,10 +9246,10 @@
         </p:nvGrpSpPr>
         <p:grpSpPr>
           <a:xfrm>
-            <a:off x="3240488" y="3267726"/>
-            <a:ext cx="1276066" cy="861774"/>
-            <a:chOff x="7443735" y="4613874"/>
-            <a:chExt cx="1276066" cy="861774"/>
+            <a:off x="5327353" y="2532950"/>
+            <a:ext cx="1080519" cy="769441"/>
+            <a:chOff x="7443735" y="4571541"/>
+            <a:chExt cx="1271853" cy="931083"/>
           </a:xfrm>
         </p:grpSpPr>
         <p:grpSp>
@@ -9630,10 +9266,10 @@
           </p:nvGrpSpPr>
           <p:grpSpPr>
             <a:xfrm>
-              <a:off x="7443735" y="4613874"/>
-              <a:ext cx="1276066" cy="861774"/>
-              <a:chOff x="9370658" y="4961495"/>
-              <a:chExt cx="1276066" cy="861774"/>
+              <a:off x="7443735" y="4571541"/>
+              <a:ext cx="1271853" cy="931083"/>
+              <a:chOff x="9370658" y="4919162"/>
+              <a:chExt cx="1271853" cy="931083"/>
             </a:xfrm>
           </p:grpSpPr>
           <p:sp>
@@ -9650,8 +9286,8 @@
             </p:nvSpPr>
             <p:spPr>
               <a:xfrm>
-                <a:off x="9422631" y="4961495"/>
-                <a:ext cx="1224093" cy="861774"/>
+                <a:off x="9418418" y="4919162"/>
+                <a:ext cx="1224093" cy="931083"/>
               </a:xfrm>
               <a:prstGeom prst="rect">
                 <a:avLst/>
@@ -9669,7 +9305,7 @@
               </a:p>
               <a:p>
                 <a:r>
-                  <a:rPr lang="en-GB" sz="1000" dirty="0">
+                  <a:rPr lang="en-GB" sz="800" dirty="0">
                     <a:latin typeface="Avenir Book" panose="02000503020000020003" pitchFamily="2" charset="0"/>
                   </a:rPr>
                   <a:t>dataset</a:t>
@@ -9677,7 +9313,7 @@
               </a:p>
               <a:p>
                 <a:r>
-                  <a:rPr lang="en-GB" sz="1000" dirty="0">
+                  <a:rPr lang="en-GB" sz="800" dirty="0">
                     <a:latin typeface="Avenir Book" panose="02000503020000020003" pitchFamily="2" charset="0"/>
                   </a:rPr>
                   <a:t>process</a:t>
@@ -9685,7 +9321,7 @@
               </a:p>
               <a:p>
                 <a:r>
-                  <a:rPr lang="en-GB" sz="1000" dirty="0">
+                  <a:rPr lang="en-GB" sz="800" dirty="0">
                     <a:latin typeface="Avenir Book" panose="02000503020000020003" pitchFamily="2" charset="0"/>
                   </a:rPr>
                   <a:t>output</a:t>
@@ -9873,7 +9509,7 @@
         </p:nvSpPr>
         <p:spPr>
           <a:xfrm>
-            <a:off x="2388724" y="1385361"/>
+            <a:off x="2114895" y="1196396"/>
             <a:ext cx="2132251" cy="246221"/>
           </a:xfrm>
           <a:prstGeom prst="rect">
@@ -9909,8 +9545,8 @@
         </p:nvSpPr>
         <p:spPr>
           <a:xfrm>
-            <a:off x="2372039" y="1784201"/>
-            <a:ext cx="1146952" cy="371868"/>
+            <a:off x="481798" y="2124210"/>
+            <a:ext cx="1059867" cy="371868"/>
           </a:xfrm>
           <a:prstGeom prst="roundRect">
             <a:avLst>
@@ -9977,8 +9613,8 @@
         </p:nvSpPr>
         <p:spPr>
           <a:xfrm>
-            <a:off x="2448396" y="2700289"/>
-            <a:ext cx="994235" cy="497394"/>
+            <a:off x="3098232" y="2121946"/>
+            <a:ext cx="968393" cy="371868"/>
           </a:xfrm>
           <a:prstGeom prst="roundRect">
             <a:avLst>
@@ -10018,7 +9654,7 @@
           <a:p>
             <a:pPr algn="ctr"/>
             <a:r>
-              <a:rPr lang="en-GB" sz="900" dirty="0">
+              <a:rPr lang="en-GB" sz="750" dirty="0">
                 <a:solidFill>
                   <a:schemeClr val="tx1"/>
                 </a:solidFill>
@@ -10040,15 +9676,15 @@
           </p:cNvPr>
           <p:cNvCxnSpPr>
             <a:cxnSpLocks/>
-            <a:stCxn id="91" idx="2"/>
-            <a:endCxn id="98" idx="0"/>
+            <a:stCxn id="91" idx="3"/>
+            <a:endCxn id="98" idx="1"/>
           </p:cNvCxnSpPr>
           <p:nvPr/>
         </p:nvCxnSpPr>
         <p:spPr>
-          <a:xfrm flipH="1">
-            <a:off x="2945514" y="2156069"/>
-            <a:ext cx="1" cy="130189"/>
+          <a:xfrm>
+            <a:off x="1541665" y="2310144"/>
+            <a:ext cx="287356" cy="2916"/>
           </a:xfrm>
           <a:prstGeom prst="straightConnector1">
             <a:avLst/>
@@ -10093,8 +9729,8 @@
         </p:nvSpPr>
         <p:spPr>
           <a:xfrm>
-            <a:off x="2372037" y="2286258"/>
-            <a:ext cx="1146954" cy="291189"/>
+            <a:off x="1829021" y="2134840"/>
+            <a:ext cx="914472" cy="356440"/>
           </a:xfrm>
           <a:prstGeom prst="roundRect">
             <a:avLst>
@@ -10156,15 +9792,15 @@
           </p:cNvPr>
           <p:cNvCxnSpPr>
             <a:cxnSpLocks/>
-            <a:stCxn id="98" idx="2"/>
-            <a:endCxn id="92" idx="0"/>
+            <a:stCxn id="98" idx="3"/>
+            <a:endCxn id="92" idx="1"/>
           </p:cNvCxnSpPr>
           <p:nvPr/>
         </p:nvCxnSpPr>
         <p:spPr>
-          <a:xfrm>
-            <a:off x="2945514" y="2577447"/>
-            <a:ext cx="0" cy="122842"/>
+          <a:xfrm flipV="1">
+            <a:off x="2743493" y="2307880"/>
+            <a:ext cx="354739" cy="5180"/>
           </a:xfrm>
           <a:prstGeom prst="straightConnector1">
             <a:avLst/>
@@ -10209,8 +9845,8 @@
         </p:nvSpPr>
         <p:spPr>
           <a:xfrm>
-            <a:off x="1519164" y="3380382"/>
-            <a:ext cx="1527139" cy="287733"/>
+            <a:off x="4275737" y="1556596"/>
+            <a:ext cx="1555672" cy="371867"/>
           </a:xfrm>
           <a:prstGeom prst="roundRect">
             <a:avLst>
@@ -10262,56 +9898,6 @@
           </a:p>
         </p:txBody>
       </p:sp>
-      <p:cxnSp>
-        <p:nvCxnSpPr>
-          <p:cNvPr id="115" name="Straight Arrow Connector 114">
-            <a:extLst>
-              <a:ext uri="{FF2B5EF4-FFF2-40B4-BE49-F238E27FC236}">
-                <a16:creationId xmlns:a16="http://schemas.microsoft.com/office/drawing/2014/main" id="{183B2484-CB74-9342-92F8-83A66335056F}"/>
-              </a:ext>
-            </a:extLst>
-          </p:cNvPr>
-          <p:cNvCxnSpPr>
-            <a:cxnSpLocks/>
-            <a:stCxn id="92" idx="2"/>
-            <a:endCxn id="112" idx="0"/>
-          </p:cNvCxnSpPr>
-          <p:nvPr/>
-        </p:nvCxnSpPr>
-        <p:spPr>
-          <a:xfrm flipH="1">
-            <a:off x="2282734" y="3197683"/>
-            <a:ext cx="662780" cy="182699"/>
-          </a:xfrm>
-          <a:prstGeom prst="straightConnector1">
-            <a:avLst/>
-          </a:prstGeom>
-          <a:ln w="12700">
-            <a:solidFill>
-              <a:schemeClr val="tx1">
-                <a:lumMod val="50000"/>
-                <a:lumOff val="50000"/>
-              </a:schemeClr>
-            </a:solidFill>
-            <a:headEnd type="none" w="med" len="med"/>
-            <a:tailEnd type="triangle" w="med" len="med"/>
-          </a:ln>
-        </p:spPr>
-        <p:style>
-          <a:lnRef idx="1">
-            <a:schemeClr val="accent1"/>
-          </a:lnRef>
-          <a:fillRef idx="0">
-            <a:schemeClr val="accent1"/>
-          </a:fillRef>
-          <a:effectRef idx="0">
-            <a:schemeClr val="accent1"/>
-          </a:effectRef>
-          <a:fontRef idx="minor">
-            <a:schemeClr val="tx1"/>
-          </a:fontRef>
-        </p:style>
-      </p:cxnSp>
       <p:sp>
         <p:nvSpPr>
           <p:cNvPr id="120" name="Rectangle: Rounded Corners 18">
@@ -10326,8 +9912,8 @@
         </p:nvSpPr>
         <p:spPr>
           <a:xfrm>
-            <a:off x="1078879" y="2286257"/>
-            <a:ext cx="1146954" cy="287733"/>
+            <a:off x="1829254" y="1554914"/>
+            <a:ext cx="1059867" cy="371867"/>
           </a:xfrm>
           <a:prstGeom prst="roundRect">
             <a:avLst>
@@ -10389,15 +9975,15 @@
           </p:cNvPr>
           <p:cNvCxnSpPr>
             <a:cxnSpLocks/>
-            <a:stCxn id="120" idx="2"/>
-            <a:endCxn id="188" idx="0"/>
+            <a:stCxn id="120" idx="3"/>
+            <a:endCxn id="188" idx="1"/>
           </p:cNvCxnSpPr>
           <p:nvPr/>
         </p:nvCxnSpPr>
         <p:spPr>
-          <a:xfrm>
-            <a:off x="1652356" y="2573990"/>
-            <a:ext cx="0" cy="126299"/>
+          <a:xfrm flipV="1">
+            <a:off x="2889121" y="1737755"/>
+            <a:ext cx="209111" cy="3093"/>
           </a:xfrm>
           <a:prstGeom prst="straightConnector1">
             <a:avLst/>
@@ -10428,56 +10014,6 @@
           </a:fontRef>
         </p:style>
       </p:cxnSp>
-      <p:cxnSp>
-        <p:nvCxnSpPr>
-          <p:cNvPr id="47" name="Straight Arrow Connector 46">
-            <a:extLst>
-              <a:ext uri="{FF2B5EF4-FFF2-40B4-BE49-F238E27FC236}">
-                <a16:creationId xmlns:a16="http://schemas.microsoft.com/office/drawing/2014/main" id="{D13B02CC-202C-704C-BD76-12E468734B8F}"/>
-              </a:ext>
-            </a:extLst>
-          </p:cNvPr>
-          <p:cNvCxnSpPr>
-            <a:cxnSpLocks/>
-            <a:stCxn id="188" idx="2"/>
-            <a:endCxn id="112" idx="0"/>
-          </p:cNvCxnSpPr>
-          <p:nvPr/>
-        </p:nvCxnSpPr>
-        <p:spPr>
-          <a:xfrm>
-            <a:off x="1652356" y="3197683"/>
-            <a:ext cx="630378" cy="182699"/>
-          </a:xfrm>
-          <a:prstGeom prst="straightConnector1">
-            <a:avLst/>
-          </a:prstGeom>
-          <a:ln w="12700">
-            <a:solidFill>
-              <a:schemeClr val="tx1">
-                <a:lumMod val="50000"/>
-                <a:lumOff val="50000"/>
-              </a:schemeClr>
-            </a:solidFill>
-            <a:headEnd type="none" w="med" len="med"/>
-            <a:tailEnd type="triangle" w="med" len="med"/>
-          </a:ln>
-        </p:spPr>
-        <p:style>
-          <a:lnRef idx="1">
-            <a:schemeClr val="accent1"/>
-          </a:lnRef>
-          <a:fillRef idx="0">
-            <a:schemeClr val="accent1"/>
-          </a:fillRef>
-          <a:effectRef idx="0">
-            <a:schemeClr val="accent1"/>
-          </a:effectRef>
-          <a:fontRef idx="minor">
-            <a:schemeClr val="tx1"/>
-          </a:fontRef>
-        </p:style>
-      </p:cxnSp>
       <p:sp>
         <p:nvSpPr>
           <p:cNvPr id="185" name="Rectangle: Rounded Corners 18">
@@ -10492,8 +10028,8 @@
         </p:nvSpPr>
         <p:spPr>
           <a:xfrm>
-            <a:off x="1002519" y="4688753"/>
-            <a:ext cx="1146954" cy="497393"/>
+            <a:off x="481798" y="2656675"/>
+            <a:ext cx="1059868" cy="497393"/>
           </a:xfrm>
           <a:prstGeom prst="roundRect">
             <a:avLst>
@@ -10544,7 +10080,7 @@
                 </a:solidFill>
                 <a:latin typeface="Avenir Book" panose="02000503020000020003" pitchFamily="2" charset="0"/>
               </a:rPr>
-              <a:t>Indicators in Museum website corpus</a:t>
+              <a:t>Indicators in museum website corpus</a:t>
             </a:r>
           </a:p>
         </p:txBody>
@@ -10560,15 +10096,15 @@
           </p:cNvPr>
           <p:cNvCxnSpPr>
             <a:cxnSpLocks/>
-            <a:stCxn id="181" idx="2"/>
-            <a:endCxn id="185" idx="0"/>
+            <a:stCxn id="181" idx="1"/>
+            <a:endCxn id="185" idx="3"/>
           </p:cNvCxnSpPr>
           <p:nvPr/>
         </p:nvCxnSpPr>
         <p:spPr>
           <a:xfrm flipH="1">
-            <a:off x="1575996" y="4546805"/>
-            <a:ext cx="4353" cy="141948"/>
+            <a:off x="1541666" y="2905372"/>
+            <a:ext cx="287354" cy="0"/>
           </a:xfrm>
           <a:prstGeom prst="straightConnector1">
             <a:avLst/>
@@ -10599,6 +10135,384 @@
           </a:fontRef>
         </p:style>
       </p:cxnSp>
+      <p:sp>
+        <p:nvSpPr>
+          <p:cNvPr id="212" name="Rectangle: Rounded Corners 18">
+            <a:extLst>
+              <a:ext uri="{FF2B5EF4-FFF2-40B4-BE49-F238E27FC236}">
+                <a16:creationId xmlns:a16="http://schemas.microsoft.com/office/drawing/2014/main" id="{9F59E20B-2D71-0F4B-9889-CB2FF92798B9}"/>
+              </a:ext>
+            </a:extLst>
+          </p:cNvPr>
+          <p:cNvSpPr/>
+          <p:nvPr/>
+        </p:nvSpPr>
+        <p:spPr>
+          <a:xfrm>
+            <a:off x="2938712" y="2647766"/>
+            <a:ext cx="1127913" cy="523646"/>
+          </a:xfrm>
+          <a:prstGeom prst="roundRect">
+            <a:avLst>
+              <a:gd name="adj" fmla="val 11232"/>
+            </a:avLst>
+          </a:prstGeom>
+          <a:solidFill>
+            <a:schemeClr val="bg1"/>
+          </a:solidFill>
+          <a:ln w="12700" cap="flat" cmpd="sng" algn="ctr">
+            <a:solidFill>
+              <a:srgbClr val="92D050"/>
+            </a:solidFill>
+            <a:prstDash val="solid"/>
+            <a:round/>
+            <a:headEnd type="none" w="med" len="med"/>
+            <a:tailEnd type="none" w="med" len="med"/>
+          </a:ln>
+        </p:spPr>
+        <p:style>
+          <a:lnRef idx="0">
+            <a:scrgbClr r="0" g="0" b="0"/>
+          </a:lnRef>
+          <a:fillRef idx="0">
+            <a:scrgbClr r="0" g="0" b="0"/>
+          </a:fillRef>
+          <a:effectRef idx="0">
+            <a:scrgbClr r="0" g="0" b="0"/>
+          </a:effectRef>
+          <a:fontRef idx="minor">
+            <a:schemeClr val="accent2"/>
+          </a:fontRef>
+        </p:style>
+        <p:txBody>
+          <a:bodyPr rtlCol="0" anchor="ctr"/>
+          <a:lstStyle/>
+          <a:p>
+            <a:pPr algn="ctr"/>
+            <a:r>
+              <a:rPr lang="en-GB" sz="900" dirty="0">
+                <a:solidFill>
+                  <a:schemeClr val="tx1"/>
+                </a:solidFill>
+                <a:latin typeface="Avenir Book" panose="02000503020000020003" pitchFamily="2" charset="0"/>
+              </a:rPr>
+              <a:t>Model selection</a:t>
+            </a:r>
+          </a:p>
+          <a:p>
+            <a:pPr algn="ctr"/>
+            <a:r>
+              <a:rPr lang="en-GB" sz="800" i="1" dirty="0">
+                <a:solidFill>
+                  <a:schemeClr val="tx1"/>
+                </a:solidFill>
+                <a:latin typeface="Avenir Book" panose="02000503020000020003" pitchFamily="2" charset="0"/>
+              </a:rPr>
+              <a:t>(training, test, and </a:t>
+            </a:r>
+          </a:p>
+          <a:p>
+            <a:pPr algn="ctr"/>
+            <a:r>
+              <a:rPr lang="en-GB" sz="800" i="1" dirty="0">
+                <a:solidFill>
+                  <a:schemeClr val="tx1"/>
+                </a:solidFill>
+                <a:latin typeface="Avenir Book" panose="02000503020000020003" pitchFamily="2" charset="0"/>
+              </a:rPr>
+              <a:t>tuning of classifiers)</a:t>
+            </a:r>
+          </a:p>
+        </p:txBody>
+      </p:sp>
+      <p:cxnSp>
+        <p:nvCxnSpPr>
+          <p:cNvPr id="232" name="Straight Arrow Connector 231">
+            <a:extLst>
+              <a:ext uri="{FF2B5EF4-FFF2-40B4-BE49-F238E27FC236}">
+                <a16:creationId xmlns:a16="http://schemas.microsoft.com/office/drawing/2014/main" id="{DCE7F7A6-1610-4943-8CF3-7DAEBBCBAB0F}"/>
+              </a:ext>
+            </a:extLst>
+          </p:cNvPr>
+          <p:cNvCxnSpPr>
+            <a:cxnSpLocks/>
+            <a:stCxn id="219" idx="1"/>
+            <a:endCxn id="212" idx="3"/>
+          </p:cNvCxnSpPr>
+          <p:nvPr/>
+        </p:nvCxnSpPr>
+        <p:spPr>
+          <a:xfrm flipH="1">
+            <a:off x="4066625" y="2905372"/>
+            <a:ext cx="188378" cy="4217"/>
+          </a:xfrm>
+          <a:prstGeom prst="straightConnector1">
+            <a:avLst/>
+          </a:prstGeom>
+          <a:ln w="12700">
+            <a:solidFill>
+              <a:schemeClr val="tx1">
+                <a:lumMod val="50000"/>
+                <a:lumOff val="50000"/>
+              </a:schemeClr>
+            </a:solidFill>
+            <a:headEnd type="none" w="med" len="med"/>
+            <a:tailEnd type="triangle" w="med" len="med"/>
+          </a:ln>
+        </p:spPr>
+        <p:style>
+          <a:lnRef idx="1">
+            <a:schemeClr val="accent1"/>
+          </a:lnRef>
+          <a:fillRef idx="0">
+            <a:schemeClr val="accent1"/>
+          </a:fillRef>
+          <a:effectRef idx="0">
+            <a:schemeClr val="accent1"/>
+          </a:effectRef>
+          <a:fontRef idx="minor">
+            <a:schemeClr val="tx1"/>
+          </a:fontRef>
+        </p:style>
+      </p:cxnSp>
+      <p:cxnSp>
+        <p:nvCxnSpPr>
+          <p:cNvPr id="299" name="Straight Arrow Connector 298">
+            <a:extLst>
+              <a:ext uri="{FF2B5EF4-FFF2-40B4-BE49-F238E27FC236}">
+                <a16:creationId xmlns:a16="http://schemas.microsoft.com/office/drawing/2014/main" id="{AD0014A7-2B24-4D43-923B-ACD5044B8BE1}"/>
+              </a:ext>
+            </a:extLst>
+          </p:cNvPr>
+          <p:cNvCxnSpPr>
+            <a:cxnSpLocks/>
+            <a:stCxn id="92" idx="3"/>
+            <a:endCxn id="112" idx="1"/>
+          </p:cNvCxnSpPr>
+          <p:nvPr/>
+        </p:nvCxnSpPr>
+        <p:spPr>
+          <a:xfrm flipV="1">
+            <a:off x="4066625" y="1742530"/>
+            <a:ext cx="209112" cy="565350"/>
+          </a:xfrm>
+          <a:prstGeom prst="straightConnector1">
+            <a:avLst/>
+          </a:prstGeom>
+          <a:ln w="12700">
+            <a:solidFill>
+              <a:schemeClr val="tx1">
+                <a:lumMod val="50000"/>
+                <a:lumOff val="50000"/>
+              </a:schemeClr>
+            </a:solidFill>
+            <a:headEnd type="none" w="med" len="med"/>
+            <a:tailEnd type="triangle" w="med" len="med"/>
+          </a:ln>
+        </p:spPr>
+        <p:style>
+          <a:lnRef idx="1">
+            <a:schemeClr val="accent1"/>
+          </a:lnRef>
+          <a:fillRef idx="0">
+            <a:schemeClr val="accent1"/>
+          </a:fillRef>
+          <a:effectRef idx="0">
+            <a:schemeClr val="accent1"/>
+          </a:effectRef>
+          <a:fontRef idx="minor">
+            <a:schemeClr val="tx1"/>
+          </a:fontRef>
+        </p:style>
+      </p:cxnSp>
+      <p:cxnSp>
+        <p:nvCxnSpPr>
+          <p:cNvPr id="302" name="Straight Arrow Connector 301">
+            <a:extLst>
+              <a:ext uri="{FF2B5EF4-FFF2-40B4-BE49-F238E27FC236}">
+                <a16:creationId xmlns:a16="http://schemas.microsoft.com/office/drawing/2014/main" id="{66EF0370-57B4-9745-B6A2-169497CB457B}"/>
+              </a:ext>
+            </a:extLst>
+          </p:cNvPr>
+          <p:cNvCxnSpPr>
+            <a:cxnSpLocks/>
+            <a:stCxn id="188" idx="3"/>
+            <a:endCxn id="112" idx="1"/>
+          </p:cNvCxnSpPr>
+          <p:nvPr/>
+        </p:nvCxnSpPr>
+        <p:spPr>
+          <a:xfrm>
+            <a:off x="4066626" y="1737755"/>
+            <a:ext cx="209111" cy="4775"/>
+          </a:xfrm>
+          <a:prstGeom prst="straightConnector1">
+            <a:avLst/>
+          </a:prstGeom>
+          <a:ln w="12700">
+            <a:solidFill>
+              <a:schemeClr val="tx1">
+                <a:lumMod val="50000"/>
+                <a:lumOff val="50000"/>
+              </a:schemeClr>
+            </a:solidFill>
+            <a:headEnd type="none" w="med" len="med"/>
+            <a:tailEnd type="triangle" w="med" len="med"/>
+          </a:ln>
+        </p:spPr>
+        <p:style>
+          <a:lnRef idx="1">
+            <a:schemeClr val="accent1"/>
+          </a:lnRef>
+          <a:fillRef idx="0">
+            <a:schemeClr val="accent1"/>
+          </a:fillRef>
+          <a:effectRef idx="0">
+            <a:schemeClr val="accent1"/>
+          </a:effectRef>
+          <a:fontRef idx="minor">
+            <a:schemeClr val="tx1"/>
+          </a:fontRef>
+        </p:style>
+      </p:cxnSp>
+      <p:cxnSp>
+        <p:nvCxnSpPr>
+          <p:cNvPr id="204" name="Straight Arrow Connector 203">
+            <a:extLst>
+              <a:ext uri="{FF2B5EF4-FFF2-40B4-BE49-F238E27FC236}">
+                <a16:creationId xmlns:a16="http://schemas.microsoft.com/office/drawing/2014/main" id="{9C27327B-4E18-134B-A4D9-A982FE4CEECC}"/>
+              </a:ext>
+            </a:extLst>
+          </p:cNvPr>
+          <p:cNvCxnSpPr>
+            <a:cxnSpLocks/>
+          </p:cNvCxnSpPr>
+          <p:nvPr/>
+        </p:nvCxnSpPr>
+        <p:spPr>
+          <a:xfrm flipH="1">
+            <a:off x="4044796" y="2456309"/>
+            <a:ext cx="255263" cy="200366"/>
+          </a:xfrm>
+          <a:prstGeom prst="straightConnector1">
+            <a:avLst/>
+          </a:prstGeom>
+          <a:ln w="12700">
+            <a:solidFill>
+              <a:schemeClr val="tx1">
+                <a:lumMod val="50000"/>
+                <a:lumOff val="50000"/>
+              </a:schemeClr>
+            </a:solidFill>
+            <a:headEnd type="none" w="med" len="med"/>
+            <a:tailEnd type="triangle" w="med" len="med"/>
+          </a:ln>
+        </p:spPr>
+        <p:style>
+          <a:lnRef idx="1">
+            <a:schemeClr val="accent1"/>
+          </a:lnRef>
+          <a:fillRef idx="0">
+            <a:schemeClr val="accent1"/>
+          </a:fillRef>
+          <a:effectRef idx="0">
+            <a:schemeClr val="accent1"/>
+          </a:effectRef>
+          <a:fontRef idx="minor">
+            <a:schemeClr val="tx1"/>
+          </a:fontRef>
+        </p:style>
+      </p:cxnSp>
+      <p:sp>
+        <p:nvSpPr>
+          <p:cNvPr id="180" name="Rectangle: Rounded Corners 18">
+            <a:extLst>
+              <a:ext uri="{FF2B5EF4-FFF2-40B4-BE49-F238E27FC236}">
+                <a16:creationId xmlns:a16="http://schemas.microsoft.com/office/drawing/2014/main" id="{A568BE54-2A5A-7440-8156-E6E9FE5857A8}"/>
+              </a:ext>
+            </a:extLst>
+          </p:cNvPr>
+          <p:cNvSpPr/>
+          <p:nvPr/>
+        </p:nvSpPr>
+        <p:spPr>
+          <a:xfrm>
+            <a:off x="4271448" y="2117755"/>
+            <a:ext cx="1555672" cy="371868"/>
+          </a:xfrm>
+          <a:prstGeom prst="roundRect">
+            <a:avLst>
+              <a:gd name="adj" fmla="val 11232"/>
+            </a:avLst>
+          </a:prstGeom>
+          <a:solidFill>
+            <a:schemeClr val="bg1"/>
+          </a:solidFill>
+          <a:ln w="12700" cap="flat" cmpd="sng" algn="ctr">
+            <a:solidFill>
+              <a:srgbClr val="92D050"/>
+            </a:solidFill>
+            <a:prstDash val="solid"/>
+            <a:round/>
+            <a:headEnd type="none" w="med" len="med"/>
+            <a:tailEnd type="none" w="med" len="med"/>
+          </a:ln>
+        </p:spPr>
+        <p:style>
+          <a:lnRef idx="0">
+            <a:scrgbClr r="0" g="0" b="0"/>
+          </a:lnRef>
+          <a:fillRef idx="0">
+            <a:scrgbClr r="0" g="0" b="0"/>
+          </a:fillRef>
+          <a:effectRef idx="0">
+            <a:scrgbClr r="0" g="0" b="0"/>
+          </a:effectRef>
+          <a:fontRef idx="minor">
+            <a:schemeClr val="accent2"/>
+          </a:fontRef>
+        </p:style>
+        <p:txBody>
+          <a:bodyPr rtlCol="0" anchor="ctr"/>
+          <a:lstStyle/>
+          <a:p>
+            <a:pPr algn="ctr"/>
+            <a:r>
+              <a:rPr lang="en-GB" sz="900" dirty="0">
+                <a:solidFill>
+                  <a:schemeClr val="tx1"/>
+                </a:solidFill>
+                <a:latin typeface="Avenir Book" panose="02000503020000020003" pitchFamily="2" charset="0"/>
+              </a:rPr>
+              <a:t>Feature engineering</a:t>
+            </a:r>
+          </a:p>
+          <a:p>
+            <a:pPr algn="ctr"/>
+            <a:r>
+              <a:rPr lang="en-GB" sz="750" i="1" dirty="0">
+                <a:solidFill>
+                  <a:schemeClr val="tx1"/>
+                </a:solidFill>
+                <a:latin typeface="Avenir Book" panose="02000503020000020003" pitchFamily="2" charset="0"/>
+              </a:rPr>
+              <a:t>(lexical overlap and </a:t>
+            </a:r>
+          </a:p>
+          <a:p>
+            <a:pPr algn="ctr"/>
+            <a:r>
+              <a:rPr lang="en-GB" sz="750" i="1" dirty="0">
+                <a:solidFill>
+                  <a:schemeClr val="tx1"/>
+                </a:solidFill>
+                <a:latin typeface="Avenir Book" panose="02000503020000020003" pitchFamily="2" charset="0"/>
+              </a:rPr>
+              <a:t>semantic similarity)</a:t>
+            </a:r>
+          </a:p>
+        </p:txBody>
+      </p:sp>
     </p:spTree>
     <p:extLst>
       <p:ext uri="{BB962C8B-B14F-4D97-AF65-F5344CB8AC3E}">

--- a/data/figures/MIP tech architecture - v1.pptx
+++ b/data/figures/MIP tech architecture - v1.pptx
@@ -9131,9 +9131,9 @@
           <p:nvPr/>
         </p:nvCxnSpPr>
         <p:spPr>
-          <a:xfrm flipH="1" flipV="1">
-            <a:off x="2743492" y="2905372"/>
-            <a:ext cx="195220" cy="4217"/>
+          <a:xfrm flipH="1">
+            <a:off x="2743492" y="2901193"/>
+            <a:ext cx="195220" cy="4179"/>
           </a:xfrm>
           <a:prstGeom prst="straightConnector1">
             <a:avLst/>
@@ -10149,8 +10149,8 @@
         </p:nvSpPr>
         <p:spPr>
           <a:xfrm>
-            <a:off x="2938712" y="2647766"/>
-            <a:ext cx="1127913" cy="523646"/>
+            <a:off x="2938712" y="2652496"/>
+            <a:ext cx="1127913" cy="497393"/>
           </a:xfrm>
           <a:prstGeom prst="roundRect">
             <a:avLst>
@@ -10242,9 +10242,9 @@
           <p:nvPr/>
         </p:nvCxnSpPr>
         <p:spPr>
-          <a:xfrm flipH="1">
-            <a:off x="4066625" y="2905372"/>
-            <a:ext cx="188378" cy="4217"/>
+          <a:xfrm flipH="1" flipV="1">
+            <a:off x="4066625" y="2901193"/>
+            <a:ext cx="188378" cy="4179"/>
           </a:xfrm>
           <a:prstGeom prst="straightConnector1">
             <a:avLst/>
